--- a/Slide_APCS/題解_20180818.pptx
+++ b/Slide_APCS/題解_20180818.pptx
@@ -9,6 +9,10 @@
     <p:sldId id="257" r:id="rId3"/>
     <p:sldId id="258" r:id="rId4"/>
     <p:sldId id="259" r:id="rId5"/>
+    <p:sldId id="260" r:id="rId6"/>
+    <p:sldId id="261" r:id="rId7"/>
+    <p:sldId id="262" r:id="rId8"/>
+    <p:sldId id="263" r:id="rId9"/>
   </p:sldIdLst>
   <p:sldSz cx="12192000" cy="6858000"/>
   <p:notesSz cx="6858000" cy="9144000"/>
@@ -627,7 +631,7 @@
           <a:p>
             <a:fld id="{83284890-85D2-4D7B-8EF5-15A9C1DB8F42}" type="datetimeFigureOut">
               <a:rPr lang="en-US" smtClean="0"/>
-              <a:t>8/31/19</a:t>
+              <a:t>9/1/19</a:t>
             </a:fld>
             <a:endParaRPr lang="en-US"/>
           </a:p>
@@ -807,7 +811,7 @@
           <a:p>
             <a:fld id="{87157CC2-0FC8-4686-B024-99790E0F5162}" type="datetimeFigureOut">
               <a:rPr lang="en-US" smtClean="0"/>
-              <a:t>8/31/19</a:t>
+              <a:t>9/1/19</a:t>
             </a:fld>
             <a:endParaRPr lang="en-US"/>
           </a:p>
@@ -987,7 +991,7 @@
           <a:p>
             <a:fld id="{F6764DA5-CD3D-4590-A511-FCD3BC7A793E}" type="datetimeFigureOut">
               <a:rPr lang="en-US" smtClean="0"/>
-              <a:t>8/31/19</a:t>
+              <a:t>9/1/19</a:t>
             </a:fld>
             <a:endParaRPr lang="en-US"/>
           </a:p>
@@ -1157,7 +1161,7 @@
           <a:p>
             <a:fld id="{82F5661D-6934-4B32-B92C-470368BF1EC6}" type="datetimeFigureOut">
               <a:rPr lang="en-US" smtClean="0"/>
-              <a:t>8/31/19</a:t>
+              <a:t>9/1/19</a:t>
             </a:fld>
             <a:endParaRPr lang="en-US"/>
           </a:p>
@@ -1478,7 +1482,7 @@
           <a:p>
             <a:fld id="{C6F822A4-8DA6-4447-9B1F-C5DB58435268}" type="datetimeFigureOut">
               <a:rPr lang="en-US" smtClean="0"/>
-              <a:t>8/31/19</a:t>
+              <a:t>9/1/19</a:t>
             </a:fld>
             <a:endParaRPr lang="en-US" dirty="0"/>
           </a:p>
@@ -1939,7 +1943,7 @@
           <a:p>
             <a:fld id="{E548D31E-DCDA-41A7-9C67-C4B11B94D21D}" type="datetimeFigureOut">
               <a:rPr lang="en-US" smtClean="0"/>
-              <a:t>8/31/19</a:t>
+              <a:t>9/1/19</a:t>
             </a:fld>
             <a:endParaRPr lang="en-US"/>
           </a:p>
@@ -2350,7 +2354,7 @@
           <a:p>
             <a:fld id="{9B3762C0-B258-48F1-ADE6-176B4174CCDD}" type="datetimeFigureOut">
               <a:rPr lang="en-US" smtClean="0"/>
-              <a:t>8/31/19</a:t>
+              <a:t>9/1/19</a:t>
             </a:fld>
             <a:endParaRPr lang="en-US"/>
           </a:p>
@@ -2468,7 +2472,7 @@
           <a:p>
             <a:fld id="{677919A6-33EB-49BD-A62F-1FA56B9F9712}" type="datetimeFigureOut">
               <a:rPr lang="en-US" smtClean="0"/>
-              <a:t>8/31/19</a:t>
+              <a:t>9/1/19</a:t>
             </a:fld>
             <a:endParaRPr lang="en-US"/>
           </a:p>
@@ -2586,7 +2590,7 @@
           <a:p>
             <a:fld id="{CA4E7D1B-D673-4CF6-8672-009D42ABD2A0}" type="datetimeFigureOut">
               <a:rPr lang="en-US" smtClean="0"/>
-              <a:t>8/31/19</a:t>
+              <a:t>9/1/19</a:t>
             </a:fld>
             <a:endParaRPr lang="en-US"/>
           </a:p>
@@ -2944,7 +2948,7 @@
           <a:p>
             <a:fld id="{DA16AA21-1863-4931-97CB-99D0A168701B}" type="datetimeFigureOut">
               <a:rPr lang="en-US" smtClean="0"/>
-              <a:t>8/31/19</a:t>
+              <a:t>9/1/19</a:t>
             </a:fld>
             <a:endParaRPr lang="en-US"/>
           </a:p>
@@ -3451,7 +3455,7 @@
           <a:p>
             <a:fld id="{3772C379-9A7C-4C87-A116-CBE9F58B04C5}" type="datetimeFigureOut">
               <a:rPr lang="en-US" smtClean="0"/>
-              <a:t>8/31/19</a:t>
+              <a:t>9/1/19</a:t>
             </a:fld>
             <a:endParaRPr lang="en-US"/>
           </a:p>
@@ -3806,7 +3810,7 @@
           <a:p>
             <a:fld id="{8664C608-40B1-4030-A28D-5B74BC98ADCE}" type="datetimeFigureOut">
               <a:rPr lang="en-US" smtClean="0"/>
-              <a:t>8/31/19</a:t>
+              <a:t>9/1/19</a:t>
             </a:fld>
             <a:endParaRPr lang="en-US" dirty="0"/>
           </a:p>
@@ -4506,84 +4510,456 @@
             <p:ph type="subTitle" idx="1"/>
           </p:nvPr>
         </p:nvSpPr>
-        <p:spPr/>
+        <p:spPr>
+          <a:xfrm>
+            <a:off x="1069848" y="4389119"/>
+            <a:ext cx="7891272" cy="1969639"/>
+          </a:xfrm>
+        </p:spPr>
         <p:txBody>
           <a:bodyPr>
-            <a:normAutofit fontScale="92500" lnSpcReduction="20000"/>
+            <a:normAutofit/>
           </a:bodyPr>
           <a:lstStyle/>
           <a:p>
             <a:r>
-              <a:rPr lang="en-US" altLang="zh-TW" dirty="0"/>
+              <a:rPr lang="en-US" altLang="zh-TW" sz="2000" dirty="0"/>
               <a:t>2016</a:t>
             </a:r>
             <a:r>
-              <a:rPr lang="zh-TW" altLang="zh-TW" dirty="0"/>
+              <a:rPr lang="zh-TW" altLang="zh-TW" sz="2000" dirty="0"/>
               <a:t>年</a:t>
             </a:r>
             <a:r>
-              <a:rPr lang="en-US" altLang="zh-TW" dirty="0"/>
+              <a:rPr lang="en-US" altLang="zh-TW" sz="2000" dirty="0"/>
               <a:t>3</a:t>
             </a:r>
             <a:r>
-              <a:rPr lang="zh-TW" altLang="zh-TW" dirty="0"/>
+              <a:rPr lang="zh-TW" altLang="zh-TW" sz="2000" dirty="0"/>
               <a:t>月 </a:t>
             </a:r>
             <a:r>
-              <a:rPr lang="en-US" altLang="zh-TW" dirty="0"/>
+              <a:rPr lang="en-US" altLang="zh-TW" sz="2000" dirty="0"/>
               <a:t>#2</a:t>
             </a:r>
-            <a:endParaRPr lang="zh-TW" altLang="zh-TW" dirty="0"/>
-          </a:p>
-          <a:p>
-            <a:r>
-              <a:rPr lang="en-US" altLang="zh-TW" dirty="0"/>
+            <a:endParaRPr lang="zh-TW" altLang="zh-TW" sz="2000" dirty="0"/>
+          </a:p>
+          <a:p>
+            <a:r>
+              <a:rPr lang="en-US" altLang="zh-TW" sz="2000" dirty="0"/>
               <a:t>2016</a:t>
             </a:r>
             <a:r>
-              <a:rPr lang="zh-TW" altLang="zh-TW" dirty="0"/>
+              <a:rPr lang="zh-TW" altLang="zh-TW" sz="2000" dirty="0"/>
               <a:t>年</a:t>
             </a:r>
             <a:r>
-              <a:rPr lang="en-US" altLang="zh-TW" dirty="0"/>
+              <a:rPr lang="en-US" altLang="zh-TW" sz="2000" dirty="0"/>
               <a:t>10</a:t>
             </a:r>
             <a:r>
-              <a:rPr lang="zh-TW" altLang="zh-TW" dirty="0"/>
+              <a:rPr lang="zh-TW" altLang="zh-TW" sz="2000" dirty="0"/>
               <a:t>月 </a:t>
             </a:r>
             <a:r>
-              <a:rPr lang="en-US" altLang="zh-TW" dirty="0"/>
+              <a:rPr lang="en-US" altLang="zh-TW" sz="2000" dirty="0"/>
               <a:t>#1</a:t>
             </a:r>
-            <a:endParaRPr lang="zh-TW" altLang="zh-TW" dirty="0"/>
-          </a:p>
-          <a:p>
-            <a:r>
-              <a:rPr lang="en-US" altLang="zh-TW" dirty="0"/>
+            <a:endParaRPr lang="zh-TW" altLang="zh-TW" sz="2000" dirty="0"/>
+          </a:p>
+          <a:p>
+            <a:r>
+              <a:rPr lang="en-US" altLang="zh-TW" sz="2000" dirty="0"/>
               <a:t>2016</a:t>
             </a:r>
             <a:r>
-              <a:rPr lang="zh-TW" altLang="zh-TW" dirty="0"/>
+              <a:rPr lang="zh-TW" altLang="zh-TW" sz="2000" dirty="0"/>
               <a:t>年</a:t>
             </a:r>
             <a:r>
-              <a:rPr lang="en-US" altLang="zh-TW" dirty="0"/>
+              <a:rPr lang="en-US" altLang="zh-TW" sz="2000" dirty="0"/>
               <a:t>10</a:t>
             </a:r>
             <a:r>
-              <a:rPr lang="zh-TW" altLang="zh-TW" dirty="0"/>
+              <a:rPr lang="zh-TW" altLang="zh-TW" sz="2000" dirty="0"/>
               <a:t>月 </a:t>
             </a:r>
             <a:r>
-              <a:rPr lang="en-US" altLang="zh-TW" dirty="0"/>
+              <a:rPr lang="en-US" altLang="zh-TW" sz="2000" dirty="0"/>
               <a:t>#2</a:t>
             </a:r>
             <a:r>
-              <a:rPr lang="zh-TW" altLang="zh-TW" dirty="0"/>
+              <a:rPr lang="zh-TW" altLang="zh-TW" sz="2000" dirty="0"/>
               <a:t> </a:t>
             </a:r>
-            <a:endParaRPr kumimoji="1" lang="zh-TW" altLang="en-US" dirty="0"/>
+            <a:endParaRPr kumimoji="1" lang="zh-TW" altLang="en-US" sz="2000" dirty="0"/>
+          </a:p>
+        </p:txBody>
+      </p:sp>
+      <p:sp>
+        <p:nvSpPr>
+          <p:cNvPr id="4" name="副標題 2">
+            <a:extLst>
+              <a:ext uri="{FF2B5EF4-FFF2-40B4-BE49-F238E27FC236}">
+                <a16:creationId xmlns:a16="http://schemas.microsoft.com/office/drawing/2014/main" id="{59F84124-D450-3A42-9F3F-A5AF41ED7077}"/>
+              </a:ext>
+            </a:extLst>
+          </p:cNvPr>
+          <p:cNvSpPr txBox="1">
+            <a:spLocks/>
+          </p:cNvSpPr>
+          <p:nvPr/>
+        </p:nvSpPr>
+        <p:spPr>
+          <a:xfrm>
+            <a:off x="4109544" y="4389120"/>
+            <a:ext cx="4851575" cy="2148314"/>
+          </a:xfrm>
+          <a:prstGeom prst="rect">
+            <a:avLst/>
+          </a:prstGeom>
+        </p:spPr>
+        <p:txBody>
+          <a:bodyPr vert="horz" lIns="91440" tIns="45720" rIns="91440" bIns="45720" rtlCol="0">
+            <a:normAutofit/>
+          </a:bodyPr>
+          <a:lstStyle>
+            <a:lvl1pPr marL="0" indent="0" algn="l" defTabSz="914400" rtl="0" eaLnBrk="1" latinLnBrk="0" hangingPunct="1">
+              <a:lnSpc>
+                <a:spcPct val="90000"/>
+              </a:lnSpc>
+              <a:spcBef>
+                <a:spcPts val="1200"/>
+              </a:spcBef>
+              <a:buClr>
+                <a:schemeClr val="accent1">
+                  <a:lumMod val="75000"/>
+                </a:schemeClr>
+              </a:buClr>
+              <a:buSzPct val="85000"/>
+              <a:buFont typeface="Wingdings" pitchFamily="2" charset="2"/>
+              <a:buNone/>
+              <a:defRPr sz="2200" kern="1200">
+                <a:solidFill>
+                  <a:schemeClr val="tx1"/>
+                </a:solidFill>
+                <a:latin typeface="+mn-lt"/>
+                <a:ea typeface="+mn-ea"/>
+                <a:cs typeface="+mn-cs"/>
+              </a:defRPr>
+            </a:lvl1pPr>
+            <a:lvl2pPr marL="457200" indent="0" algn="ctr" defTabSz="914400" rtl="0" eaLnBrk="1" latinLnBrk="0" hangingPunct="1">
+              <a:lnSpc>
+                <a:spcPct val="90000"/>
+              </a:lnSpc>
+              <a:spcBef>
+                <a:spcPts val="400"/>
+              </a:spcBef>
+              <a:spcAft>
+                <a:spcPts val="200"/>
+              </a:spcAft>
+              <a:buClr>
+                <a:schemeClr val="accent1">
+                  <a:lumMod val="75000"/>
+                </a:schemeClr>
+              </a:buClr>
+              <a:buSzPct val="85000"/>
+              <a:buFont typeface="Wingdings" pitchFamily="2" charset="2"/>
+              <a:buNone/>
+              <a:defRPr sz="2800" kern="1200">
+                <a:solidFill>
+                  <a:schemeClr val="tx1"/>
+                </a:solidFill>
+                <a:latin typeface="+mn-lt"/>
+                <a:ea typeface="+mn-ea"/>
+                <a:cs typeface="+mn-cs"/>
+              </a:defRPr>
+            </a:lvl2pPr>
+            <a:lvl3pPr marL="914400" indent="0" algn="ctr" defTabSz="914400" rtl="0" eaLnBrk="1" latinLnBrk="0" hangingPunct="1">
+              <a:lnSpc>
+                <a:spcPct val="90000"/>
+              </a:lnSpc>
+              <a:spcBef>
+                <a:spcPts val="400"/>
+              </a:spcBef>
+              <a:spcAft>
+                <a:spcPts val="200"/>
+              </a:spcAft>
+              <a:buClr>
+                <a:schemeClr val="accent1">
+                  <a:lumMod val="75000"/>
+                </a:schemeClr>
+              </a:buClr>
+              <a:buSzPct val="85000"/>
+              <a:buFont typeface="Wingdings" pitchFamily="2" charset="2"/>
+              <a:buNone/>
+              <a:defRPr sz="2400" kern="1200">
+                <a:solidFill>
+                  <a:schemeClr val="tx1"/>
+                </a:solidFill>
+                <a:latin typeface="+mn-lt"/>
+                <a:ea typeface="+mn-ea"/>
+                <a:cs typeface="+mn-cs"/>
+              </a:defRPr>
+            </a:lvl3pPr>
+            <a:lvl4pPr marL="1371600" indent="0" algn="ctr" defTabSz="914400" rtl="0" eaLnBrk="1" latinLnBrk="0" hangingPunct="1">
+              <a:lnSpc>
+                <a:spcPct val="90000"/>
+              </a:lnSpc>
+              <a:spcBef>
+                <a:spcPts val="400"/>
+              </a:spcBef>
+              <a:spcAft>
+                <a:spcPts val="200"/>
+              </a:spcAft>
+              <a:buClr>
+                <a:schemeClr val="accent1">
+                  <a:lumMod val="75000"/>
+                </a:schemeClr>
+              </a:buClr>
+              <a:buSzPct val="85000"/>
+              <a:buFont typeface="Wingdings" pitchFamily="2" charset="2"/>
+              <a:buNone/>
+              <a:defRPr sz="2000" kern="1200">
+                <a:solidFill>
+                  <a:schemeClr val="tx1"/>
+                </a:solidFill>
+                <a:latin typeface="+mn-lt"/>
+                <a:ea typeface="+mn-ea"/>
+                <a:cs typeface="+mn-cs"/>
+              </a:defRPr>
+            </a:lvl4pPr>
+            <a:lvl5pPr marL="1828800" indent="0" algn="ctr" defTabSz="914400" rtl="0" eaLnBrk="1" latinLnBrk="0" hangingPunct="1">
+              <a:lnSpc>
+                <a:spcPct val="90000"/>
+              </a:lnSpc>
+              <a:spcBef>
+                <a:spcPts val="400"/>
+              </a:spcBef>
+              <a:spcAft>
+                <a:spcPts val="200"/>
+              </a:spcAft>
+              <a:buClr>
+                <a:schemeClr val="accent1">
+                  <a:lumMod val="75000"/>
+                </a:schemeClr>
+              </a:buClr>
+              <a:buSzPct val="85000"/>
+              <a:buFont typeface="Wingdings" pitchFamily="2" charset="2"/>
+              <a:buNone/>
+              <a:defRPr sz="2000" kern="1200">
+                <a:solidFill>
+                  <a:schemeClr val="tx1"/>
+                </a:solidFill>
+                <a:latin typeface="+mn-lt"/>
+                <a:ea typeface="+mn-ea"/>
+                <a:cs typeface="+mn-cs"/>
+              </a:defRPr>
+            </a:lvl5pPr>
+            <a:lvl6pPr marL="2286000" indent="0" algn="ctr" defTabSz="914400" rtl="0" eaLnBrk="1" latinLnBrk="0" hangingPunct="1">
+              <a:lnSpc>
+                <a:spcPct val="90000"/>
+              </a:lnSpc>
+              <a:spcBef>
+                <a:spcPts val="400"/>
+              </a:spcBef>
+              <a:spcAft>
+                <a:spcPts val="200"/>
+              </a:spcAft>
+              <a:buClr>
+                <a:schemeClr val="accent1">
+                  <a:lumMod val="75000"/>
+                </a:schemeClr>
+              </a:buClr>
+              <a:buSzPct val="85000"/>
+              <a:buFont typeface="Wingdings" pitchFamily="2" charset="2"/>
+              <a:buNone/>
+              <a:defRPr sz="2000" kern="1200">
+                <a:solidFill>
+                  <a:schemeClr val="tx1"/>
+                </a:solidFill>
+                <a:latin typeface="+mn-lt"/>
+                <a:ea typeface="+mn-ea"/>
+                <a:cs typeface="+mn-cs"/>
+              </a:defRPr>
+            </a:lvl6pPr>
+            <a:lvl7pPr marL="2743200" indent="0" algn="ctr" defTabSz="914400" rtl="0" eaLnBrk="1" latinLnBrk="0" hangingPunct="1">
+              <a:lnSpc>
+                <a:spcPct val="90000"/>
+              </a:lnSpc>
+              <a:spcBef>
+                <a:spcPts val="400"/>
+              </a:spcBef>
+              <a:spcAft>
+                <a:spcPts val="200"/>
+              </a:spcAft>
+              <a:buClr>
+                <a:schemeClr val="accent1">
+                  <a:lumMod val="75000"/>
+                </a:schemeClr>
+              </a:buClr>
+              <a:buSzPct val="85000"/>
+              <a:buFont typeface="Wingdings" pitchFamily="2" charset="2"/>
+              <a:buNone/>
+              <a:defRPr sz="2000" kern="1200">
+                <a:solidFill>
+                  <a:schemeClr val="tx1"/>
+                </a:solidFill>
+                <a:latin typeface="+mn-lt"/>
+                <a:ea typeface="+mn-ea"/>
+                <a:cs typeface="+mn-cs"/>
+              </a:defRPr>
+            </a:lvl7pPr>
+            <a:lvl8pPr marL="3200400" indent="0" algn="ctr" defTabSz="914400" rtl="0" eaLnBrk="1" latinLnBrk="0" hangingPunct="1">
+              <a:lnSpc>
+                <a:spcPct val="90000"/>
+              </a:lnSpc>
+              <a:spcBef>
+                <a:spcPts val="400"/>
+              </a:spcBef>
+              <a:spcAft>
+                <a:spcPts val="200"/>
+              </a:spcAft>
+              <a:buClr>
+                <a:schemeClr val="accent1">
+                  <a:lumMod val="75000"/>
+                </a:schemeClr>
+              </a:buClr>
+              <a:buSzPct val="85000"/>
+              <a:buFont typeface="Wingdings" pitchFamily="2" charset="2"/>
+              <a:buNone/>
+              <a:defRPr sz="2000" kern="1200">
+                <a:solidFill>
+                  <a:schemeClr val="tx1"/>
+                </a:solidFill>
+                <a:latin typeface="+mn-lt"/>
+                <a:ea typeface="+mn-ea"/>
+                <a:cs typeface="+mn-cs"/>
+              </a:defRPr>
+            </a:lvl8pPr>
+            <a:lvl9pPr marL="3657600" indent="0" algn="ctr" defTabSz="914400" rtl="0" eaLnBrk="1" latinLnBrk="0" hangingPunct="1">
+              <a:lnSpc>
+                <a:spcPct val="90000"/>
+              </a:lnSpc>
+              <a:spcBef>
+                <a:spcPts val="400"/>
+              </a:spcBef>
+              <a:spcAft>
+                <a:spcPts val="200"/>
+              </a:spcAft>
+              <a:buClr>
+                <a:schemeClr val="accent1">
+                  <a:lumMod val="75000"/>
+                </a:schemeClr>
+              </a:buClr>
+              <a:buSzPct val="85000"/>
+              <a:buFont typeface="Wingdings" pitchFamily="2" charset="2"/>
+              <a:buNone/>
+              <a:defRPr sz="2000" kern="1200">
+                <a:solidFill>
+                  <a:schemeClr val="tx1"/>
+                </a:solidFill>
+                <a:latin typeface="+mn-lt"/>
+                <a:ea typeface="+mn-ea"/>
+                <a:cs typeface="+mn-cs"/>
+              </a:defRPr>
+            </a:lvl9pPr>
+          </a:lstStyle>
+          <a:p>
+            <a:r>
+              <a:rPr lang="en-US" altLang="zh-TW" sz="2000" dirty="0"/>
+              <a:t>2017</a:t>
+            </a:r>
+            <a:r>
+              <a:rPr lang="zh-TW" altLang="zh-TW" sz="2000" dirty="0"/>
+              <a:t>年</a:t>
+            </a:r>
+            <a:r>
+              <a:rPr lang="en-US" altLang="zh-TW" sz="2000" dirty="0"/>
+              <a:t>3</a:t>
+            </a:r>
+            <a:r>
+              <a:rPr lang="zh-TW" altLang="zh-TW" sz="2000" dirty="0"/>
+              <a:t>月 </a:t>
+            </a:r>
+            <a:r>
+              <a:rPr lang="en-US" altLang="zh-TW" sz="2000" dirty="0"/>
+              <a:t>#1</a:t>
+            </a:r>
+            <a:endParaRPr lang="zh-TW" altLang="zh-TW" sz="2000" dirty="0"/>
+          </a:p>
+          <a:p>
+            <a:r>
+              <a:rPr lang="en-US" altLang="zh-TW" sz="2000" dirty="0"/>
+              <a:t>2017</a:t>
+            </a:r>
+            <a:r>
+              <a:rPr lang="zh-TW" altLang="zh-TW" sz="2000" dirty="0"/>
+              <a:t>年</a:t>
+            </a:r>
+            <a:r>
+              <a:rPr lang="en-US" altLang="zh-TW" sz="2000" dirty="0"/>
+              <a:t>3</a:t>
+            </a:r>
+            <a:r>
+              <a:rPr lang="zh-TW" altLang="zh-TW" sz="2000" dirty="0"/>
+              <a:t>月 </a:t>
+            </a:r>
+            <a:r>
+              <a:rPr lang="en-US" altLang="zh-TW" sz="2000" dirty="0"/>
+              <a:t>#3</a:t>
+            </a:r>
+            <a:endParaRPr lang="zh-TW" altLang="zh-TW" sz="2000" dirty="0"/>
+          </a:p>
+          <a:p>
+            <a:r>
+              <a:rPr lang="en-US" altLang="zh-TW" sz="2000" dirty="0"/>
+              <a:t>2017</a:t>
+            </a:r>
+            <a:r>
+              <a:rPr lang="zh-TW" altLang="zh-TW" sz="2000" dirty="0"/>
+              <a:t>年</a:t>
+            </a:r>
+            <a:r>
+              <a:rPr lang="en-US" altLang="zh-TW" sz="2000" dirty="0"/>
+              <a:t>10</a:t>
+            </a:r>
+            <a:r>
+              <a:rPr lang="zh-TW" altLang="zh-TW" sz="2000" dirty="0"/>
+              <a:t>月 </a:t>
+            </a:r>
+            <a:r>
+              <a:rPr lang="en-US" altLang="zh-TW" sz="2000" dirty="0"/>
+              <a:t>#1</a:t>
+            </a:r>
+            <a:endParaRPr lang="zh-TW" altLang="zh-TW" sz="2000" dirty="0"/>
+          </a:p>
+          <a:p>
+            <a:r>
+              <a:rPr lang="en-US" altLang="zh-TW" sz="2000" dirty="0"/>
+              <a:t>2017</a:t>
+            </a:r>
+            <a:r>
+              <a:rPr lang="zh-TW" altLang="zh-TW" sz="2000" dirty="0"/>
+              <a:t>年</a:t>
+            </a:r>
+            <a:r>
+              <a:rPr lang="en-US" altLang="zh-TW" sz="2000" dirty="0"/>
+              <a:t>10</a:t>
+            </a:r>
+            <a:r>
+              <a:rPr lang="zh-TW" altLang="zh-TW" sz="2000" dirty="0"/>
+              <a:t>月 </a:t>
+            </a:r>
+            <a:r>
+              <a:rPr lang="en-US" altLang="zh-TW" sz="2000" dirty="0"/>
+              <a:t>#2</a:t>
+            </a:r>
+            <a:r>
+              <a:rPr lang="zh-TW" altLang="zh-TW" sz="2000" dirty="0"/>
+              <a:t> </a:t>
+            </a:r>
+            <a:endParaRPr kumimoji="1" lang="zh-TW" altLang="en-US" sz="2000" dirty="0"/>
           </a:p>
         </p:txBody>
       </p:sp>
@@ -6235,6 +6611,5944 @@
     <p:extLst>
       <p:ext uri="{BB962C8B-B14F-4D97-AF65-F5344CB8AC3E}">
         <p14:creationId xmlns:p14="http://schemas.microsoft.com/office/powerpoint/2010/main" val="1542296735"/>
+      </p:ext>
+    </p:extLst>
+  </p:cSld>
+  <p:clrMapOvr>
+    <a:masterClrMapping/>
+  </p:clrMapOvr>
+</p:sld>
+</file>
+
+<file path=ppt/slides/slide5.xml><?xml version="1.0" encoding="utf-8"?>
+<p:sld xmlns:a="http://schemas.openxmlformats.org/drawingml/2006/main" xmlns:r="http://schemas.openxmlformats.org/officeDocument/2006/relationships" xmlns:p="http://schemas.openxmlformats.org/presentationml/2006/main">
+  <p:cSld>
+    <p:spTree>
+      <p:nvGrpSpPr>
+        <p:cNvPr id="1" name=""/>
+        <p:cNvGrpSpPr/>
+        <p:nvPr/>
+      </p:nvGrpSpPr>
+      <p:grpSpPr>
+        <a:xfrm>
+          <a:off x="0" y="0"/>
+          <a:ext cx="0" cy="0"/>
+          <a:chOff x="0" y="0"/>
+          <a:chExt cx="0" cy="0"/>
+        </a:xfrm>
+      </p:grpSpPr>
+      <p:sp>
+        <p:nvSpPr>
+          <p:cNvPr id="4" name="標題 3">
+            <a:extLst>
+              <a:ext uri="{FF2B5EF4-FFF2-40B4-BE49-F238E27FC236}">
+                <a16:creationId xmlns:a16="http://schemas.microsoft.com/office/drawing/2014/main" id="{FB04F99A-9FC0-4E48-8CA5-955950866EE7}"/>
+              </a:ext>
+            </a:extLst>
+          </p:cNvPr>
+          <p:cNvSpPr>
+            <a:spLocks noGrp="1"/>
+          </p:cNvSpPr>
+          <p:nvPr>
+            <p:ph type="title"/>
+          </p:nvPr>
+        </p:nvSpPr>
+        <p:spPr>
+          <a:xfrm>
+            <a:off x="1066800" y="0"/>
+            <a:ext cx="10058400" cy="956441"/>
+          </a:xfrm>
+        </p:spPr>
+        <p:txBody>
+          <a:bodyPr>
+            <a:normAutofit/>
+          </a:bodyPr>
+          <a:lstStyle/>
+          <a:p>
+            <a:r>
+              <a:rPr kumimoji="1" lang="en-US" altLang="zh-TW" sz="4000" dirty="0"/>
+              <a:t>APCS</a:t>
+            </a:r>
+            <a:r>
+              <a:rPr kumimoji="1" lang="zh-TW" altLang="en-US" sz="4000" dirty="0"/>
+              <a:t> </a:t>
+            </a:r>
+            <a:r>
+              <a:rPr lang="en-US" altLang="zh-TW" sz="4000" dirty="0"/>
+              <a:t>2017</a:t>
+            </a:r>
+            <a:r>
+              <a:rPr lang="zh-TW" altLang="zh-TW" sz="4000" dirty="0"/>
+              <a:t>年</a:t>
+            </a:r>
+            <a:r>
+              <a:rPr lang="en-US" altLang="zh-TW" sz="4000" dirty="0"/>
+              <a:t>3</a:t>
+            </a:r>
+            <a:r>
+              <a:rPr lang="zh-TW" altLang="zh-TW" sz="4000" dirty="0"/>
+              <a:t>月 </a:t>
+            </a:r>
+            <a:r>
+              <a:rPr lang="en-US" altLang="zh-TW" sz="4000" dirty="0"/>
+              <a:t>#1</a:t>
+            </a:r>
+            <a:r>
+              <a:rPr lang="zh-TW" altLang="en-US" sz="4000" dirty="0"/>
+              <a:t> 秘密差</a:t>
+            </a:r>
+            <a:endParaRPr kumimoji="1" lang="zh-TW" altLang="en-US" sz="4000" dirty="0"/>
+          </a:p>
+        </p:txBody>
+      </p:sp>
+      <p:sp>
+        <p:nvSpPr>
+          <p:cNvPr id="2" name="文字方塊 1">
+            <a:extLst>
+              <a:ext uri="{FF2B5EF4-FFF2-40B4-BE49-F238E27FC236}">
+                <a16:creationId xmlns:a16="http://schemas.microsoft.com/office/drawing/2014/main" id="{EE51C9AD-30A9-6546-8247-8D58F7C771A9}"/>
+              </a:ext>
+            </a:extLst>
+          </p:cNvPr>
+          <p:cNvSpPr txBox="1"/>
+          <p:nvPr/>
+        </p:nvSpPr>
+        <p:spPr>
+          <a:xfrm>
+            <a:off x="1066800" y="1334814"/>
+            <a:ext cx="7715574" cy="3693319"/>
+          </a:xfrm>
+          <a:prstGeom prst="rect">
+            <a:avLst/>
+          </a:prstGeom>
+          <a:noFill/>
+          <a:ln>
+            <a:solidFill>
+              <a:schemeClr val="accent1"/>
+            </a:solidFill>
+          </a:ln>
+        </p:spPr>
+        <p:txBody>
+          <a:bodyPr wrap="none" rtlCol="0">
+            <a:spAutoFit/>
+          </a:bodyPr>
+          <a:lstStyle/>
+          <a:p>
+            <a:pPr marL="0" marR="0" lvl="0" indent="0" algn="l" defTabSz="914400" rtl="0" eaLnBrk="1" fontAlgn="auto" latinLnBrk="0" hangingPunct="1">
+              <a:lnSpc>
+                <a:spcPct val="100000"/>
+              </a:lnSpc>
+              <a:spcBef>
+                <a:spcPts val="0"/>
+              </a:spcBef>
+              <a:spcAft>
+                <a:spcPts val="0"/>
+              </a:spcAft>
+              <a:buClrTx/>
+              <a:buSzTx/>
+              <a:buFontTx/>
+              <a:buNone/>
+              <a:tabLst/>
+              <a:defRPr/>
+            </a:pPr>
+            <a:r>
+              <a:rPr kumimoji="1" lang="en" altLang="zh-TW" sz="1800" b="0" i="0" u="none" strike="noStrike" kern="1200" cap="none" spc="0" normalizeH="0" baseline="0" noProof="0" dirty="0">
+                <a:ln>
+                  <a:noFill/>
+                </a:ln>
+                <a:solidFill>
+                  <a:prstClr val="black"/>
+                </a:solidFill>
+                <a:effectLst/>
+                <a:uLnTx/>
+                <a:uFillTx/>
+                <a:latin typeface="Menlo" panose="020B0609030804020204" pitchFamily="49" charset="0"/>
+                <a:ea typeface="Menlo" panose="020B0609030804020204" pitchFamily="49" charset="0"/>
+                <a:cs typeface="Menlo" panose="020B0609030804020204" pitchFamily="49" charset="0"/>
+              </a:rPr>
+              <a:t>while True:</a:t>
+            </a:r>
+          </a:p>
+          <a:p>
+            <a:pPr marL="0" marR="0" lvl="0" indent="0" algn="l" defTabSz="914400" rtl="0" eaLnBrk="1" fontAlgn="auto" latinLnBrk="0" hangingPunct="1">
+              <a:lnSpc>
+                <a:spcPct val="100000"/>
+              </a:lnSpc>
+              <a:spcBef>
+                <a:spcPts val="0"/>
+              </a:spcBef>
+              <a:spcAft>
+                <a:spcPts val="0"/>
+              </a:spcAft>
+              <a:buClrTx/>
+              <a:buSzTx/>
+              <a:buFontTx/>
+              <a:buNone/>
+              <a:tabLst/>
+              <a:defRPr/>
+            </a:pPr>
+            <a:r>
+              <a:rPr kumimoji="1" lang="en" altLang="zh-TW" sz="1800" b="0" i="0" u="none" strike="noStrike" kern="1200" cap="none" spc="0" normalizeH="0" baseline="0" noProof="0" dirty="0">
+                <a:ln>
+                  <a:noFill/>
+                </a:ln>
+                <a:solidFill>
+                  <a:prstClr val="black"/>
+                </a:solidFill>
+                <a:effectLst/>
+                <a:uLnTx/>
+                <a:uFillTx/>
+                <a:latin typeface="Menlo" panose="020B0609030804020204" pitchFamily="49" charset="0"/>
+                <a:ea typeface="Menlo" panose="020B0609030804020204" pitchFamily="49" charset="0"/>
+                <a:cs typeface="Menlo" panose="020B0609030804020204" pitchFamily="49" charset="0"/>
+              </a:rPr>
+              <a:t>    try:</a:t>
+            </a:r>
+          </a:p>
+          <a:p>
+            <a:pPr marL="0" marR="0" lvl="0" indent="0" algn="l" defTabSz="914400" rtl="0" eaLnBrk="1" fontAlgn="auto" latinLnBrk="0" hangingPunct="1">
+              <a:lnSpc>
+                <a:spcPct val="100000"/>
+              </a:lnSpc>
+              <a:spcBef>
+                <a:spcPts val="0"/>
+              </a:spcBef>
+              <a:spcAft>
+                <a:spcPts val="0"/>
+              </a:spcAft>
+              <a:buClrTx/>
+              <a:buSzTx/>
+              <a:buFontTx/>
+              <a:buNone/>
+              <a:tabLst/>
+              <a:defRPr/>
+            </a:pPr>
+            <a:r>
+              <a:rPr kumimoji="1" lang="en" altLang="zh-TW" sz="1800" b="0" i="0" u="none" strike="noStrike" kern="1200" cap="none" spc="0" normalizeH="0" baseline="0" noProof="0" dirty="0">
+                <a:ln>
+                  <a:noFill/>
+                </a:ln>
+                <a:solidFill>
+                  <a:prstClr val="black"/>
+                </a:solidFill>
+                <a:effectLst/>
+                <a:uLnTx/>
+                <a:uFillTx/>
+                <a:latin typeface="Menlo" panose="020B0609030804020204" pitchFamily="49" charset="0"/>
+                <a:ea typeface="Menlo" panose="020B0609030804020204" pitchFamily="49" charset="0"/>
+                <a:cs typeface="Menlo" panose="020B0609030804020204" pitchFamily="49" charset="0"/>
+              </a:rPr>
+              <a:t>        </a:t>
+            </a:r>
+            <a:r>
+              <a:rPr kumimoji="1" lang="en" altLang="zh-TW" sz="1800" b="0" i="0" u="none" strike="noStrike" kern="1200" cap="none" spc="0" normalizeH="0" baseline="0" noProof="0" dirty="0" err="1">
+                <a:ln>
+                  <a:noFill/>
+                </a:ln>
+                <a:solidFill>
+                  <a:prstClr val="black"/>
+                </a:solidFill>
+                <a:effectLst/>
+                <a:uLnTx/>
+                <a:uFillTx/>
+                <a:latin typeface="Menlo" panose="020B0609030804020204" pitchFamily="49" charset="0"/>
+                <a:ea typeface="Menlo" panose="020B0609030804020204" pitchFamily="49" charset="0"/>
+                <a:cs typeface="Menlo" panose="020B0609030804020204" pitchFamily="49" charset="0"/>
+              </a:rPr>
+              <a:t>nums</a:t>
+            </a:r>
+            <a:r>
+              <a:rPr kumimoji="1" lang="en" altLang="zh-TW" sz="1800" b="0" i="0" u="none" strike="noStrike" kern="1200" cap="none" spc="0" normalizeH="0" baseline="0" noProof="0" dirty="0">
+                <a:ln>
+                  <a:noFill/>
+                </a:ln>
+                <a:solidFill>
+                  <a:prstClr val="black"/>
+                </a:solidFill>
+                <a:effectLst/>
+                <a:uLnTx/>
+                <a:uFillTx/>
+                <a:latin typeface="Menlo" panose="020B0609030804020204" pitchFamily="49" charset="0"/>
+                <a:ea typeface="Menlo" panose="020B0609030804020204" pitchFamily="49" charset="0"/>
+                <a:cs typeface="Menlo" panose="020B0609030804020204" pitchFamily="49" charset="0"/>
+              </a:rPr>
+              <a:t> = [int(c) for c in list(input().strip())]</a:t>
+            </a:r>
+          </a:p>
+          <a:p>
+            <a:pPr marL="0" marR="0" lvl="0" indent="0" algn="l" defTabSz="914400" rtl="0" eaLnBrk="1" fontAlgn="auto" latinLnBrk="0" hangingPunct="1">
+              <a:lnSpc>
+                <a:spcPct val="100000"/>
+              </a:lnSpc>
+              <a:spcBef>
+                <a:spcPts val="0"/>
+              </a:spcBef>
+              <a:spcAft>
+                <a:spcPts val="0"/>
+              </a:spcAft>
+              <a:buClrTx/>
+              <a:buSzTx/>
+              <a:buFontTx/>
+              <a:buNone/>
+              <a:tabLst/>
+              <a:defRPr/>
+            </a:pPr>
+            <a:r>
+              <a:rPr kumimoji="1" lang="en" altLang="zh-TW" sz="1800" b="0" i="0" u="none" strike="noStrike" kern="1200" cap="none" spc="0" normalizeH="0" baseline="0" noProof="0" dirty="0">
+                <a:ln>
+                  <a:noFill/>
+                </a:ln>
+                <a:solidFill>
+                  <a:prstClr val="black"/>
+                </a:solidFill>
+                <a:effectLst/>
+                <a:uLnTx/>
+                <a:uFillTx/>
+                <a:latin typeface="Menlo" panose="020B0609030804020204" pitchFamily="49" charset="0"/>
+                <a:ea typeface="Menlo" panose="020B0609030804020204" pitchFamily="49" charset="0"/>
+                <a:cs typeface="Menlo" panose="020B0609030804020204" pitchFamily="49" charset="0"/>
+              </a:rPr>
+              <a:t>        </a:t>
+            </a:r>
+            <a:r>
+              <a:rPr kumimoji="1" lang="en" altLang="zh-TW" sz="1800" b="0" i="0" u="none" strike="noStrike" kern="1200" cap="none" spc="0" normalizeH="0" baseline="0" noProof="0" dirty="0" err="1">
+                <a:ln>
+                  <a:noFill/>
+                </a:ln>
+                <a:solidFill>
+                  <a:prstClr val="black"/>
+                </a:solidFill>
+                <a:effectLst/>
+                <a:uLnTx/>
+                <a:uFillTx/>
+                <a:latin typeface="Menlo" panose="020B0609030804020204" pitchFamily="49" charset="0"/>
+                <a:ea typeface="Menlo" panose="020B0609030804020204" pitchFamily="49" charset="0"/>
+                <a:cs typeface="Menlo" panose="020B0609030804020204" pitchFamily="49" charset="0"/>
+              </a:rPr>
+              <a:t>nums.reverse</a:t>
+            </a:r>
+            <a:r>
+              <a:rPr kumimoji="1" lang="en" altLang="zh-TW" sz="1800" b="0" i="0" u="none" strike="noStrike" kern="1200" cap="none" spc="0" normalizeH="0" baseline="0" noProof="0" dirty="0">
+                <a:ln>
+                  <a:noFill/>
+                </a:ln>
+                <a:solidFill>
+                  <a:prstClr val="black"/>
+                </a:solidFill>
+                <a:effectLst/>
+                <a:uLnTx/>
+                <a:uFillTx/>
+                <a:latin typeface="Menlo" panose="020B0609030804020204" pitchFamily="49" charset="0"/>
+                <a:ea typeface="Menlo" panose="020B0609030804020204" pitchFamily="49" charset="0"/>
+                <a:cs typeface="Menlo" panose="020B0609030804020204" pitchFamily="49" charset="0"/>
+              </a:rPr>
+              <a:t>()</a:t>
+            </a:r>
+          </a:p>
+          <a:p>
+            <a:pPr marL="0" marR="0" lvl="0" indent="0" algn="l" defTabSz="914400" rtl="0" eaLnBrk="1" fontAlgn="auto" latinLnBrk="0" hangingPunct="1">
+              <a:lnSpc>
+                <a:spcPct val="100000"/>
+              </a:lnSpc>
+              <a:spcBef>
+                <a:spcPts val="0"/>
+              </a:spcBef>
+              <a:spcAft>
+                <a:spcPts val="0"/>
+              </a:spcAft>
+              <a:buClrTx/>
+              <a:buSzTx/>
+              <a:buFontTx/>
+              <a:buNone/>
+              <a:tabLst/>
+              <a:defRPr/>
+            </a:pPr>
+            <a:r>
+              <a:rPr kumimoji="1" lang="en" altLang="zh-TW" sz="1800" b="0" i="0" u="none" strike="noStrike" kern="1200" cap="none" spc="0" normalizeH="0" baseline="0" noProof="0" dirty="0">
+                <a:ln>
+                  <a:noFill/>
+                </a:ln>
+                <a:solidFill>
+                  <a:prstClr val="black"/>
+                </a:solidFill>
+                <a:effectLst/>
+                <a:uLnTx/>
+                <a:uFillTx/>
+                <a:latin typeface="Menlo" panose="020B0609030804020204" pitchFamily="49" charset="0"/>
+                <a:ea typeface="Menlo" panose="020B0609030804020204" pitchFamily="49" charset="0"/>
+                <a:cs typeface="Menlo" panose="020B0609030804020204" pitchFamily="49" charset="0"/>
+              </a:rPr>
+              <a:t>        res = 0</a:t>
+            </a:r>
+          </a:p>
+          <a:p>
+            <a:pPr marL="0" marR="0" lvl="0" indent="0" algn="l" defTabSz="914400" rtl="0" eaLnBrk="1" fontAlgn="auto" latinLnBrk="0" hangingPunct="1">
+              <a:lnSpc>
+                <a:spcPct val="100000"/>
+              </a:lnSpc>
+              <a:spcBef>
+                <a:spcPts val="0"/>
+              </a:spcBef>
+              <a:spcAft>
+                <a:spcPts val="0"/>
+              </a:spcAft>
+              <a:buClrTx/>
+              <a:buSzTx/>
+              <a:buFontTx/>
+              <a:buNone/>
+              <a:tabLst/>
+              <a:defRPr/>
+            </a:pPr>
+            <a:r>
+              <a:rPr kumimoji="1" lang="en" altLang="zh-TW" sz="1800" b="0" i="0" u="none" strike="noStrike" kern="1200" cap="none" spc="0" normalizeH="0" baseline="0" noProof="0" dirty="0">
+                <a:ln>
+                  <a:noFill/>
+                </a:ln>
+                <a:solidFill>
+                  <a:prstClr val="black"/>
+                </a:solidFill>
+                <a:effectLst/>
+                <a:uLnTx/>
+                <a:uFillTx/>
+                <a:latin typeface="Menlo" panose="020B0609030804020204" pitchFamily="49" charset="0"/>
+                <a:ea typeface="Menlo" panose="020B0609030804020204" pitchFamily="49" charset="0"/>
+                <a:cs typeface="Menlo" panose="020B0609030804020204" pitchFamily="49" charset="0"/>
+              </a:rPr>
+              <a:t>        for </a:t>
+            </a:r>
+            <a:r>
+              <a:rPr kumimoji="1" lang="en" altLang="zh-TW" sz="1800" b="0" i="0" u="none" strike="noStrike" kern="1200" cap="none" spc="0" normalizeH="0" baseline="0" noProof="0" dirty="0" err="1">
+                <a:ln>
+                  <a:noFill/>
+                </a:ln>
+                <a:solidFill>
+                  <a:prstClr val="black"/>
+                </a:solidFill>
+                <a:effectLst/>
+                <a:uLnTx/>
+                <a:uFillTx/>
+                <a:latin typeface="Menlo" panose="020B0609030804020204" pitchFamily="49" charset="0"/>
+                <a:ea typeface="Menlo" panose="020B0609030804020204" pitchFamily="49" charset="0"/>
+                <a:cs typeface="Menlo" panose="020B0609030804020204" pitchFamily="49" charset="0"/>
+              </a:rPr>
+              <a:t>i</a:t>
+            </a:r>
+            <a:r>
+              <a:rPr kumimoji="1" lang="en" altLang="zh-TW" sz="1800" b="0" i="0" u="none" strike="noStrike" kern="1200" cap="none" spc="0" normalizeH="0" baseline="0" noProof="0" dirty="0">
+                <a:ln>
+                  <a:noFill/>
+                </a:ln>
+                <a:solidFill>
+                  <a:prstClr val="black"/>
+                </a:solidFill>
+                <a:effectLst/>
+                <a:uLnTx/>
+                <a:uFillTx/>
+                <a:latin typeface="Menlo" panose="020B0609030804020204" pitchFamily="49" charset="0"/>
+                <a:ea typeface="Menlo" panose="020B0609030804020204" pitchFamily="49" charset="0"/>
+                <a:cs typeface="Menlo" panose="020B0609030804020204" pitchFamily="49" charset="0"/>
+              </a:rPr>
+              <a:t> in range(0, </a:t>
+            </a:r>
+            <a:r>
+              <a:rPr kumimoji="1" lang="en" altLang="zh-TW" sz="1800" b="0" i="0" u="none" strike="noStrike" kern="1200" cap="none" spc="0" normalizeH="0" baseline="0" noProof="0" dirty="0" err="1">
+                <a:ln>
+                  <a:noFill/>
+                </a:ln>
+                <a:solidFill>
+                  <a:prstClr val="black"/>
+                </a:solidFill>
+                <a:effectLst/>
+                <a:uLnTx/>
+                <a:uFillTx/>
+                <a:latin typeface="Menlo" panose="020B0609030804020204" pitchFamily="49" charset="0"/>
+                <a:ea typeface="Menlo" panose="020B0609030804020204" pitchFamily="49" charset="0"/>
+                <a:cs typeface="Menlo" panose="020B0609030804020204" pitchFamily="49" charset="0"/>
+              </a:rPr>
+              <a:t>len</a:t>
+            </a:r>
+            <a:r>
+              <a:rPr kumimoji="1" lang="en" altLang="zh-TW" sz="1800" b="0" i="0" u="none" strike="noStrike" kern="1200" cap="none" spc="0" normalizeH="0" baseline="0" noProof="0" dirty="0">
+                <a:ln>
+                  <a:noFill/>
+                </a:ln>
+                <a:solidFill>
+                  <a:prstClr val="black"/>
+                </a:solidFill>
+                <a:effectLst/>
+                <a:uLnTx/>
+                <a:uFillTx/>
+                <a:latin typeface="Menlo" panose="020B0609030804020204" pitchFamily="49" charset="0"/>
+                <a:ea typeface="Menlo" panose="020B0609030804020204" pitchFamily="49" charset="0"/>
+                <a:cs typeface="Menlo" panose="020B0609030804020204" pitchFamily="49" charset="0"/>
+              </a:rPr>
+              <a:t>(</a:t>
+            </a:r>
+            <a:r>
+              <a:rPr kumimoji="1" lang="en" altLang="zh-TW" sz="1800" b="0" i="0" u="none" strike="noStrike" kern="1200" cap="none" spc="0" normalizeH="0" baseline="0" noProof="0" dirty="0" err="1">
+                <a:ln>
+                  <a:noFill/>
+                </a:ln>
+                <a:solidFill>
+                  <a:prstClr val="black"/>
+                </a:solidFill>
+                <a:effectLst/>
+                <a:uLnTx/>
+                <a:uFillTx/>
+                <a:latin typeface="Menlo" panose="020B0609030804020204" pitchFamily="49" charset="0"/>
+                <a:ea typeface="Menlo" panose="020B0609030804020204" pitchFamily="49" charset="0"/>
+                <a:cs typeface="Menlo" panose="020B0609030804020204" pitchFamily="49" charset="0"/>
+              </a:rPr>
+              <a:t>nums</a:t>
+            </a:r>
+            <a:r>
+              <a:rPr kumimoji="1" lang="en" altLang="zh-TW" sz="1800" b="0" i="0" u="none" strike="noStrike" kern="1200" cap="none" spc="0" normalizeH="0" baseline="0" noProof="0" dirty="0">
+                <a:ln>
+                  <a:noFill/>
+                </a:ln>
+                <a:solidFill>
+                  <a:prstClr val="black"/>
+                </a:solidFill>
+                <a:effectLst/>
+                <a:uLnTx/>
+                <a:uFillTx/>
+                <a:latin typeface="Menlo" panose="020B0609030804020204" pitchFamily="49" charset="0"/>
+                <a:ea typeface="Menlo" panose="020B0609030804020204" pitchFamily="49" charset="0"/>
+                <a:cs typeface="Menlo" panose="020B0609030804020204" pitchFamily="49" charset="0"/>
+              </a:rPr>
+              <a:t>), 2):</a:t>
+            </a:r>
+          </a:p>
+          <a:p>
+            <a:pPr marL="0" marR="0" lvl="0" indent="0" algn="l" defTabSz="914400" rtl="0" eaLnBrk="1" fontAlgn="auto" latinLnBrk="0" hangingPunct="1">
+              <a:lnSpc>
+                <a:spcPct val="100000"/>
+              </a:lnSpc>
+              <a:spcBef>
+                <a:spcPts val="0"/>
+              </a:spcBef>
+              <a:spcAft>
+                <a:spcPts val="0"/>
+              </a:spcAft>
+              <a:buClrTx/>
+              <a:buSzTx/>
+              <a:buFontTx/>
+              <a:buNone/>
+              <a:tabLst/>
+              <a:defRPr/>
+            </a:pPr>
+            <a:r>
+              <a:rPr kumimoji="1" lang="en" altLang="zh-TW" sz="1800" b="0" i="0" u="none" strike="noStrike" kern="1200" cap="none" spc="0" normalizeH="0" baseline="0" noProof="0" dirty="0">
+                <a:ln>
+                  <a:noFill/>
+                </a:ln>
+                <a:solidFill>
+                  <a:prstClr val="black"/>
+                </a:solidFill>
+                <a:effectLst/>
+                <a:uLnTx/>
+                <a:uFillTx/>
+                <a:latin typeface="Menlo" panose="020B0609030804020204" pitchFamily="49" charset="0"/>
+                <a:ea typeface="Menlo" panose="020B0609030804020204" pitchFamily="49" charset="0"/>
+                <a:cs typeface="Menlo" panose="020B0609030804020204" pitchFamily="49" charset="0"/>
+              </a:rPr>
+              <a:t>            res += </a:t>
+            </a:r>
+            <a:r>
+              <a:rPr kumimoji="1" lang="en" altLang="zh-TW" sz="1800" b="0" i="0" u="none" strike="noStrike" kern="1200" cap="none" spc="0" normalizeH="0" baseline="0" noProof="0" dirty="0" err="1">
+                <a:ln>
+                  <a:noFill/>
+                </a:ln>
+                <a:solidFill>
+                  <a:prstClr val="black"/>
+                </a:solidFill>
+                <a:effectLst/>
+                <a:uLnTx/>
+                <a:uFillTx/>
+                <a:latin typeface="Menlo" panose="020B0609030804020204" pitchFamily="49" charset="0"/>
+                <a:ea typeface="Menlo" panose="020B0609030804020204" pitchFamily="49" charset="0"/>
+                <a:cs typeface="Menlo" panose="020B0609030804020204" pitchFamily="49" charset="0"/>
+              </a:rPr>
+              <a:t>nums</a:t>
+            </a:r>
+            <a:r>
+              <a:rPr kumimoji="1" lang="en" altLang="zh-TW" sz="1800" b="0" i="0" u="none" strike="noStrike" kern="1200" cap="none" spc="0" normalizeH="0" baseline="0" noProof="0" dirty="0">
+                <a:ln>
+                  <a:noFill/>
+                </a:ln>
+                <a:solidFill>
+                  <a:prstClr val="black"/>
+                </a:solidFill>
+                <a:effectLst/>
+                <a:uLnTx/>
+                <a:uFillTx/>
+                <a:latin typeface="Menlo" panose="020B0609030804020204" pitchFamily="49" charset="0"/>
+                <a:ea typeface="Menlo" panose="020B0609030804020204" pitchFamily="49" charset="0"/>
+                <a:cs typeface="Menlo" panose="020B0609030804020204" pitchFamily="49" charset="0"/>
+              </a:rPr>
+              <a:t>[</a:t>
+            </a:r>
+            <a:r>
+              <a:rPr kumimoji="1" lang="en" altLang="zh-TW" sz="1800" b="0" i="0" u="none" strike="noStrike" kern="1200" cap="none" spc="0" normalizeH="0" baseline="0" noProof="0" dirty="0" err="1">
+                <a:ln>
+                  <a:noFill/>
+                </a:ln>
+                <a:solidFill>
+                  <a:prstClr val="black"/>
+                </a:solidFill>
+                <a:effectLst/>
+                <a:uLnTx/>
+                <a:uFillTx/>
+                <a:latin typeface="Menlo" panose="020B0609030804020204" pitchFamily="49" charset="0"/>
+                <a:ea typeface="Menlo" panose="020B0609030804020204" pitchFamily="49" charset="0"/>
+                <a:cs typeface="Menlo" panose="020B0609030804020204" pitchFamily="49" charset="0"/>
+              </a:rPr>
+              <a:t>i</a:t>
+            </a:r>
+            <a:r>
+              <a:rPr kumimoji="1" lang="en" altLang="zh-TW" sz="1800" b="0" i="0" u="none" strike="noStrike" kern="1200" cap="none" spc="0" normalizeH="0" baseline="0" noProof="0" dirty="0">
+                <a:ln>
+                  <a:noFill/>
+                </a:ln>
+                <a:solidFill>
+                  <a:prstClr val="black"/>
+                </a:solidFill>
+                <a:effectLst/>
+                <a:uLnTx/>
+                <a:uFillTx/>
+                <a:latin typeface="Menlo" panose="020B0609030804020204" pitchFamily="49" charset="0"/>
+                <a:ea typeface="Menlo" panose="020B0609030804020204" pitchFamily="49" charset="0"/>
+                <a:cs typeface="Menlo" panose="020B0609030804020204" pitchFamily="49" charset="0"/>
+              </a:rPr>
+              <a:t>]</a:t>
+            </a:r>
+          </a:p>
+          <a:p>
+            <a:pPr marL="0" marR="0" lvl="0" indent="0" algn="l" defTabSz="914400" rtl="0" eaLnBrk="1" fontAlgn="auto" latinLnBrk="0" hangingPunct="1">
+              <a:lnSpc>
+                <a:spcPct val="100000"/>
+              </a:lnSpc>
+              <a:spcBef>
+                <a:spcPts val="0"/>
+              </a:spcBef>
+              <a:spcAft>
+                <a:spcPts val="0"/>
+              </a:spcAft>
+              <a:buClrTx/>
+              <a:buSzTx/>
+              <a:buFontTx/>
+              <a:buNone/>
+              <a:tabLst/>
+              <a:defRPr/>
+            </a:pPr>
+            <a:r>
+              <a:rPr kumimoji="1" lang="en" altLang="zh-TW" sz="1800" b="0" i="0" u="none" strike="noStrike" kern="1200" cap="none" spc="0" normalizeH="0" baseline="0" noProof="0" dirty="0">
+                <a:ln>
+                  <a:noFill/>
+                </a:ln>
+                <a:solidFill>
+                  <a:prstClr val="black"/>
+                </a:solidFill>
+                <a:effectLst/>
+                <a:uLnTx/>
+                <a:uFillTx/>
+                <a:latin typeface="Menlo" panose="020B0609030804020204" pitchFamily="49" charset="0"/>
+                <a:ea typeface="Menlo" panose="020B0609030804020204" pitchFamily="49" charset="0"/>
+                <a:cs typeface="Menlo" panose="020B0609030804020204" pitchFamily="49" charset="0"/>
+              </a:rPr>
+              <a:t>            </a:t>
+            </a:r>
+          </a:p>
+          <a:p>
+            <a:pPr marL="0" marR="0" lvl="0" indent="0" algn="l" defTabSz="914400" rtl="0" eaLnBrk="1" fontAlgn="auto" latinLnBrk="0" hangingPunct="1">
+              <a:lnSpc>
+                <a:spcPct val="100000"/>
+              </a:lnSpc>
+              <a:spcBef>
+                <a:spcPts val="0"/>
+              </a:spcBef>
+              <a:spcAft>
+                <a:spcPts val="0"/>
+              </a:spcAft>
+              <a:buClrTx/>
+              <a:buSzTx/>
+              <a:buFontTx/>
+              <a:buNone/>
+              <a:tabLst/>
+              <a:defRPr/>
+            </a:pPr>
+            <a:r>
+              <a:rPr kumimoji="1" lang="en" altLang="zh-TW" sz="1800" b="0" i="0" u="none" strike="noStrike" kern="1200" cap="none" spc="0" normalizeH="0" baseline="0" noProof="0" dirty="0">
+                <a:ln>
+                  <a:noFill/>
+                </a:ln>
+                <a:solidFill>
+                  <a:prstClr val="black"/>
+                </a:solidFill>
+                <a:effectLst/>
+                <a:uLnTx/>
+                <a:uFillTx/>
+                <a:latin typeface="Menlo" panose="020B0609030804020204" pitchFamily="49" charset="0"/>
+                <a:ea typeface="Menlo" panose="020B0609030804020204" pitchFamily="49" charset="0"/>
+                <a:cs typeface="Menlo" panose="020B0609030804020204" pitchFamily="49" charset="0"/>
+              </a:rPr>
+              <a:t>        for </a:t>
+            </a:r>
+            <a:r>
+              <a:rPr kumimoji="1" lang="en" altLang="zh-TW" sz="1800" b="0" i="0" u="none" strike="noStrike" kern="1200" cap="none" spc="0" normalizeH="0" baseline="0" noProof="0" dirty="0" err="1">
+                <a:ln>
+                  <a:noFill/>
+                </a:ln>
+                <a:solidFill>
+                  <a:prstClr val="black"/>
+                </a:solidFill>
+                <a:effectLst/>
+                <a:uLnTx/>
+                <a:uFillTx/>
+                <a:latin typeface="Menlo" panose="020B0609030804020204" pitchFamily="49" charset="0"/>
+                <a:ea typeface="Menlo" panose="020B0609030804020204" pitchFamily="49" charset="0"/>
+                <a:cs typeface="Menlo" panose="020B0609030804020204" pitchFamily="49" charset="0"/>
+              </a:rPr>
+              <a:t>i</a:t>
+            </a:r>
+            <a:r>
+              <a:rPr kumimoji="1" lang="en" altLang="zh-TW" sz="1800" b="0" i="0" u="none" strike="noStrike" kern="1200" cap="none" spc="0" normalizeH="0" baseline="0" noProof="0" dirty="0">
+                <a:ln>
+                  <a:noFill/>
+                </a:ln>
+                <a:solidFill>
+                  <a:prstClr val="black"/>
+                </a:solidFill>
+                <a:effectLst/>
+                <a:uLnTx/>
+                <a:uFillTx/>
+                <a:latin typeface="Menlo" panose="020B0609030804020204" pitchFamily="49" charset="0"/>
+                <a:ea typeface="Menlo" panose="020B0609030804020204" pitchFamily="49" charset="0"/>
+                <a:cs typeface="Menlo" panose="020B0609030804020204" pitchFamily="49" charset="0"/>
+              </a:rPr>
+              <a:t> in range(1, </a:t>
+            </a:r>
+            <a:r>
+              <a:rPr kumimoji="1" lang="en" altLang="zh-TW" sz="1800" b="0" i="0" u="none" strike="noStrike" kern="1200" cap="none" spc="0" normalizeH="0" baseline="0" noProof="0" dirty="0" err="1">
+                <a:ln>
+                  <a:noFill/>
+                </a:ln>
+                <a:solidFill>
+                  <a:prstClr val="black"/>
+                </a:solidFill>
+                <a:effectLst/>
+                <a:uLnTx/>
+                <a:uFillTx/>
+                <a:latin typeface="Menlo" panose="020B0609030804020204" pitchFamily="49" charset="0"/>
+                <a:ea typeface="Menlo" panose="020B0609030804020204" pitchFamily="49" charset="0"/>
+                <a:cs typeface="Menlo" panose="020B0609030804020204" pitchFamily="49" charset="0"/>
+              </a:rPr>
+              <a:t>len</a:t>
+            </a:r>
+            <a:r>
+              <a:rPr kumimoji="1" lang="en" altLang="zh-TW" sz="1800" b="0" i="0" u="none" strike="noStrike" kern="1200" cap="none" spc="0" normalizeH="0" baseline="0" noProof="0" dirty="0">
+                <a:ln>
+                  <a:noFill/>
+                </a:ln>
+                <a:solidFill>
+                  <a:prstClr val="black"/>
+                </a:solidFill>
+                <a:effectLst/>
+                <a:uLnTx/>
+                <a:uFillTx/>
+                <a:latin typeface="Menlo" panose="020B0609030804020204" pitchFamily="49" charset="0"/>
+                <a:ea typeface="Menlo" panose="020B0609030804020204" pitchFamily="49" charset="0"/>
+                <a:cs typeface="Menlo" panose="020B0609030804020204" pitchFamily="49" charset="0"/>
+              </a:rPr>
+              <a:t>(</a:t>
+            </a:r>
+            <a:r>
+              <a:rPr kumimoji="1" lang="en" altLang="zh-TW" sz="1800" b="0" i="0" u="none" strike="noStrike" kern="1200" cap="none" spc="0" normalizeH="0" baseline="0" noProof="0" dirty="0" err="1">
+                <a:ln>
+                  <a:noFill/>
+                </a:ln>
+                <a:solidFill>
+                  <a:prstClr val="black"/>
+                </a:solidFill>
+                <a:effectLst/>
+                <a:uLnTx/>
+                <a:uFillTx/>
+                <a:latin typeface="Menlo" panose="020B0609030804020204" pitchFamily="49" charset="0"/>
+                <a:ea typeface="Menlo" panose="020B0609030804020204" pitchFamily="49" charset="0"/>
+                <a:cs typeface="Menlo" panose="020B0609030804020204" pitchFamily="49" charset="0"/>
+              </a:rPr>
+              <a:t>nums</a:t>
+            </a:r>
+            <a:r>
+              <a:rPr kumimoji="1" lang="en" altLang="zh-TW" sz="1800" b="0" i="0" u="none" strike="noStrike" kern="1200" cap="none" spc="0" normalizeH="0" baseline="0" noProof="0" dirty="0">
+                <a:ln>
+                  <a:noFill/>
+                </a:ln>
+                <a:solidFill>
+                  <a:prstClr val="black"/>
+                </a:solidFill>
+                <a:effectLst/>
+                <a:uLnTx/>
+                <a:uFillTx/>
+                <a:latin typeface="Menlo" panose="020B0609030804020204" pitchFamily="49" charset="0"/>
+                <a:ea typeface="Menlo" panose="020B0609030804020204" pitchFamily="49" charset="0"/>
+                <a:cs typeface="Menlo" panose="020B0609030804020204" pitchFamily="49" charset="0"/>
+              </a:rPr>
+              <a:t>), 2):</a:t>
+            </a:r>
+          </a:p>
+          <a:p>
+            <a:pPr marL="0" marR="0" lvl="0" indent="0" algn="l" defTabSz="914400" rtl="0" eaLnBrk="1" fontAlgn="auto" latinLnBrk="0" hangingPunct="1">
+              <a:lnSpc>
+                <a:spcPct val="100000"/>
+              </a:lnSpc>
+              <a:spcBef>
+                <a:spcPts val="0"/>
+              </a:spcBef>
+              <a:spcAft>
+                <a:spcPts val="0"/>
+              </a:spcAft>
+              <a:buClrTx/>
+              <a:buSzTx/>
+              <a:buFontTx/>
+              <a:buNone/>
+              <a:tabLst/>
+              <a:defRPr/>
+            </a:pPr>
+            <a:r>
+              <a:rPr kumimoji="1" lang="en" altLang="zh-TW" sz="1800" b="0" i="0" u="none" strike="noStrike" kern="1200" cap="none" spc="0" normalizeH="0" baseline="0" noProof="0" dirty="0">
+                <a:ln>
+                  <a:noFill/>
+                </a:ln>
+                <a:solidFill>
+                  <a:prstClr val="black"/>
+                </a:solidFill>
+                <a:effectLst/>
+                <a:uLnTx/>
+                <a:uFillTx/>
+                <a:latin typeface="Menlo" panose="020B0609030804020204" pitchFamily="49" charset="0"/>
+                <a:ea typeface="Menlo" panose="020B0609030804020204" pitchFamily="49" charset="0"/>
+                <a:cs typeface="Menlo" panose="020B0609030804020204" pitchFamily="49" charset="0"/>
+              </a:rPr>
+              <a:t>            res -= </a:t>
+            </a:r>
+            <a:r>
+              <a:rPr kumimoji="1" lang="en" altLang="zh-TW" sz="1800" b="0" i="0" u="none" strike="noStrike" kern="1200" cap="none" spc="0" normalizeH="0" baseline="0" noProof="0" dirty="0" err="1">
+                <a:ln>
+                  <a:noFill/>
+                </a:ln>
+                <a:solidFill>
+                  <a:prstClr val="black"/>
+                </a:solidFill>
+                <a:effectLst/>
+                <a:uLnTx/>
+                <a:uFillTx/>
+                <a:latin typeface="Menlo" panose="020B0609030804020204" pitchFamily="49" charset="0"/>
+                <a:ea typeface="Menlo" panose="020B0609030804020204" pitchFamily="49" charset="0"/>
+                <a:cs typeface="Menlo" panose="020B0609030804020204" pitchFamily="49" charset="0"/>
+              </a:rPr>
+              <a:t>nums</a:t>
+            </a:r>
+            <a:r>
+              <a:rPr kumimoji="1" lang="en" altLang="zh-TW" sz="1800" b="0" i="0" u="none" strike="noStrike" kern="1200" cap="none" spc="0" normalizeH="0" baseline="0" noProof="0" dirty="0">
+                <a:ln>
+                  <a:noFill/>
+                </a:ln>
+                <a:solidFill>
+                  <a:prstClr val="black"/>
+                </a:solidFill>
+                <a:effectLst/>
+                <a:uLnTx/>
+                <a:uFillTx/>
+                <a:latin typeface="Menlo" panose="020B0609030804020204" pitchFamily="49" charset="0"/>
+                <a:ea typeface="Menlo" panose="020B0609030804020204" pitchFamily="49" charset="0"/>
+                <a:cs typeface="Menlo" panose="020B0609030804020204" pitchFamily="49" charset="0"/>
+              </a:rPr>
+              <a:t>[</a:t>
+            </a:r>
+            <a:r>
+              <a:rPr kumimoji="1" lang="en" altLang="zh-TW" sz="1800" b="0" i="0" u="none" strike="noStrike" kern="1200" cap="none" spc="0" normalizeH="0" baseline="0" noProof="0" dirty="0" err="1">
+                <a:ln>
+                  <a:noFill/>
+                </a:ln>
+                <a:solidFill>
+                  <a:prstClr val="black"/>
+                </a:solidFill>
+                <a:effectLst/>
+                <a:uLnTx/>
+                <a:uFillTx/>
+                <a:latin typeface="Menlo" panose="020B0609030804020204" pitchFamily="49" charset="0"/>
+                <a:ea typeface="Menlo" panose="020B0609030804020204" pitchFamily="49" charset="0"/>
+                <a:cs typeface="Menlo" panose="020B0609030804020204" pitchFamily="49" charset="0"/>
+              </a:rPr>
+              <a:t>i</a:t>
+            </a:r>
+            <a:r>
+              <a:rPr kumimoji="1" lang="en" altLang="zh-TW" sz="1800" b="0" i="0" u="none" strike="noStrike" kern="1200" cap="none" spc="0" normalizeH="0" baseline="0" noProof="0" dirty="0">
+                <a:ln>
+                  <a:noFill/>
+                </a:ln>
+                <a:solidFill>
+                  <a:prstClr val="black"/>
+                </a:solidFill>
+                <a:effectLst/>
+                <a:uLnTx/>
+                <a:uFillTx/>
+                <a:latin typeface="Menlo" panose="020B0609030804020204" pitchFamily="49" charset="0"/>
+                <a:ea typeface="Menlo" panose="020B0609030804020204" pitchFamily="49" charset="0"/>
+                <a:cs typeface="Menlo" panose="020B0609030804020204" pitchFamily="49" charset="0"/>
+              </a:rPr>
+              <a:t>]</a:t>
+            </a:r>
+          </a:p>
+          <a:p>
+            <a:pPr marL="0" marR="0" lvl="0" indent="0" algn="l" defTabSz="914400" rtl="0" eaLnBrk="1" fontAlgn="auto" latinLnBrk="0" hangingPunct="1">
+              <a:lnSpc>
+                <a:spcPct val="100000"/>
+              </a:lnSpc>
+              <a:spcBef>
+                <a:spcPts val="0"/>
+              </a:spcBef>
+              <a:spcAft>
+                <a:spcPts val="0"/>
+              </a:spcAft>
+              <a:buClrTx/>
+              <a:buSzTx/>
+              <a:buFontTx/>
+              <a:buNone/>
+              <a:tabLst/>
+              <a:defRPr/>
+            </a:pPr>
+            <a:r>
+              <a:rPr kumimoji="1" lang="en" altLang="zh-TW" sz="1800" b="0" i="0" u="none" strike="noStrike" kern="1200" cap="none" spc="0" normalizeH="0" baseline="0" noProof="0" dirty="0">
+                <a:ln>
+                  <a:noFill/>
+                </a:ln>
+                <a:solidFill>
+                  <a:prstClr val="black"/>
+                </a:solidFill>
+                <a:effectLst/>
+                <a:uLnTx/>
+                <a:uFillTx/>
+                <a:latin typeface="Menlo" panose="020B0609030804020204" pitchFamily="49" charset="0"/>
+                <a:ea typeface="Menlo" panose="020B0609030804020204" pitchFamily="49" charset="0"/>
+                <a:cs typeface="Menlo" panose="020B0609030804020204" pitchFamily="49" charset="0"/>
+              </a:rPr>
+              <a:t>        print(abs(res))</a:t>
+            </a:r>
+          </a:p>
+          <a:p>
+            <a:pPr marL="0" marR="0" lvl="0" indent="0" algn="l" defTabSz="914400" rtl="0" eaLnBrk="1" fontAlgn="auto" latinLnBrk="0" hangingPunct="1">
+              <a:lnSpc>
+                <a:spcPct val="100000"/>
+              </a:lnSpc>
+              <a:spcBef>
+                <a:spcPts val="0"/>
+              </a:spcBef>
+              <a:spcAft>
+                <a:spcPts val="0"/>
+              </a:spcAft>
+              <a:buClrTx/>
+              <a:buSzTx/>
+              <a:buFontTx/>
+              <a:buNone/>
+              <a:tabLst/>
+              <a:defRPr/>
+            </a:pPr>
+            <a:r>
+              <a:rPr kumimoji="1" lang="en" altLang="zh-TW" sz="1800" b="0" i="0" u="none" strike="noStrike" kern="1200" cap="none" spc="0" normalizeH="0" baseline="0" noProof="0" dirty="0">
+                <a:ln>
+                  <a:noFill/>
+                </a:ln>
+                <a:solidFill>
+                  <a:prstClr val="black"/>
+                </a:solidFill>
+                <a:effectLst/>
+                <a:uLnTx/>
+                <a:uFillTx/>
+                <a:latin typeface="Menlo" panose="020B0609030804020204" pitchFamily="49" charset="0"/>
+                <a:ea typeface="Menlo" panose="020B0609030804020204" pitchFamily="49" charset="0"/>
+                <a:cs typeface="Menlo" panose="020B0609030804020204" pitchFamily="49" charset="0"/>
+              </a:rPr>
+              <a:t>    except:</a:t>
+            </a:r>
+          </a:p>
+          <a:p>
+            <a:pPr marL="0" marR="0" lvl="0" indent="0" algn="l" defTabSz="914400" rtl="0" eaLnBrk="1" fontAlgn="auto" latinLnBrk="0" hangingPunct="1">
+              <a:lnSpc>
+                <a:spcPct val="100000"/>
+              </a:lnSpc>
+              <a:spcBef>
+                <a:spcPts val="0"/>
+              </a:spcBef>
+              <a:spcAft>
+                <a:spcPts val="0"/>
+              </a:spcAft>
+              <a:buClrTx/>
+              <a:buSzTx/>
+              <a:buFontTx/>
+              <a:buNone/>
+              <a:tabLst/>
+              <a:defRPr/>
+            </a:pPr>
+            <a:r>
+              <a:rPr kumimoji="1" lang="en" altLang="zh-TW" sz="1800" b="0" i="0" u="none" strike="noStrike" kern="1200" cap="none" spc="0" normalizeH="0" baseline="0" noProof="0" dirty="0">
+                <a:ln>
+                  <a:noFill/>
+                </a:ln>
+                <a:solidFill>
+                  <a:prstClr val="black"/>
+                </a:solidFill>
+                <a:effectLst/>
+                <a:uLnTx/>
+                <a:uFillTx/>
+                <a:latin typeface="Menlo" panose="020B0609030804020204" pitchFamily="49" charset="0"/>
+                <a:ea typeface="Menlo" panose="020B0609030804020204" pitchFamily="49" charset="0"/>
+                <a:cs typeface="Menlo" panose="020B0609030804020204" pitchFamily="49" charset="0"/>
+              </a:rPr>
+              <a:t>        break</a:t>
+            </a:r>
+            <a:endParaRPr kumimoji="1" lang="zh-TW" altLang="en-US" sz="1800" b="0" i="0" u="none" strike="noStrike" kern="1200" cap="none" spc="0" normalizeH="0" baseline="0" noProof="0" dirty="0">
+              <a:ln>
+                <a:noFill/>
+              </a:ln>
+              <a:solidFill>
+                <a:prstClr val="black"/>
+              </a:solidFill>
+              <a:effectLst/>
+              <a:uLnTx/>
+              <a:uFillTx/>
+              <a:latin typeface="Menlo" panose="020B0609030804020204" pitchFamily="49" charset="0"/>
+              <a:ea typeface="標楷體" panose="02010601000101010101" pitchFamily="2" charset="-120"/>
+              <a:cs typeface="Menlo" panose="020B0609030804020204" pitchFamily="49" charset="0"/>
+            </a:endParaRPr>
+          </a:p>
+        </p:txBody>
+      </p:sp>
+    </p:spTree>
+    <p:extLst>
+      <p:ext uri="{BB962C8B-B14F-4D97-AF65-F5344CB8AC3E}">
+        <p14:creationId xmlns:p14="http://schemas.microsoft.com/office/powerpoint/2010/main" val="3939746015"/>
+      </p:ext>
+    </p:extLst>
+  </p:cSld>
+  <p:clrMapOvr>
+    <a:masterClrMapping/>
+  </p:clrMapOvr>
+</p:sld>
+</file>
+
+<file path=ppt/slides/slide6.xml><?xml version="1.0" encoding="utf-8"?>
+<p:sld xmlns:a="http://schemas.openxmlformats.org/drawingml/2006/main" xmlns:r="http://schemas.openxmlformats.org/officeDocument/2006/relationships" xmlns:p="http://schemas.openxmlformats.org/presentationml/2006/main">
+  <p:cSld>
+    <p:spTree>
+      <p:nvGrpSpPr>
+        <p:cNvPr id="1" name=""/>
+        <p:cNvGrpSpPr/>
+        <p:nvPr/>
+      </p:nvGrpSpPr>
+      <p:grpSpPr>
+        <a:xfrm>
+          <a:off x="0" y="0"/>
+          <a:ext cx="0" cy="0"/>
+          <a:chOff x="0" y="0"/>
+          <a:chExt cx="0" cy="0"/>
+        </a:xfrm>
+      </p:grpSpPr>
+      <p:sp>
+        <p:nvSpPr>
+          <p:cNvPr id="4" name="標題 3">
+            <a:extLst>
+              <a:ext uri="{FF2B5EF4-FFF2-40B4-BE49-F238E27FC236}">
+                <a16:creationId xmlns:a16="http://schemas.microsoft.com/office/drawing/2014/main" id="{FB04F99A-9FC0-4E48-8CA5-955950866EE7}"/>
+              </a:ext>
+            </a:extLst>
+          </p:cNvPr>
+          <p:cNvSpPr>
+            <a:spLocks noGrp="1"/>
+          </p:cNvSpPr>
+          <p:nvPr>
+            <p:ph type="title"/>
+          </p:nvPr>
+        </p:nvSpPr>
+        <p:spPr>
+          <a:xfrm>
+            <a:off x="1066800" y="0"/>
+            <a:ext cx="10058400" cy="956441"/>
+          </a:xfrm>
+        </p:spPr>
+        <p:txBody>
+          <a:bodyPr>
+            <a:normAutofit/>
+          </a:bodyPr>
+          <a:lstStyle/>
+          <a:p>
+            <a:r>
+              <a:rPr kumimoji="1" lang="en-US" altLang="zh-TW" sz="4000" dirty="0"/>
+              <a:t>APCS</a:t>
+            </a:r>
+            <a:r>
+              <a:rPr kumimoji="1" lang="zh-TW" altLang="en-US" sz="4000" dirty="0"/>
+              <a:t> </a:t>
+            </a:r>
+            <a:r>
+              <a:rPr lang="en-US" altLang="zh-TW" dirty="0"/>
+              <a:t>2017</a:t>
+            </a:r>
+            <a:r>
+              <a:rPr lang="zh-TW" altLang="zh-TW" dirty="0"/>
+              <a:t>年</a:t>
+            </a:r>
+            <a:r>
+              <a:rPr lang="en-US" altLang="zh-TW" dirty="0"/>
+              <a:t>3</a:t>
+            </a:r>
+            <a:r>
+              <a:rPr lang="zh-TW" altLang="zh-TW" dirty="0"/>
+              <a:t>月 </a:t>
+            </a:r>
+            <a:r>
+              <a:rPr lang="en-US" altLang="zh-TW" dirty="0"/>
+              <a:t>#3</a:t>
+            </a:r>
+            <a:r>
+              <a:rPr lang="zh-TW" altLang="en-US" dirty="0"/>
+              <a:t> 數字龍捲風</a:t>
+            </a:r>
+            <a:endParaRPr kumimoji="1" lang="zh-TW" altLang="en-US" sz="4000" dirty="0"/>
+          </a:p>
+        </p:txBody>
+      </p:sp>
+      <p:sp>
+        <p:nvSpPr>
+          <p:cNvPr id="2" name="文字方塊 1">
+            <a:extLst>
+              <a:ext uri="{FF2B5EF4-FFF2-40B4-BE49-F238E27FC236}">
+                <a16:creationId xmlns:a16="http://schemas.microsoft.com/office/drawing/2014/main" id="{B404C625-3A93-BC47-AE65-4FDEF9A209FF}"/>
+              </a:ext>
+            </a:extLst>
+          </p:cNvPr>
+          <p:cNvSpPr txBox="1"/>
+          <p:nvPr/>
+        </p:nvSpPr>
+        <p:spPr>
+          <a:xfrm>
+            <a:off x="418426" y="1336117"/>
+            <a:ext cx="5984331" cy="4185761"/>
+          </a:xfrm>
+          <a:prstGeom prst="rect">
+            <a:avLst/>
+          </a:prstGeom>
+          <a:noFill/>
+          <a:ln>
+            <a:solidFill>
+              <a:schemeClr val="accent1"/>
+            </a:solidFill>
+          </a:ln>
+        </p:spPr>
+        <p:txBody>
+          <a:bodyPr wrap="none" rtlCol="0">
+            <a:spAutoFit/>
+          </a:bodyPr>
+          <a:lstStyle/>
+          <a:p>
+            <a:pPr marL="0" marR="0" lvl="0" indent="0" algn="l" defTabSz="914400" rtl="0" eaLnBrk="1" fontAlgn="auto" latinLnBrk="0" hangingPunct="1">
+              <a:lnSpc>
+                <a:spcPct val="100000"/>
+              </a:lnSpc>
+              <a:spcBef>
+                <a:spcPts val="0"/>
+              </a:spcBef>
+              <a:spcAft>
+                <a:spcPts val="0"/>
+              </a:spcAft>
+              <a:buClrTx/>
+              <a:buSzTx/>
+              <a:buFontTx/>
+              <a:buNone/>
+              <a:tabLst/>
+              <a:defRPr/>
+            </a:pPr>
+            <a:r>
+              <a:rPr kumimoji="1" lang="en" altLang="zh-TW" sz="1400" b="0" i="0" u="none" strike="noStrike" kern="1200" cap="none" spc="0" normalizeH="0" baseline="0" noProof="0" dirty="0">
+                <a:ln>
+                  <a:noFill/>
+                </a:ln>
+                <a:solidFill>
+                  <a:prstClr val="black"/>
+                </a:solidFill>
+                <a:effectLst/>
+                <a:uLnTx/>
+                <a:uFillTx/>
+                <a:latin typeface="Menlo" panose="020B0609030804020204" pitchFamily="49" charset="0"/>
+                <a:ea typeface="Menlo" panose="020B0609030804020204" pitchFamily="49" charset="0"/>
+                <a:cs typeface="Menlo" panose="020B0609030804020204" pitchFamily="49" charset="0"/>
+              </a:rPr>
+              <a:t>while True:</a:t>
+            </a:r>
+          </a:p>
+          <a:p>
+            <a:pPr marL="0" marR="0" lvl="0" indent="0" algn="l" defTabSz="914400" rtl="0" eaLnBrk="1" fontAlgn="auto" latinLnBrk="0" hangingPunct="1">
+              <a:lnSpc>
+                <a:spcPct val="100000"/>
+              </a:lnSpc>
+              <a:spcBef>
+                <a:spcPts val="0"/>
+              </a:spcBef>
+              <a:spcAft>
+                <a:spcPts val="0"/>
+              </a:spcAft>
+              <a:buClrTx/>
+              <a:buSzTx/>
+              <a:buFontTx/>
+              <a:buNone/>
+              <a:tabLst/>
+              <a:defRPr/>
+            </a:pPr>
+            <a:r>
+              <a:rPr kumimoji="1" lang="en" altLang="zh-TW" sz="1400" b="0" i="0" u="none" strike="noStrike" kern="1200" cap="none" spc="0" normalizeH="0" baseline="0" noProof="0" dirty="0">
+                <a:ln>
+                  <a:noFill/>
+                </a:ln>
+                <a:solidFill>
+                  <a:prstClr val="black"/>
+                </a:solidFill>
+                <a:effectLst/>
+                <a:uLnTx/>
+                <a:uFillTx/>
+                <a:latin typeface="Menlo" panose="020B0609030804020204" pitchFamily="49" charset="0"/>
+                <a:ea typeface="Menlo" panose="020B0609030804020204" pitchFamily="49" charset="0"/>
+                <a:cs typeface="Menlo" panose="020B0609030804020204" pitchFamily="49" charset="0"/>
+              </a:rPr>
+              <a:t>    try:</a:t>
+            </a:r>
+          </a:p>
+          <a:p>
+            <a:pPr marL="0" marR="0" lvl="0" indent="0" algn="l" defTabSz="914400" rtl="0" eaLnBrk="1" fontAlgn="auto" latinLnBrk="0" hangingPunct="1">
+              <a:lnSpc>
+                <a:spcPct val="100000"/>
+              </a:lnSpc>
+              <a:spcBef>
+                <a:spcPts val="0"/>
+              </a:spcBef>
+              <a:spcAft>
+                <a:spcPts val="0"/>
+              </a:spcAft>
+              <a:buClrTx/>
+              <a:buSzTx/>
+              <a:buFontTx/>
+              <a:buNone/>
+              <a:tabLst/>
+              <a:defRPr/>
+            </a:pPr>
+            <a:r>
+              <a:rPr kumimoji="1" lang="en" altLang="zh-TW" sz="1400" b="0" i="0" u="none" strike="noStrike" kern="1200" cap="none" spc="0" normalizeH="0" baseline="0" noProof="0" dirty="0">
+                <a:ln>
+                  <a:noFill/>
+                </a:ln>
+                <a:solidFill>
+                  <a:prstClr val="black"/>
+                </a:solidFill>
+                <a:effectLst/>
+                <a:uLnTx/>
+                <a:uFillTx/>
+                <a:latin typeface="Menlo" panose="020B0609030804020204" pitchFamily="49" charset="0"/>
+                <a:ea typeface="Menlo" panose="020B0609030804020204" pitchFamily="49" charset="0"/>
+                <a:cs typeface="Menlo" panose="020B0609030804020204" pitchFamily="49" charset="0"/>
+              </a:rPr>
+              <a:t>        N = int(input().strip())</a:t>
+            </a:r>
+          </a:p>
+          <a:p>
+            <a:pPr marL="0" marR="0" lvl="0" indent="0" algn="l" defTabSz="914400" rtl="0" eaLnBrk="1" fontAlgn="auto" latinLnBrk="0" hangingPunct="1">
+              <a:lnSpc>
+                <a:spcPct val="100000"/>
+              </a:lnSpc>
+              <a:spcBef>
+                <a:spcPts val="0"/>
+              </a:spcBef>
+              <a:spcAft>
+                <a:spcPts val="0"/>
+              </a:spcAft>
+              <a:buClrTx/>
+              <a:buSzTx/>
+              <a:buFontTx/>
+              <a:buNone/>
+              <a:tabLst/>
+              <a:defRPr/>
+            </a:pPr>
+            <a:r>
+              <a:rPr kumimoji="1" lang="en" altLang="zh-TW" sz="1400" b="0" i="0" u="none" strike="noStrike" kern="1200" cap="none" spc="0" normalizeH="0" baseline="0" noProof="0" dirty="0">
+                <a:ln>
+                  <a:noFill/>
+                </a:ln>
+                <a:solidFill>
+                  <a:prstClr val="black"/>
+                </a:solidFill>
+                <a:effectLst/>
+                <a:uLnTx/>
+                <a:uFillTx/>
+                <a:latin typeface="Menlo" panose="020B0609030804020204" pitchFamily="49" charset="0"/>
+                <a:ea typeface="Menlo" panose="020B0609030804020204" pitchFamily="49" charset="0"/>
+                <a:cs typeface="Menlo" panose="020B0609030804020204" pitchFamily="49" charset="0"/>
+              </a:rPr>
+              <a:t>        d = int(input().strip())</a:t>
+            </a:r>
+          </a:p>
+          <a:p>
+            <a:pPr marL="0" marR="0" lvl="0" indent="0" algn="l" defTabSz="914400" rtl="0" eaLnBrk="1" fontAlgn="auto" latinLnBrk="0" hangingPunct="1">
+              <a:lnSpc>
+                <a:spcPct val="100000"/>
+              </a:lnSpc>
+              <a:spcBef>
+                <a:spcPts val="0"/>
+              </a:spcBef>
+              <a:spcAft>
+                <a:spcPts val="0"/>
+              </a:spcAft>
+              <a:buClrTx/>
+              <a:buSzTx/>
+              <a:buFontTx/>
+              <a:buNone/>
+              <a:tabLst/>
+              <a:defRPr/>
+            </a:pPr>
+            <a:r>
+              <a:rPr kumimoji="1" lang="en" altLang="zh-TW" sz="1400" b="0" i="0" u="none" strike="noStrike" kern="1200" cap="none" spc="0" normalizeH="0" baseline="0" noProof="0" dirty="0">
+                <a:ln>
+                  <a:noFill/>
+                </a:ln>
+                <a:solidFill>
+                  <a:prstClr val="black"/>
+                </a:solidFill>
+                <a:effectLst/>
+                <a:uLnTx/>
+                <a:uFillTx/>
+                <a:latin typeface="Menlo" panose="020B0609030804020204" pitchFamily="49" charset="0"/>
+                <a:ea typeface="Menlo" panose="020B0609030804020204" pitchFamily="49" charset="0"/>
+                <a:cs typeface="Menlo" panose="020B0609030804020204" pitchFamily="49" charset="0"/>
+              </a:rPr>
+              <a:t>        mat = []</a:t>
+            </a:r>
+          </a:p>
+          <a:p>
+            <a:pPr marL="0" marR="0" lvl="0" indent="0" algn="l" defTabSz="914400" rtl="0" eaLnBrk="1" fontAlgn="auto" latinLnBrk="0" hangingPunct="1">
+              <a:lnSpc>
+                <a:spcPct val="100000"/>
+              </a:lnSpc>
+              <a:spcBef>
+                <a:spcPts val="0"/>
+              </a:spcBef>
+              <a:spcAft>
+                <a:spcPts val="0"/>
+              </a:spcAft>
+              <a:buClrTx/>
+              <a:buSzTx/>
+              <a:buFontTx/>
+              <a:buNone/>
+              <a:tabLst/>
+              <a:defRPr/>
+            </a:pPr>
+            <a:r>
+              <a:rPr kumimoji="1" lang="en" altLang="zh-TW" sz="1400" b="0" i="0" u="none" strike="noStrike" kern="1200" cap="none" spc="0" normalizeH="0" baseline="0" noProof="0" dirty="0">
+                <a:ln>
+                  <a:noFill/>
+                </a:ln>
+                <a:solidFill>
+                  <a:prstClr val="black"/>
+                </a:solidFill>
+                <a:effectLst/>
+                <a:uLnTx/>
+                <a:uFillTx/>
+                <a:latin typeface="Menlo" panose="020B0609030804020204" pitchFamily="49" charset="0"/>
+                <a:ea typeface="Menlo" panose="020B0609030804020204" pitchFamily="49" charset="0"/>
+                <a:cs typeface="Menlo" panose="020B0609030804020204" pitchFamily="49" charset="0"/>
+              </a:rPr>
+              <a:t>        for </a:t>
+            </a:r>
+            <a:r>
+              <a:rPr kumimoji="1" lang="en" altLang="zh-TW" sz="1400" b="0" i="0" u="none" strike="noStrike" kern="1200" cap="none" spc="0" normalizeH="0" baseline="0" noProof="0" dirty="0" err="1">
+                <a:ln>
+                  <a:noFill/>
+                </a:ln>
+                <a:solidFill>
+                  <a:prstClr val="black"/>
+                </a:solidFill>
+                <a:effectLst/>
+                <a:uLnTx/>
+                <a:uFillTx/>
+                <a:latin typeface="Menlo" panose="020B0609030804020204" pitchFamily="49" charset="0"/>
+                <a:ea typeface="Menlo" panose="020B0609030804020204" pitchFamily="49" charset="0"/>
+                <a:cs typeface="Menlo" panose="020B0609030804020204" pitchFamily="49" charset="0"/>
+              </a:rPr>
+              <a:t>i</a:t>
+            </a:r>
+            <a:r>
+              <a:rPr kumimoji="1" lang="en" altLang="zh-TW" sz="1400" b="0" i="0" u="none" strike="noStrike" kern="1200" cap="none" spc="0" normalizeH="0" baseline="0" noProof="0" dirty="0">
+                <a:ln>
+                  <a:noFill/>
+                </a:ln>
+                <a:solidFill>
+                  <a:prstClr val="black"/>
+                </a:solidFill>
+                <a:effectLst/>
+                <a:uLnTx/>
+                <a:uFillTx/>
+                <a:latin typeface="Menlo" panose="020B0609030804020204" pitchFamily="49" charset="0"/>
+                <a:ea typeface="Menlo" panose="020B0609030804020204" pitchFamily="49" charset="0"/>
+                <a:cs typeface="Menlo" panose="020B0609030804020204" pitchFamily="49" charset="0"/>
+              </a:rPr>
+              <a:t> in range(N):</a:t>
+            </a:r>
+          </a:p>
+          <a:p>
+            <a:pPr marL="0" marR="0" lvl="0" indent="0" algn="l" defTabSz="914400" rtl="0" eaLnBrk="1" fontAlgn="auto" latinLnBrk="0" hangingPunct="1">
+              <a:lnSpc>
+                <a:spcPct val="100000"/>
+              </a:lnSpc>
+              <a:spcBef>
+                <a:spcPts val="0"/>
+              </a:spcBef>
+              <a:spcAft>
+                <a:spcPts val="0"/>
+              </a:spcAft>
+              <a:buClrTx/>
+              <a:buSzTx/>
+              <a:buFontTx/>
+              <a:buNone/>
+              <a:tabLst/>
+              <a:defRPr/>
+            </a:pPr>
+            <a:r>
+              <a:rPr kumimoji="1" lang="en" altLang="zh-TW" sz="1400" b="0" i="0" u="none" strike="noStrike" kern="1200" cap="none" spc="0" normalizeH="0" baseline="0" noProof="0" dirty="0">
+                <a:ln>
+                  <a:noFill/>
+                </a:ln>
+                <a:solidFill>
+                  <a:prstClr val="black"/>
+                </a:solidFill>
+                <a:effectLst/>
+                <a:uLnTx/>
+                <a:uFillTx/>
+                <a:latin typeface="Menlo" panose="020B0609030804020204" pitchFamily="49" charset="0"/>
+                <a:ea typeface="Menlo" panose="020B0609030804020204" pitchFamily="49" charset="0"/>
+                <a:cs typeface="Menlo" panose="020B0609030804020204" pitchFamily="49" charset="0"/>
+              </a:rPr>
+              <a:t>            </a:t>
+            </a:r>
+            <a:r>
+              <a:rPr kumimoji="1" lang="en" altLang="zh-TW" sz="1400" b="0" i="0" u="none" strike="noStrike" kern="1200" cap="none" spc="0" normalizeH="0" baseline="0" noProof="0" dirty="0" err="1">
+                <a:ln>
+                  <a:noFill/>
+                </a:ln>
+                <a:solidFill>
+                  <a:prstClr val="black"/>
+                </a:solidFill>
+                <a:effectLst/>
+                <a:uLnTx/>
+                <a:uFillTx/>
+                <a:latin typeface="Menlo" panose="020B0609030804020204" pitchFamily="49" charset="0"/>
+                <a:ea typeface="Menlo" panose="020B0609030804020204" pitchFamily="49" charset="0"/>
+                <a:cs typeface="Menlo" panose="020B0609030804020204" pitchFamily="49" charset="0"/>
+              </a:rPr>
+              <a:t>mat.append</a:t>
+            </a:r>
+            <a:r>
+              <a:rPr kumimoji="1" lang="en" altLang="zh-TW" sz="1400" b="0" i="0" u="none" strike="noStrike" kern="1200" cap="none" spc="0" normalizeH="0" baseline="0" noProof="0" dirty="0">
+                <a:ln>
+                  <a:noFill/>
+                </a:ln>
+                <a:solidFill>
+                  <a:prstClr val="black"/>
+                </a:solidFill>
+                <a:effectLst/>
+                <a:uLnTx/>
+                <a:uFillTx/>
+                <a:latin typeface="Menlo" panose="020B0609030804020204" pitchFamily="49" charset="0"/>
+                <a:ea typeface="Menlo" panose="020B0609030804020204" pitchFamily="49" charset="0"/>
+                <a:cs typeface="Menlo" panose="020B0609030804020204" pitchFamily="49" charset="0"/>
+              </a:rPr>
+              <a:t>(input().strip().split())</a:t>
+            </a:r>
+          </a:p>
+          <a:p>
+            <a:pPr marL="0" marR="0" lvl="0" indent="0" algn="l" defTabSz="914400" rtl="0" eaLnBrk="1" fontAlgn="auto" latinLnBrk="0" hangingPunct="1">
+              <a:lnSpc>
+                <a:spcPct val="100000"/>
+              </a:lnSpc>
+              <a:spcBef>
+                <a:spcPts val="0"/>
+              </a:spcBef>
+              <a:spcAft>
+                <a:spcPts val="0"/>
+              </a:spcAft>
+              <a:buClrTx/>
+              <a:buSzTx/>
+              <a:buFontTx/>
+              <a:buNone/>
+              <a:tabLst/>
+              <a:defRPr/>
+            </a:pPr>
+            <a:endParaRPr kumimoji="1" lang="en" altLang="zh-TW" sz="1400" b="0" i="0" u="none" strike="noStrike" kern="1200" cap="none" spc="0" normalizeH="0" baseline="0" noProof="0" dirty="0">
+              <a:ln>
+                <a:noFill/>
+              </a:ln>
+              <a:solidFill>
+                <a:prstClr val="black"/>
+              </a:solidFill>
+              <a:effectLst/>
+              <a:uLnTx/>
+              <a:uFillTx/>
+              <a:latin typeface="Menlo" panose="020B0609030804020204" pitchFamily="49" charset="0"/>
+              <a:ea typeface="Menlo" panose="020B0609030804020204" pitchFamily="49" charset="0"/>
+              <a:cs typeface="Menlo" panose="020B0609030804020204" pitchFamily="49" charset="0"/>
+            </a:endParaRPr>
+          </a:p>
+          <a:p>
+            <a:pPr marL="0" marR="0" lvl="0" indent="0" algn="l" defTabSz="914400" rtl="0" eaLnBrk="1" fontAlgn="auto" latinLnBrk="0" hangingPunct="1">
+              <a:lnSpc>
+                <a:spcPct val="100000"/>
+              </a:lnSpc>
+              <a:spcBef>
+                <a:spcPts val="0"/>
+              </a:spcBef>
+              <a:spcAft>
+                <a:spcPts val="0"/>
+              </a:spcAft>
+              <a:buClrTx/>
+              <a:buSzTx/>
+              <a:buFontTx/>
+              <a:buNone/>
+              <a:tabLst/>
+              <a:defRPr/>
+            </a:pPr>
+            <a:r>
+              <a:rPr kumimoji="1" lang="en" altLang="zh-TW" sz="1400" b="0" i="0" u="none" strike="noStrike" kern="1200" cap="none" spc="0" normalizeH="0" baseline="0" noProof="0" dirty="0">
+                <a:ln>
+                  <a:noFill/>
+                </a:ln>
+                <a:solidFill>
+                  <a:prstClr val="black"/>
+                </a:solidFill>
+                <a:effectLst/>
+                <a:uLnTx/>
+                <a:uFillTx/>
+                <a:latin typeface="Menlo" panose="020B0609030804020204" pitchFamily="49" charset="0"/>
+                <a:ea typeface="Menlo" panose="020B0609030804020204" pitchFamily="49" charset="0"/>
+                <a:cs typeface="Menlo" panose="020B0609030804020204" pitchFamily="49" charset="0"/>
+              </a:rPr>
+              <a:t>        </a:t>
+            </a:r>
+            <a:r>
+              <a:rPr kumimoji="1" lang="en" altLang="zh-TW" sz="1400" b="0" i="0" u="none" strike="noStrike" kern="1200" cap="none" spc="0" normalizeH="0" baseline="0" noProof="0" dirty="0" err="1">
+                <a:ln>
+                  <a:noFill/>
+                </a:ln>
+                <a:solidFill>
+                  <a:prstClr val="black"/>
+                </a:solidFill>
+                <a:effectLst/>
+                <a:uLnTx/>
+                <a:uFillTx/>
+                <a:latin typeface="Menlo" panose="020B0609030804020204" pitchFamily="49" charset="0"/>
+                <a:ea typeface="Menlo" panose="020B0609030804020204" pitchFamily="49" charset="0"/>
+                <a:cs typeface="Menlo" panose="020B0609030804020204" pitchFamily="49" charset="0"/>
+              </a:rPr>
+              <a:t>total_steps</a:t>
+            </a:r>
+            <a:r>
+              <a:rPr kumimoji="1" lang="en" altLang="zh-TW" sz="1400" b="0" i="0" u="none" strike="noStrike" kern="1200" cap="none" spc="0" normalizeH="0" baseline="0" noProof="0" dirty="0">
+                <a:ln>
+                  <a:noFill/>
+                </a:ln>
+                <a:solidFill>
+                  <a:prstClr val="black"/>
+                </a:solidFill>
+                <a:effectLst/>
+                <a:uLnTx/>
+                <a:uFillTx/>
+                <a:latin typeface="Menlo" panose="020B0609030804020204" pitchFamily="49" charset="0"/>
+                <a:ea typeface="Menlo" panose="020B0609030804020204" pitchFamily="49" charset="0"/>
+                <a:cs typeface="Menlo" panose="020B0609030804020204" pitchFamily="49" charset="0"/>
+              </a:rPr>
+              <a:t> = N * N</a:t>
+            </a:r>
+          </a:p>
+          <a:p>
+            <a:pPr marL="0" marR="0" lvl="0" indent="0" algn="l" defTabSz="914400" rtl="0" eaLnBrk="1" fontAlgn="auto" latinLnBrk="0" hangingPunct="1">
+              <a:lnSpc>
+                <a:spcPct val="100000"/>
+              </a:lnSpc>
+              <a:spcBef>
+                <a:spcPts val="0"/>
+              </a:spcBef>
+              <a:spcAft>
+                <a:spcPts val="0"/>
+              </a:spcAft>
+              <a:buClrTx/>
+              <a:buSzTx/>
+              <a:buFontTx/>
+              <a:buNone/>
+              <a:tabLst/>
+              <a:defRPr/>
+            </a:pPr>
+            <a:r>
+              <a:rPr kumimoji="1" lang="en" altLang="zh-TW" sz="1400" b="0" i="0" u="none" strike="noStrike" kern="1200" cap="none" spc="0" normalizeH="0" baseline="0" noProof="0" dirty="0">
+                <a:ln>
+                  <a:noFill/>
+                </a:ln>
+                <a:solidFill>
+                  <a:prstClr val="black"/>
+                </a:solidFill>
+                <a:effectLst/>
+                <a:uLnTx/>
+                <a:uFillTx/>
+                <a:latin typeface="Menlo" panose="020B0609030804020204" pitchFamily="49" charset="0"/>
+                <a:ea typeface="Menlo" panose="020B0609030804020204" pitchFamily="49" charset="0"/>
+                <a:cs typeface="Menlo" panose="020B0609030804020204" pitchFamily="49" charset="0"/>
+              </a:rPr>
+              <a:t>        # 0</a:t>
+            </a:r>
+            <a:r>
+              <a:rPr kumimoji="1" lang="zh-TW" altLang="en-US" sz="1400" b="0" i="0" u="none" strike="noStrike" kern="1200" cap="none" spc="0" normalizeH="0" baseline="0" noProof="0" dirty="0">
+                <a:ln>
+                  <a:noFill/>
+                </a:ln>
+                <a:solidFill>
+                  <a:prstClr val="black"/>
+                </a:solidFill>
+                <a:effectLst/>
+                <a:uLnTx/>
+                <a:uFillTx/>
+                <a:latin typeface="Menlo" panose="020B0609030804020204" pitchFamily="49" charset="0"/>
+                <a:ea typeface="標楷體" panose="02010601000101010101" pitchFamily="2" charset="-120"/>
+                <a:cs typeface="Menlo" panose="020B0609030804020204" pitchFamily="49" charset="0"/>
+              </a:rPr>
+              <a:t>代表左 、</a:t>
+            </a:r>
+            <a:r>
+              <a:rPr kumimoji="1" lang="en-US" altLang="zh-TW" sz="1400" b="0" i="0" u="none" strike="noStrike" kern="1200" cap="none" spc="0" normalizeH="0" baseline="0" noProof="0" dirty="0">
+                <a:ln>
+                  <a:noFill/>
+                </a:ln>
+                <a:solidFill>
+                  <a:prstClr val="black"/>
+                </a:solidFill>
+                <a:effectLst/>
+                <a:uLnTx/>
+                <a:uFillTx/>
+                <a:latin typeface="Menlo" panose="020B0609030804020204" pitchFamily="49" charset="0"/>
+                <a:ea typeface="Menlo" panose="020B0609030804020204" pitchFamily="49" charset="0"/>
+                <a:cs typeface="Menlo" panose="020B0609030804020204" pitchFamily="49" charset="0"/>
+              </a:rPr>
+              <a:t>1</a:t>
+            </a:r>
+            <a:r>
+              <a:rPr kumimoji="1" lang="zh-TW" altLang="en-US" sz="1400" b="0" i="0" u="none" strike="noStrike" kern="1200" cap="none" spc="0" normalizeH="0" baseline="0" noProof="0" dirty="0">
+                <a:ln>
+                  <a:noFill/>
+                </a:ln>
+                <a:solidFill>
+                  <a:prstClr val="black"/>
+                </a:solidFill>
+                <a:effectLst/>
+                <a:uLnTx/>
+                <a:uFillTx/>
+                <a:latin typeface="Menlo" panose="020B0609030804020204" pitchFamily="49" charset="0"/>
+                <a:ea typeface="標楷體" panose="02010601000101010101" pitchFamily="2" charset="-120"/>
+                <a:cs typeface="Menlo" panose="020B0609030804020204" pitchFamily="49" charset="0"/>
+              </a:rPr>
+              <a:t>代表上 、</a:t>
+            </a:r>
+            <a:r>
+              <a:rPr kumimoji="1" lang="en-US" altLang="zh-TW" sz="1400" b="0" i="0" u="none" strike="noStrike" kern="1200" cap="none" spc="0" normalizeH="0" baseline="0" noProof="0" dirty="0">
+                <a:ln>
+                  <a:noFill/>
+                </a:ln>
+                <a:solidFill>
+                  <a:prstClr val="black"/>
+                </a:solidFill>
+                <a:effectLst/>
+                <a:uLnTx/>
+                <a:uFillTx/>
+                <a:latin typeface="Menlo" panose="020B0609030804020204" pitchFamily="49" charset="0"/>
+                <a:ea typeface="Menlo" panose="020B0609030804020204" pitchFamily="49" charset="0"/>
+                <a:cs typeface="Menlo" panose="020B0609030804020204" pitchFamily="49" charset="0"/>
+              </a:rPr>
+              <a:t>2</a:t>
+            </a:r>
+            <a:r>
+              <a:rPr kumimoji="1" lang="zh-TW" altLang="en-US" sz="1400" b="0" i="0" u="none" strike="noStrike" kern="1200" cap="none" spc="0" normalizeH="0" baseline="0" noProof="0" dirty="0">
+                <a:ln>
+                  <a:noFill/>
+                </a:ln>
+                <a:solidFill>
+                  <a:prstClr val="black"/>
+                </a:solidFill>
+                <a:effectLst/>
+                <a:uLnTx/>
+                <a:uFillTx/>
+                <a:latin typeface="Menlo" panose="020B0609030804020204" pitchFamily="49" charset="0"/>
+                <a:ea typeface="標楷體" panose="02010601000101010101" pitchFamily="2" charset="-120"/>
+                <a:cs typeface="Menlo" panose="020B0609030804020204" pitchFamily="49" charset="0"/>
+              </a:rPr>
+              <a:t>代表右 、</a:t>
+            </a:r>
+            <a:r>
+              <a:rPr kumimoji="1" lang="en-US" altLang="zh-TW" sz="1400" b="0" i="0" u="none" strike="noStrike" kern="1200" cap="none" spc="0" normalizeH="0" baseline="0" noProof="0" dirty="0">
+                <a:ln>
+                  <a:noFill/>
+                </a:ln>
+                <a:solidFill>
+                  <a:prstClr val="black"/>
+                </a:solidFill>
+                <a:effectLst/>
+                <a:uLnTx/>
+                <a:uFillTx/>
+                <a:latin typeface="Menlo" panose="020B0609030804020204" pitchFamily="49" charset="0"/>
+                <a:ea typeface="Menlo" panose="020B0609030804020204" pitchFamily="49" charset="0"/>
+                <a:cs typeface="Menlo" panose="020B0609030804020204" pitchFamily="49" charset="0"/>
+              </a:rPr>
+              <a:t>3</a:t>
+            </a:r>
+            <a:r>
+              <a:rPr kumimoji="1" lang="zh-TW" altLang="en-US" sz="1400" b="0" i="0" u="none" strike="noStrike" kern="1200" cap="none" spc="0" normalizeH="0" baseline="0" noProof="0" dirty="0">
+                <a:ln>
+                  <a:noFill/>
+                </a:ln>
+                <a:solidFill>
+                  <a:prstClr val="black"/>
+                </a:solidFill>
+                <a:effectLst/>
+                <a:uLnTx/>
+                <a:uFillTx/>
+                <a:latin typeface="Menlo" panose="020B0609030804020204" pitchFamily="49" charset="0"/>
+                <a:ea typeface="標楷體" panose="02010601000101010101" pitchFamily="2" charset="-120"/>
+                <a:cs typeface="Menlo" panose="020B0609030804020204" pitchFamily="49" charset="0"/>
+              </a:rPr>
+              <a:t>代表下 </a:t>
+            </a:r>
+          </a:p>
+          <a:p>
+            <a:pPr marL="0" marR="0" lvl="0" indent="0" algn="l" defTabSz="914400" rtl="0" eaLnBrk="1" fontAlgn="auto" latinLnBrk="0" hangingPunct="1">
+              <a:lnSpc>
+                <a:spcPct val="100000"/>
+              </a:lnSpc>
+              <a:spcBef>
+                <a:spcPts val="0"/>
+              </a:spcBef>
+              <a:spcAft>
+                <a:spcPts val="0"/>
+              </a:spcAft>
+              <a:buClrTx/>
+              <a:buSzTx/>
+              <a:buFontTx/>
+              <a:buNone/>
+              <a:tabLst/>
+              <a:defRPr/>
+            </a:pPr>
+            <a:r>
+              <a:rPr kumimoji="1" lang="zh-TW" altLang="en-US" sz="1400" b="0" i="0" u="none" strike="noStrike" kern="1200" cap="none" spc="0" normalizeH="0" baseline="0" noProof="0" dirty="0">
+                <a:ln>
+                  <a:noFill/>
+                </a:ln>
+                <a:solidFill>
+                  <a:prstClr val="black"/>
+                </a:solidFill>
+                <a:effectLst/>
+                <a:uLnTx/>
+                <a:uFillTx/>
+                <a:latin typeface="Menlo" panose="020B0609030804020204" pitchFamily="49" charset="0"/>
+                <a:ea typeface="標楷體" panose="02010601000101010101" pitchFamily="2" charset="-120"/>
+                <a:cs typeface="Menlo" panose="020B0609030804020204" pitchFamily="49" charset="0"/>
+              </a:rPr>
+              <a:t>        </a:t>
+            </a:r>
+            <a:r>
+              <a:rPr kumimoji="1" lang="en" altLang="zh-TW" sz="1400" b="0" i="0" u="none" strike="noStrike" kern="1200" cap="none" spc="0" normalizeH="0" baseline="0" noProof="0" dirty="0">
+                <a:ln>
+                  <a:noFill/>
+                </a:ln>
+                <a:solidFill>
+                  <a:prstClr val="black"/>
+                </a:solidFill>
+                <a:effectLst/>
+                <a:uLnTx/>
+                <a:uFillTx/>
+                <a:latin typeface="Menlo" panose="020B0609030804020204" pitchFamily="49" charset="0"/>
+                <a:ea typeface="Menlo" panose="020B0609030804020204" pitchFamily="49" charset="0"/>
+                <a:cs typeface="Menlo" panose="020B0609030804020204" pitchFamily="49" charset="0"/>
+              </a:rPr>
+              <a:t>direction = [(0, -1), (-1, 0), (0, 1), (1, 0)]</a:t>
+            </a:r>
+          </a:p>
+          <a:p>
+            <a:pPr marL="0" marR="0" lvl="0" indent="0" algn="l" defTabSz="914400" rtl="0" eaLnBrk="1" fontAlgn="auto" latinLnBrk="0" hangingPunct="1">
+              <a:lnSpc>
+                <a:spcPct val="100000"/>
+              </a:lnSpc>
+              <a:spcBef>
+                <a:spcPts val="0"/>
+              </a:spcBef>
+              <a:spcAft>
+                <a:spcPts val="0"/>
+              </a:spcAft>
+              <a:buClrTx/>
+              <a:buSzTx/>
+              <a:buFontTx/>
+              <a:buNone/>
+              <a:tabLst/>
+              <a:defRPr/>
+            </a:pPr>
+            <a:r>
+              <a:rPr kumimoji="1" lang="en" altLang="zh-TW" sz="1400" b="0" i="0" u="none" strike="noStrike" kern="1200" cap="none" spc="0" normalizeH="0" baseline="0" noProof="0" dirty="0">
+                <a:ln>
+                  <a:noFill/>
+                </a:ln>
+                <a:solidFill>
+                  <a:prstClr val="black"/>
+                </a:solidFill>
+                <a:effectLst/>
+                <a:uLnTx/>
+                <a:uFillTx/>
+                <a:latin typeface="Menlo" panose="020B0609030804020204" pitchFamily="49" charset="0"/>
+                <a:ea typeface="Menlo" panose="020B0609030804020204" pitchFamily="49" charset="0"/>
+                <a:cs typeface="Menlo" panose="020B0609030804020204" pitchFamily="49" charset="0"/>
+              </a:rPr>
+              <a:t>        </a:t>
+            </a:r>
+          </a:p>
+          <a:p>
+            <a:pPr marL="0" marR="0" lvl="0" indent="0" algn="l" defTabSz="914400" rtl="0" eaLnBrk="1" fontAlgn="auto" latinLnBrk="0" hangingPunct="1">
+              <a:lnSpc>
+                <a:spcPct val="100000"/>
+              </a:lnSpc>
+              <a:spcBef>
+                <a:spcPts val="0"/>
+              </a:spcBef>
+              <a:spcAft>
+                <a:spcPts val="0"/>
+              </a:spcAft>
+              <a:buClrTx/>
+              <a:buSzTx/>
+              <a:buFontTx/>
+              <a:buNone/>
+              <a:tabLst/>
+              <a:defRPr/>
+            </a:pPr>
+            <a:r>
+              <a:rPr kumimoji="1" lang="en" altLang="zh-TW" sz="1400" b="0" i="0" u="none" strike="noStrike" kern="1200" cap="none" spc="0" normalizeH="0" baseline="0" noProof="0" dirty="0">
+                <a:ln>
+                  <a:noFill/>
+                </a:ln>
+                <a:solidFill>
+                  <a:prstClr val="black"/>
+                </a:solidFill>
+                <a:effectLst/>
+                <a:uLnTx/>
+                <a:uFillTx/>
+                <a:latin typeface="Menlo" panose="020B0609030804020204" pitchFamily="49" charset="0"/>
+                <a:ea typeface="Menlo" panose="020B0609030804020204" pitchFamily="49" charset="0"/>
+                <a:cs typeface="Menlo" panose="020B0609030804020204" pitchFamily="49" charset="0"/>
+              </a:rPr>
+              <a:t>        step = 1</a:t>
+            </a:r>
+          </a:p>
+          <a:p>
+            <a:pPr marL="0" marR="0" lvl="0" indent="0" algn="l" defTabSz="914400" rtl="0" eaLnBrk="1" fontAlgn="auto" latinLnBrk="0" hangingPunct="1">
+              <a:lnSpc>
+                <a:spcPct val="100000"/>
+              </a:lnSpc>
+              <a:spcBef>
+                <a:spcPts val="0"/>
+              </a:spcBef>
+              <a:spcAft>
+                <a:spcPts val="0"/>
+              </a:spcAft>
+              <a:buClrTx/>
+              <a:buSzTx/>
+              <a:buFontTx/>
+              <a:buNone/>
+              <a:tabLst/>
+              <a:defRPr/>
+            </a:pPr>
+            <a:r>
+              <a:rPr kumimoji="1" lang="en" altLang="zh-TW" sz="1400" b="0" i="0" u="none" strike="noStrike" kern="1200" cap="none" spc="0" normalizeH="0" baseline="0" noProof="0" dirty="0">
+                <a:ln>
+                  <a:noFill/>
+                </a:ln>
+                <a:solidFill>
+                  <a:prstClr val="black"/>
+                </a:solidFill>
+                <a:effectLst/>
+                <a:uLnTx/>
+                <a:uFillTx/>
+                <a:latin typeface="Menlo" panose="020B0609030804020204" pitchFamily="49" charset="0"/>
+                <a:ea typeface="Menlo" panose="020B0609030804020204" pitchFamily="49" charset="0"/>
+                <a:cs typeface="Menlo" panose="020B0609030804020204" pitchFamily="49" charset="0"/>
+              </a:rPr>
+              <a:t>        </a:t>
+            </a:r>
+            <a:r>
+              <a:rPr kumimoji="1" lang="en" altLang="zh-TW" sz="1400" b="0" i="0" u="none" strike="noStrike" kern="1200" cap="none" spc="0" normalizeH="0" baseline="0" noProof="0" dirty="0" err="1">
+                <a:ln>
+                  <a:noFill/>
+                </a:ln>
+                <a:solidFill>
+                  <a:prstClr val="black"/>
+                </a:solidFill>
+                <a:effectLst/>
+                <a:uLnTx/>
+                <a:uFillTx/>
+                <a:latin typeface="Menlo" panose="020B0609030804020204" pitchFamily="49" charset="0"/>
+                <a:ea typeface="Menlo" panose="020B0609030804020204" pitchFamily="49" charset="0"/>
+                <a:cs typeface="Menlo" panose="020B0609030804020204" pitchFamily="49" charset="0"/>
+              </a:rPr>
+              <a:t>step_counter</a:t>
+            </a:r>
+            <a:r>
+              <a:rPr kumimoji="1" lang="en" altLang="zh-TW" sz="1400" b="0" i="0" u="none" strike="noStrike" kern="1200" cap="none" spc="0" normalizeH="0" baseline="0" noProof="0" dirty="0">
+                <a:ln>
+                  <a:noFill/>
+                </a:ln>
+                <a:solidFill>
+                  <a:prstClr val="black"/>
+                </a:solidFill>
+                <a:effectLst/>
+                <a:uLnTx/>
+                <a:uFillTx/>
+                <a:latin typeface="Menlo" panose="020B0609030804020204" pitchFamily="49" charset="0"/>
+                <a:ea typeface="Menlo" panose="020B0609030804020204" pitchFamily="49" charset="0"/>
+                <a:cs typeface="Menlo" panose="020B0609030804020204" pitchFamily="49" charset="0"/>
+              </a:rPr>
+              <a:t> = 0</a:t>
+            </a:r>
+          </a:p>
+          <a:p>
+            <a:pPr marL="0" marR="0" lvl="0" indent="0" algn="l" defTabSz="914400" rtl="0" eaLnBrk="1" fontAlgn="auto" latinLnBrk="0" hangingPunct="1">
+              <a:lnSpc>
+                <a:spcPct val="100000"/>
+              </a:lnSpc>
+              <a:spcBef>
+                <a:spcPts val="0"/>
+              </a:spcBef>
+              <a:spcAft>
+                <a:spcPts val="0"/>
+              </a:spcAft>
+              <a:buClrTx/>
+              <a:buSzTx/>
+              <a:buFontTx/>
+              <a:buNone/>
+              <a:tabLst/>
+              <a:defRPr/>
+            </a:pPr>
+            <a:r>
+              <a:rPr kumimoji="1" lang="en" altLang="zh-TW" sz="1400" b="0" i="0" u="none" strike="noStrike" kern="1200" cap="none" spc="0" normalizeH="0" baseline="0" noProof="0" dirty="0">
+                <a:ln>
+                  <a:noFill/>
+                </a:ln>
+                <a:solidFill>
+                  <a:prstClr val="black"/>
+                </a:solidFill>
+                <a:effectLst/>
+                <a:uLnTx/>
+                <a:uFillTx/>
+                <a:latin typeface="Menlo" panose="020B0609030804020204" pitchFamily="49" charset="0"/>
+                <a:ea typeface="Menlo" panose="020B0609030804020204" pitchFamily="49" charset="0"/>
+                <a:cs typeface="Menlo" panose="020B0609030804020204" pitchFamily="49" charset="0"/>
+              </a:rPr>
+              <a:t>        </a:t>
+            </a:r>
+          </a:p>
+          <a:p>
+            <a:pPr marL="0" marR="0" lvl="0" indent="0" algn="l" defTabSz="914400" rtl="0" eaLnBrk="1" fontAlgn="auto" latinLnBrk="0" hangingPunct="1">
+              <a:lnSpc>
+                <a:spcPct val="100000"/>
+              </a:lnSpc>
+              <a:spcBef>
+                <a:spcPts val="0"/>
+              </a:spcBef>
+              <a:spcAft>
+                <a:spcPts val="0"/>
+              </a:spcAft>
+              <a:buClrTx/>
+              <a:buSzTx/>
+              <a:buFontTx/>
+              <a:buNone/>
+              <a:tabLst/>
+              <a:defRPr/>
+            </a:pPr>
+            <a:r>
+              <a:rPr kumimoji="1" lang="en" altLang="zh-TW" sz="1400" b="0" i="0" u="none" strike="noStrike" kern="1200" cap="none" spc="0" normalizeH="0" baseline="0" noProof="0" dirty="0">
+                <a:ln>
+                  <a:noFill/>
+                </a:ln>
+                <a:solidFill>
+                  <a:prstClr val="black"/>
+                </a:solidFill>
+                <a:effectLst/>
+                <a:uLnTx/>
+                <a:uFillTx/>
+                <a:latin typeface="Menlo" panose="020B0609030804020204" pitchFamily="49" charset="0"/>
+                <a:ea typeface="Menlo" panose="020B0609030804020204" pitchFamily="49" charset="0"/>
+                <a:cs typeface="Menlo" panose="020B0609030804020204" pitchFamily="49" charset="0"/>
+              </a:rPr>
+              <a:t>        counter = 1</a:t>
+            </a:r>
+          </a:p>
+          <a:p>
+            <a:pPr marL="0" marR="0" lvl="0" indent="0" algn="l" defTabSz="914400" rtl="0" eaLnBrk="1" fontAlgn="auto" latinLnBrk="0" hangingPunct="1">
+              <a:lnSpc>
+                <a:spcPct val="100000"/>
+              </a:lnSpc>
+              <a:spcBef>
+                <a:spcPts val="0"/>
+              </a:spcBef>
+              <a:spcAft>
+                <a:spcPts val="0"/>
+              </a:spcAft>
+              <a:buClrTx/>
+              <a:buSzTx/>
+              <a:buFontTx/>
+              <a:buNone/>
+              <a:tabLst/>
+              <a:defRPr/>
+            </a:pPr>
+            <a:r>
+              <a:rPr kumimoji="1" lang="en" altLang="zh-TW" sz="1400" b="0" i="0" u="none" strike="noStrike" kern="1200" cap="none" spc="0" normalizeH="0" baseline="0" noProof="0" dirty="0">
+                <a:ln>
+                  <a:noFill/>
+                </a:ln>
+                <a:solidFill>
+                  <a:prstClr val="black"/>
+                </a:solidFill>
+                <a:effectLst/>
+                <a:uLnTx/>
+                <a:uFillTx/>
+                <a:latin typeface="Menlo" panose="020B0609030804020204" pitchFamily="49" charset="0"/>
+                <a:ea typeface="Menlo" panose="020B0609030804020204" pitchFamily="49" charset="0"/>
+                <a:cs typeface="Menlo" panose="020B0609030804020204" pitchFamily="49" charset="0"/>
+              </a:rPr>
+              <a:t>        row = N // 2</a:t>
+            </a:r>
+          </a:p>
+          <a:p>
+            <a:pPr marL="0" marR="0" lvl="0" indent="0" algn="l" defTabSz="914400" rtl="0" eaLnBrk="1" fontAlgn="auto" latinLnBrk="0" hangingPunct="1">
+              <a:lnSpc>
+                <a:spcPct val="100000"/>
+              </a:lnSpc>
+              <a:spcBef>
+                <a:spcPts val="0"/>
+              </a:spcBef>
+              <a:spcAft>
+                <a:spcPts val="0"/>
+              </a:spcAft>
+              <a:buClrTx/>
+              <a:buSzTx/>
+              <a:buFontTx/>
+              <a:buNone/>
+              <a:tabLst/>
+              <a:defRPr/>
+            </a:pPr>
+            <a:r>
+              <a:rPr kumimoji="1" lang="en" altLang="zh-TW" sz="1400" b="0" i="0" u="none" strike="noStrike" kern="1200" cap="none" spc="0" normalizeH="0" baseline="0" noProof="0" dirty="0">
+                <a:ln>
+                  <a:noFill/>
+                </a:ln>
+                <a:solidFill>
+                  <a:prstClr val="black"/>
+                </a:solidFill>
+                <a:effectLst/>
+                <a:uLnTx/>
+                <a:uFillTx/>
+                <a:latin typeface="Menlo" panose="020B0609030804020204" pitchFamily="49" charset="0"/>
+                <a:ea typeface="Menlo" panose="020B0609030804020204" pitchFamily="49" charset="0"/>
+                <a:cs typeface="Menlo" panose="020B0609030804020204" pitchFamily="49" charset="0"/>
+              </a:rPr>
+              <a:t>        col = N // 2</a:t>
+            </a:r>
+          </a:p>
+          <a:p>
+            <a:pPr marL="0" marR="0" lvl="0" indent="0" algn="l" defTabSz="914400" rtl="0" eaLnBrk="1" fontAlgn="auto" latinLnBrk="0" hangingPunct="1">
+              <a:lnSpc>
+                <a:spcPct val="100000"/>
+              </a:lnSpc>
+              <a:spcBef>
+                <a:spcPts val="0"/>
+              </a:spcBef>
+              <a:spcAft>
+                <a:spcPts val="0"/>
+              </a:spcAft>
+              <a:buClrTx/>
+              <a:buSzTx/>
+              <a:buFontTx/>
+              <a:buNone/>
+              <a:tabLst/>
+              <a:defRPr/>
+            </a:pPr>
+            <a:r>
+              <a:rPr kumimoji="1" lang="en" altLang="zh-TW" sz="1400" b="0" i="0" u="none" strike="noStrike" kern="1200" cap="none" spc="0" normalizeH="0" baseline="0" noProof="0" dirty="0">
+                <a:ln>
+                  <a:noFill/>
+                </a:ln>
+                <a:solidFill>
+                  <a:prstClr val="black"/>
+                </a:solidFill>
+                <a:effectLst/>
+                <a:uLnTx/>
+                <a:uFillTx/>
+                <a:latin typeface="Menlo" panose="020B0609030804020204" pitchFamily="49" charset="0"/>
+                <a:ea typeface="Menlo" panose="020B0609030804020204" pitchFamily="49" charset="0"/>
+                <a:cs typeface="Menlo" panose="020B0609030804020204" pitchFamily="49" charset="0"/>
+              </a:rPr>
+              <a:t>        print(mat[row][col], end="")</a:t>
+            </a:r>
+            <a:endParaRPr kumimoji="1" lang="zh-TW" altLang="en-US" sz="1400" b="0" i="0" u="none" strike="noStrike" kern="1200" cap="none" spc="0" normalizeH="0" baseline="0" noProof="0" dirty="0">
+              <a:ln>
+                <a:noFill/>
+              </a:ln>
+              <a:solidFill>
+                <a:prstClr val="black"/>
+              </a:solidFill>
+              <a:effectLst/>
+              <a:uLnTx/>
+              <a:uFillTx/>
+              <a:latin typeface="Menlo" panose="020B0609030804020204" pitchFamily="49" charset="0"/>
+              <a:ea typeface="標楷體" panose="02010601000101010101" pitchFamily="2" charset="-120"/>
+              <a:cs typeface="Menlo" panose="020B0609030804020204" pitchFamily="49" charset="0"/>
+            </a:endParaRPr>
+          </a:p>
+        </p:txBody>
+      </p:sp>
+      <p:sp>
+        <p:nvSpPr>
+          <p:cNvPr id="3" name="文字方塊 2">
+            <a:extLst>
+              <a:ext uri="{FF2B5EF4-FFF2-40B4-BE49-F238E27FC236}">
+                <a16:creationId xmlns:a16="http://schemas.microsoft.com/office/drawing/2014/main" id="{69C4DBDA-CBDF-464F-909D-0462CD3C3C4D}"/>
+              </a:ext>
+            </a:extLst>
+          </p:cNvPr>
+          <p:cNvSpPr txBox="1"/>
+          <p:nvPr/>
+        </p:nvSpPr>
+        <p:spPr>
+          <a:xfrm>
+            <a:off x="6821214" y="1336118"/>
+            <a:ext cx="4910319" cy="4185761"/>
+          </a:xfrm>
+          <a:prstGeom prst="rect">
+            <a:avLst/>
+          </a:prstGeom>
+          <a:noFill/>
+          <a:ln>
+            <a:solidFill>
+              <a:schemeClr val="accent1"/>
+            </a:solidFill>
+          </a:ln>
+        </p:spPr>
+        <p:txBody>
+          <a:bodyPr wrap="none" rtlCol="0">
+            <a:spAutoFit/>
+          </a:bodyPr>
+          <a:lstStyle/>
+          <a:p>
+            <a:pPr marL="0" marR="0" lvl="0" indent="0" algn="l" defTabSz="914400" rtl="0" eaLnBrk="1" fontAlgn="auto" latinLnBrk="0" hangingPunct="1">
+              <a:lnSpc>
+                <a:spcPct val="100000"/>
+              </a:lnSpc>
+              <a:spcBef>
+                <a:spcPts val="0"/>
+              </a:spcBef>
+              <a:spcAft>
+                <a:spcPts val="0"/>
+              </a:spcAft>
+              <a:buClrTx/>
+              <a:buSzTx/>
+              <a:buFontTx/>
+              <a:buNone/>
+              <a:tabLst/>
+              <a:defRPr/>
+            </a:pPr>
+            <a:r>
+              <a:rPr kumimoji="1" lang="en" altLang="zh-TW" sz="1400" b="0" i="0" u="none" strike="noStrike" kern="1200" cap="none" spc="0" normalizeH="0" baseline="0" noProof="0" dirty="0">
+                <a:ln>
+                  <a:noFill/>
+                </a:ln>
+                <a:solidFill>
+                  <a:prstClr val="black"/>
+                </a:solidFill>
+                <a:effectLst/>
+                <a:uLnTx/>
+                <a:uFillTx/>
+                <a:latin typeface="Menlo" panose="020B0609030804020204" pitchFamily="49" charset="0"/>
+                <a:ea typeface="Menlo" panose="020B0609030804020204" pitchFamily="49" charset="0"/>
+                <a:cs typeface="Menlo" panose="020B0609030804020204" pitchFamily="49" charset="0"/>
+              </a:rPr>
+              <a:t>﻿       while counter &lt; </a:t>
+            </a:r>
+            <a:r>
+              <a:rPr kumimoji="1" lang="en" altLang="zh-TW" sz="1400" b="0" i="0" u="none" strike="noStrike" kern="1200" cap="none" spc="0" normalizeH="0" baseline="0" noProof="0" dirty="0" err="1">
+                <a:ln>
+                  <a:noFill/>
+                </a:ln>
+                <a:solidFill>
+                  <a:prstClr val="black"/>
+                </a:solidFill>
+                <a:effectLst/>
+                <a:uLnTx/>
+                <a:uFillTx/>
+                <a:latin typeface="Menlo" panose="020B0609030804020204" pitchFamily="49" charset="0"/>
+                <a:ea typeface="Menlo" panose="020B0609030804020204" pitchFamily="49" charset="0"/>
+                <a:cs typeface="Menlo" panose="020B0609030804020204" pitchFamily="49" charset="0"/>
+              </a:rPr>
+              <a:t>total_steps</a:t>
+            </a:r>
+            <a:r>
+              <a:rPr kumimoji="1" lang="en" altLang="zh-TW" sz="1400" b="0" i="0" u="none" strike="noStrike" kern="1200" cap="none" spc="0" normalizeH="0" baseline="0" noProof="0" dirty="0">
+                <a:ln>
+                  <a:noFill/>
+                </a:ln>
+                <a:solidFill>
+                  <a:prstClr val="black"/>
+                </a:solidFill>
+                <a:effectLst/>
+                <a:uLnTx/>
+                <a:uFillTx/>
+                <a:latin typeface="Menlo" panose="020B0609030804020204" pitchFamily="49" charset="0"/>
+                <a:ea typeface="Menlo" panose="020B0609030804020204" pitchFamily="49" charset="0"/>
+                <a:cs typeface="Menlo" panose="020B0609030804020204" pitchFamily="49" charset="0"/>
+              </a:rPr>
+              <a:t>:</a:t>
+            </a:r>
+          </a:p>
+          <a:p>
+            <a:pPr marL="0" marR="0" lvl="0" indent="0" algn="l" defTabSz="914400" rtl="0" eaLnBrk="1" fontAlgn="auto" latinLnBrk="0" hangingPunct="1">
+              <a:lnSpc>
+                <a:spcPct val="100000"/>
+              </a:lnSpc>
+              <a:spcBef>
+                <a:spcPts val="0"/>
+              </a:spcBef>
+              <a:spcAft>
+                <a:spcPts val="0"/>
+              </a:spcAft>
+              <a:buClrTx/>
+              <a:buSzTx/>
+              <a:buFontTx/>
+              <a:buNone/>
+              <a:tabLst/>
+              <a:defRPr/>
+            </a:pPr>
+            <a:r>
+              <a:rPr kumimoji="1" lang="en" altLang="zh-TW" sz="1400" b="0" i="0" u="none" strike="noStrike" kern="1200" cap="none" spc="0" normalizeH="0" baseline="0" noProof="0" dirty="0">
+                <a:ln>
+                  <a:noFill/>
+                </a:ln>
+                <a:solidFill>
+                  <a:prstClr val="black"/>
+                </a:solidFill>
+                <a:effectLst/>
+                <a:uLnTx/>
+                <a:uFillTx/>
+                <a:latin typeface="Menlo" panose="020B0609030804020204" pitchFamily="49" charset="0"/>
+                <a:ea typeface="Menlo" panose="020B0609030804020204" pitchFamily="49" charset="0"/>
+                <a:cs typeface="Menlo" panose="020B0609030804020204" pitchFamily="49" charset="0"/>
+              </a:rPr>
+              <a:t>            for </a:t>
+            </a:r>
+            <a:r>
+              <a:rPr kumimoji="1" lang="en" altLang="zh-TW" sz="1400" b="0" i="0" u="none" strike="noStrike" kern="1200" cap="none" spc="0" normalizeH="0" baseline="0" noProof="0" dirty="0" err="1">
+                <a:ln>
+                  <a:noFill/>
+                </a:ln>
+                <a:solidFill>
+                  <a:prstClr val="black"/>
+                </a:solidFill>
+                <a:effectLst/>
+                <a:uLnTx/>
+                <a:uFillTx/>
+                <a:latin typeface="Menlo" panose="020B0609030804020204" pitchFamily="49" charset="0"/>
+                <a:ea typeface="Menlo" panose="020B0609030804020204" pitchFamily="49" charset="0"/>
+                <a:cs typeface="Menlo" panose="020B0609030804020204" pitchFamily="49" charset="0"/>
+              </a:rPr>
+              <a:t>i</a:t>
+            </a:r>
+            <a:r>
+              <a:rPr kumimoji="1" lang="en" altLang="zh-TW" sz="1400" b="0" i="0" u="none" strike="noStrike" kern="1200" cap="none" spc="0" normalizeH="0" baseline="0" noProof="0" dirty="0">
+                <a:ln>
+                  <a:noFill/>
+                </a:ln>
+                <a:solidFill>
+                  <a:prstClr val="black"/>
+                </a:solidFill>
+                <a:effectLst/>
+                <a:uLnTx/>
+                <a:uFillTx/>
+                <a:latin typeface="Menlo" panose="020B0609030804020204" pitchFamily="49" charset="0"/>
+                <a:ea typeface="Menlo" panose="020B0609030804020204" pitchFamily="49" charset="0"/>
+                <a:cs typeface="Menlo" panose="020B0609030804020204" pitchFamily="49" charset="0"/>
+              </a:rPr>
+              <a:t> in range(step):</a:t>
+            </a:r>
+          </a:p>
+          <a:p>
+            <a:pPr marL="0" marR="0" lvl="0" indent="0" algn="l" defTabSz="914400" rtl="0" eaLnBrk="1" fontAlgn="auto" latinLnBrk="0" hangingPunct="1">
+              <a:lnSpc>
+                <a:spcPct val="100000"/>
+              </a:lnSpc>
+              <a:spcBef>
+                <a:spcPts val="0"/>
+              </a:spcBef>
+              <a:spcAft>
+                <a:spcPts val="0"/>
+              </a:spcAft>
+              <a:buClrTx/>
+              <a:buSzTx/>
+              <a:buFontTx/>
+              <a:buNone/>
+              <a:tabLst/>
+              <a:defRPr/>
+            </a:pPr>
+            <a:r>
+              <a:rPr kumimoji="1" lang="en" altLang="zh-TW" sz="1400" b="0" i="0" u="none" strike="noStrike" kern="1200" cap="none" spc="0" normalizeH="0" baseline="0" noProof="0" dirty="0">
+                <a:ln>
+                  <a:noFill/>
+                </a:ln>
+                <a:solidFill>
+                  <a:prstClr val="black"/>
+                </a:solidFill>
+                <a:effectLst/>
+                <a:uLnTx/>
+                <a:uFillTx/>
+                <a:latin typeface="Menlo" panose="020B0609030804020204" pitchFamily="49" charset="0"/>
+                <a:ea typeface="Menlo" panose="020B0609030804020204" pitchFamily="49" charset="0"/>
+                <a:cs typeface="Menlo" panose="020B0609030804020204" pitchFamily="49" charset="0"/>
+              </a:rPr>
+              <a:t>                row += direction[d][0]</a:t>
+            </a:r>
+          </a:p>
+          <a:p>
+            <a:pPr marL="0" marR="0" lvl="0" indent="0" algn="l" defTabSz="914400" rtl="0" eaLnBrk="1" fontAlgn="auto" latinLnBrk="0" hangingPunct="1">
+              <a:lnSpc>
+                <a:spcPct val="100000"/>
+              </a:lnSpc>
+              <a:spcBef>
+                <a:spcPts val="0"/>
+              </a:spcBef>
+              <a:spcAft>
+                <a:spcPts val="0"/>
+              </a:spcAft>
+              <a:buClrTx/>
+              <a:buSzTx/>
+              <a:buFontTx/>
+              <a:buNone/>
+              <a:tabLst/>
+              <a:defRPr/>
+            </a:pPr>
+            <a:r>
+              <a:rPr kumimoji="1" lang="en" altLang="zh-TW" sz="1400" b="0" i="0" u="none" strike="noStrike" kern="1200" cap="none" spc="0" normalizeH="0" baseline="0" noProof="0" dirty="0">
+                <a:ln>
+                  <a:noFill/>
+                </a:ln>
+                <a:solidFill>
+                  <a:prstClr val="black"/>
+                </a:solidFill>
+                <a:effectLst/>
+                <a:uLnTx/>
+                <a:uFillTx/>
+                <a:latin typeface="Menlo" panose="020B0609030804020204" pitchFamily="49" charset="0"/>
+                <a:ea typeface="Menlo" panose="020B0609030804020204" pitchFamily="49" charset="0"/>
+                <a:cs typeface="Menlo" panose="020B0609030804020204" pitchFamily="49" charset="0"/>
+              </a:rPr>
+              <a:t>                col += direction[d][1]</a:t>
+            </a:r>
+          </a:p>
+          <a:p>
+            <a:pPr marL="0" marR="0" lvl="0" indent="0" algn="l" defTabSz="914400" rtl="0" eaLnBrk="1" fontAlgn="auto" latinLnBrk="0" hangingPunct="1">
+              <a:lnSpc>
+                <a:spcPct val="100000"/>
+              </a:lnSpc>
+              <a:spcBef>
+                <a:spcPts val="0"/>
+              </a:spcBef>
+              <a:spcAft>
+                <a:spcPts val="0"/>
+              </a:spcAft>
+              <a:buClrTx/>
+              <a:buSzTx/>
+              <a:buFontTx/>
+              <a:buNone/>
+              <a:tabLst/>
+              <a:defRPr/>
+            </a:pPr>
+            <a:r>
+              <a:rPr kumimoji="1" lang="en" altLang="zh-TW" sz="1400" b="0" i="0" u="none" strike="noStrike" kern="1200" cap="none" spc="0" normalizeH="0" baseline="0" noProof="0" dirty="0">
+                <a:ln>
+                  <a:noFill/>
+                </a:ln>
+                <a:solidFill>
+                  <a:prstClr val="black"/>
+                </a:solidFill>
+                <a:effectLst/>
+                <a:uLnTx/>
+                <a:uFillTx/>
+                <a:latin typeface="Menlo" panose="020B0609030804020204" pitchFamily="49" charset="0"/>
+                <a:ea typeface="Menlo" panose="020B0609030804020204" pitchFamily="49" charset="0"/>
+                <a:cs typeface="Menlo" panose="020B0609030804020204" pitchFamily="49" charset="0"/>
+              </a:rPr>
+              <a:t>                print(mat[row][col], end="")</a:t>
+            </a:r>
+          </a:p>
+          <a:p>
+            <a:pPr marL="0" marR="0" lvl="0" indent="0" algn="l" defTabSz="914400" rtl="0" eaLnBrk="1" fontAlgn="auto" latinLnBrk="0" hangingPunct="1">
+              <a:lnSpc>
+                <a:spcPct val="100000"/>
+              </a:lnSpc>
+              <a:spcBef>
+                <a:spcPts val="0"/>
+              </a:spcBef>
+              <a:spcAft>
+                <a:spcPts val="0"/>
+              </a:spcAft>
+              <a:buClrTx/>
+              <a:buSzTx/>
+              <a:buFontTx/>
+              <a:buNone/>
+              <a:tabLst/>
+              <a:defRPr/>
+            </a:pPr>
+            <a:r>
+              <a:rPr kumimoji="1" lang="en" altLang="zh-TW" sz="1400" b="0" i="0" u="none" strike="noStrike" kern="1200" cap="none" spc="0" normalizeH="0" baseline="0" noProof="0" dirty="0">
+                <a:ln>
+                  <a:noFill/>
+                </a:ln>
+                <a:solidFill>
+                  <a:prstClr val="black"/>
+                </a:solidFill>
+                <a:effectLst/>
+                <a:uLnTx/>
+                <a:uFillTx/>
+                <a:latin typeface="Menlo" panose="020B0609030804020204" pitchFamily="49" charset="0"/>
+                <a:ea typeface="Menlo" panose="020B0609030804020204" pitchFamily="49" charset="0"/>
+                <a:cs typeface="Menlo" panose="020B0609030804020204" pitchFamily="49" charset="0"/>
+              </a:rPr>
+              <a:t>                counter += 1</a:t>
+            </a:r>
+          </a:p>
+          <a:p>
+            <a:pPr marL="0" marR="0" lvl="0" indent="0" algn="l" defTabSz="914400" rtl="0" eaLnBrk="1" fontAlgn="auto" latinLnBrk="0" hangingPunct="1">
+              <a:lnSpc>
+                <a:spcPct val="100000"/>
+              </a:lnSpc>
+              <a:spcBef>
+                <a:spcPts val="0"/>
+              </a:spcBef>
+              <a:spcAft>
+                <a:spcPts val="0"/>
+              </a:spcAft>
+              <a:buClrTx/>
+              <a:buSzTx/>
+              <a:buFontTx/>
+              <a:buNone/>
+              <a:tabLst/>
+              <a:defRPr/>
+            </a:pPr>
+            <a:r>
+              <a:rPr kumimoji="1" lang="en" altLang="zh-TW" sz="1400" b="0" i="0" u="none" strike="noStrike" kern="1200" cap="none" spc="0" normalizeH="0" baseline="0" noProof="0" dirty="0">
+                <a:ln>
+                  <a:noFill/>
+                </a:ln>
+                <a:solidFill>
+                  <a:prstClr val="black"/>
+                </a:solidFill>
+                <a:effectLst/>
+                <a:uLnTx/>
+                <a:uFillTx/>
+                <a:latin typeface="Menlo" panose="020B0609030804020204" pitchFamily="49" charset="0"/>
+                <a:ea typeface="Menlo" panose="020B0609030804020204" pitchFamily="49" charset="0"/>
+                <a:cs typeface="Menlo" panose="020B0609030804020204" pitchFamily="49" charset="0"/>
+              </a:rPr>
+              <a:t>                if counter == </a:t>
+            </a:r>
+            <a:r>
+              <a:rPr kumimoji="1" lang="en" altLang="zh-TW" sz="1400" b="0" i="0" u="none" strike="noStrike" kern="1200" cap="none" spc="0" normalizeH="0" baseline="0" noProof="0" dirty="0" err="1">
+                <a:ln>
+                  <a:noFill/>
+                </a:ln>
+                <a:solidFill>
+                  <a:prstClr val="black"/>
+                </a:solidFill>
+                <a:effectLst/>
+                <a:uLnTx/>
+                <a:uFillTx/>
+                <a:latin typeface="Menlo" panose="020B0609030804020204" pitchFamily="49" charset="0"/>
+                <a:ea typeface="Menlo" panose="020B0609030804020204" pitchFamily="49" charset="0"/>
+                <a:cs typeface="Menlo" panose="020B0609030804020204" pitchFamily="49" charset="0"/>
+              </a:rPr>
+              <a:t>total_steps</a:t>
+            </a:r>
+            <a:r>
+              <a:rPr kumimoji="1" lang="en" altLang="zh-TW" sz="1400" b="0" i="0" u="none" strike="noStrike" kern="1200" cap="none" spc="0" normalizeH="0" baseline="0" noProof="0" dirty="0">
+                <a:ln>
+                  <a:noFill/>
+                </a:ln>
+                <a:solidFill>
+                  <a:prstClr val="black"/>
+                </a:solidFill>
+                <a:effectLst/>
+                <a:uLnTx/>
+                <a:uFillTx/>
+                <a:latin typeface="Menlo" panose="020B0609030804020204" pitchFamily="49" charset="0"/>
+                <a:ea typeface="Menlo" panose="020B0609030804020204" pitchFamily="49" charset="0"/>
+                <a:cs typeface="Menlo" panose="020B0609030804020204" pitchFamily="49" charset="0"/>
+              </a:rPr>
+              <a:t>:</a:t>
+            </a:r>
+          </a:p>
+          <a:p>
+            <a:pPr marL="0" marR="0" lvl="0" indent="0" algn="l" defTabSz="914400" rtl="0" eaLnBrk="1" fontAlgn="auto" latinLnBrk="0" hangingPunct="1">
+              <a:lnSpc>
+                <a:spcPct val="100000"/>
+              </a:lnSpc>
+              <a:spcBef>
+                <a:spcPts val="0"/>
+              </a:spcBef>
+              <a:spcAft>
+                <a:spcPts val="0"/>
+              </a:spcAft>
+              <a:buClrTx/>
+              <a:buSzTx/>
+              <a:buFontTx/>
+              <a:buNone/>
+              <a:tabLst/>
+              <a:defRPr/>
+            </a:pPr>
+            <a:r>
+              <a:rPr kumimoji="1" lang="en" altLang="zh-TW" sz="1400" b="0" i="0" u="none" strike="noStrike" kern="1200" cap="none" spc="0" normalizeH="0" baseline="0" noProof="0" dirty="0">
+                <a:ln>
+                  <a:noFill/>
+                </a:ln>
+                <a:solidFill>
+                  <a:prstClr val="black"/>
+                </a:solidFill>
+                <a:effectLst/>
+                <a:uLnTx/>
+                <a:uFillTx/>
+                <a:latin typeface="Menlo" panose="020B0609030804020204" pitchFamily="49" charset="0"/>
+                <a:ea typeface="Menlo" panose="020B0609030804020204" pitchFamily="49" charset="0"/>
+                <a:cs typeface="Menlo" panose="020B0609030804020204" pitchFamily="49" charset="0"/>
+              </a:rPr>
+              <a:t>                    break</a:t>
+            </a:r>
+          </a:p>
+          <a:p>
+            <a:pPr marL="0" marR="0" lvl="0" indent="0" algn="l" defTabSz="914400" rtl="0" eaLnBrk="1" fontAlgn="auto" latinLnBrk="0" hangingPunct="1">
+              <a:lnSpc>
+                <a:spcPct val="100000"/>
+              </a:lnSpc>
+              <a:spcBef>
+                <a:spcPts val="0"/>
+              </a:spcBef>
+              <a:spcAft>
+                <a:spcPts val="0"/>
+              </a:spcAft>
+              <a:buClrTx/>
+              <a:buSzTx/>
+              <a:buFontTx/>
+              <a:buNone/>
+              <a:tabLst/>
+              <a:defRPr/>
+            </a:pPr>
+            <a:r>
+              <a:rPr kumimoji="1" lang="en" altLang="zh-TW" sz="1400" b="0" i="0" u="none" strike="noStrike" kern="1200" cap="none" spc="0" normalizeH="0" baseline="0" noProof="0" dirty="0">
+                <a:ln>
+                  <a:noFill/>
+                </a:ln>
+                <a:solidFill>
+                  <a:prstClr val="black"/>
+                </a:solidFill>
+                <a:effectLst/>
+                <a:uLnTx/>
+                <a:uFillTx/>
+                <a:latin typeface="Menlo" panose="020B0609030804020204" pitchFamily="49" charset="0"/>
+                <a:ea typeface="Menlo" panose="020B0609030804020204" pitchFamily="49" charset="0"/>
+                <a:cs typeface="Menlo" panose="020B0609030804020204" pitchFamily="49" charset="0"/>
+              </a:rPr>
+              <a:t>            </a:t>
+            </a:r>
+          </a:p>
+          <a:p>
+            <a:pPr marL="0" marR="0" lvl="0" indent="0" algn="l" defTabSz="914400" rtl="0" eaLnBrk="1" fontAlgn="auto" latinLnBrk="0" hangingPunct="1">
+              <a:lnSpc>
+                <a:spcPct val="100000"/>
+              </a:lnSpc>
+              <a:spcBef>
+                <a:spcPts val="0"/>
+              </a:spcBef>
+              <a:spcAft>
+                <a:spcPts val="0"/>
+              </a:spcAft>
+              <a:buClrTx/>
+              <a:buSzTx/>
+              <a:buFontTx/>
+              <a:buNone/>
+              <a:tabLst/>
+              <a:defRPr/>
+            </a:pPr>
+            <a:r>
+              <a:rPr kumimoji="1" lang="en" altLang="zh-TW" sz="1400" b="0" i="0" u="none" strike="noStrike" kern="1200" cap="none" spc="0" normalizeH="0" baseline="0" noProof="0" dirty="0">
+                <a:ln>
+                  <a:noFill/>
+                </a:ln>
+                <a:solidFill>
+                  <a:prstClr val="black"/>
+                </a:solidFill>
+                <a:effectLst/>
+                <a:uLnTx/>
+                <a:uFillTx/>
+                <a:latin typeface="Menlo" panose="020B0609030804020204" pitchFamily="49" charset="0"/>
+                <a:ea typeface="Menlo" panose="020B0609030804020204" pitchFamily="49" charset="0"/>
+                <a:cs typeface="Menlo" panose="020B0609030804020204" pitchFamily="49" charset="0"/>
+              </a:rPr>
+              <a:t>            if counter == N * N:</a:t>
+            </a:r>
+          </a:p>
+          <a:p>
+            <a:pPr marL="0" marR="0" lvl="0" indent="0" algn="l" defTabSz="914400" rtl="0" eaLnBrk="1" fontAlgn="auto" latinLnBrk="0" hangingPunct="1">
+              <a:lnSpc>
+                <a:spcPct val="100000"/>
+              </a:lnSpc>
+              <a:spcBef>
+                <a:spcPts val="0"/>
+              </a:spcBef>
+              <a:spcAft>
+                <a:spcPts val="0"/>
+              </a:spcAft>
+              <a:buClrTx/>
+              <a:buSzTx/>
+              <a:buFontTx/>
+              <a:buNone/>
+              <a:tabLst/>
+              <a:defRPr/>
+            </a:pPr>
+            <a:r>
+              <a:rPr kumimoji="1" lang="en" altLang="zh-TW" sz="1400" b="0" i="0" u="none" strike="noStrike" kern="1200" cap="none" spc="0" normalizeH="0" baseline="0" noProof="0" dirty="0">
+                <a:ln>
+                  <a:noFill/>
+                </a:ln>
+                <a:solidFill>
+                  <a:prstClr val="black"/>
+                </a:solidFill>
+                <a:effectLst/>
+                <a:uLnTx/>
+                <a:uFillTx/>
+                <a:latin typeface="Menlo" panose="020B0609030804020204" pitchFamily="49" charset="0"/>
+                <a:ea typeface="Menlo" panose="020B0609030804020204" pitchFamily="49" charset="0"/>
+                <a:cs typeface="Menlo" panose="020B0609030804020204" pitchFamily="49" charset="0"/>
+              </a:rPr>
+              <a:t>                break</a:t>
+            </a:r>
+          </a:p>
+          <a:p>
+            <a:pPr marL="0" marR="0" lvl="0" indent="0" algn="l" defTabSz="914400" rtl="0" eaLnBrk="1" fontAlgn="auto" latinLnBrk="0" hangingPunct="1">
+              <a:lnSpc>
+                <a:spcPct val="100000"/>
+              </a:lnSpc>
+              <a:spcBef>
+                <a:spcPts val="0"/>
+              </a:spcBef>
+              <a:spcAft>
+                <a:spcPts val="0"/>
+              </a:spcAft>
+              <a:buClrTx/>
+              <a:buSzTx/>
+              <a:buFontTx/>
+              <a:buNone/>
+              <a:tabLst/>
+              <a:defRPr/>
+            </a:pPr>
+            <a:r>
+              <a:rPr kumimoji="1" lang="en" altLang="zh-TW" sz="1400" b="0" i="0" u="none" strike="noStrike" kern="1200" cap="none" spc="0" normalizeH="0" baseline="0" noProof="0" dirty="0">
+                <a:ln>
+                  <a:noFill/>
+                </a:ln>
+                <a:solidFill>
+                  <a:prstClr val="black"/>
+                </a:solidFill>
+                <a:effectLst/>
+                <a:uLnTx/>
+                <a:uFillTx/>
+                <a:latin typeface="Menlo" panose="020B0609030804020204" pitchFamily="49" charset="0"/>
+                <a:ea typeface="Menlo" panose="020B0609030804020204" pitchFamily="49" charset="0"/>
+                <a:cs typeface="Menlo" panose="020B0609030804020204" pitchFamily="49" charset="0"/>
+              </a:rPr>
+              <a:t>            </a:t>
+            </a:r>
+          </a:p>
+          <a:p>
+            <a:pPr marL="0" marR="0" lvl="0" indent="0" algn="l" defTabSz="914400" rtl="0" eaLnBrk="1" fontAlgn="auto" latinLnBrk="0" hangingPunct="1">
+              <a:lnSpc>
+                <a:spcPct val="100000"/>
+              </a:lnSpc>
+              <a:spcBef>
+                <a:spcPts val="0"/>
+              </a:spcBef>
+              <a:spcAft>
+                <a:spcPts val="0"/>
+              </a:spcAft>
+              <a:buClrTx/>
+              <a:buSzTx/>
+              <a:buFontTx/>
+              <a:buNone/>
+              <a:tabLst/>
+              <a:defRPr/>
+            </a:pPr>
+            <a:r>
+              <a:rPr kumimoji="1" lang="en" altLang="zh-TW" sz="1400" b="0" i="0" u="none" strike="noStrike" kern="1200" cap="none" spc="0" normalizeH="0" baseline="0" noProof="0" dirty="0">
+                <a:ln>
+                  <a:noFill/>
+                </a:ln>
+                <a:solidFill>
+                  <a:prstClr val="black"/>
+                </a:solidFill>
+                <a:effectLst/>
+                <a:uLnTx/>
+                <a:uFillTx/>
+                <a:latin typeface="Menlo" panose="020B0609030804020204" pitchFamily="49" charset="0"/>
+                <a:ea typeface="Menlo" panose="020B0609030804020204" pitchFamily="49" charset="0"/>
+                <a:cs typeface="Menlo" panose="020B0609030804020204" pitchFamily="49" charset="0"/>
+              </a:rPr>
+              <a:t>            </a:t>
+            </a:r>
+            <a:r>
+              <a:rPr kumimoji="1" lang="en" altLang="zh-TW" sz="1400" b="0" i="0" u="none" strike="noStrike" kern="1200" cap="none" spc="0" normalizeH="0" baseline="0" noProof="0" dirty="0" err="1">
+                <a:ln>
+                  <a:noFill/>
+                </a:ln>
+                <a:solidFill>
+                  <a:prstClr val="black"/>
+                </a:solidFill>
+                <a:effectLst/>
+                <a:uLnTx/>
+                <a:uFillTx/>
+                <a:latin typeface="Menlo" panose="020B0609030804020204" pitchFamily="49" charset="0"/>
+                <a:ea typeface="Menlo" panose="020B0609030804020204" pitchFamily="49" charset="0"/>
+                <a:cs typeface="Menlo" panose="020B0609030804020204" pitchFamily="49" charset="0"/>
+              </a:rPr>
+              <a:t>step_counter</a:t>
+            </a:r>
+            <a:r>
+              <a:rPr kumimoji="1" lang="en" altLang="zh-TW" sz="1400" b="0" i="0" u="none" strike="noStrike" kern="1200" cap="none" spc="0" normalizeH="0" baseline="0" noProof="0" dirty="0">
+                <a:ln>
+                  <a:noFill/>
+                </a:ln>
+                <a:solidFill>
+                  <a:prstClr val="black"/>
+                </a:solidFill>
+                <a:effectLst/>
+                <a:uLnTx/>
+                <a:uFillTx/>
+                <a:latin typeface="Menlo" panose="020B0609030804020204" pitchFamily="49" charset="0"/>
+                <a:ea typeface="Menlo" panose="020B0609030804020204" pitchFamily="49" charset="0"/>
+                <a:cs typeface="Menlo" panose="020B0609030804020204" pitchFamily="49" charset="0"/>
+              </a:rPr>
+              <a:t> += 1</a:t>
+            </a:r>
+          </a:p>
+          <a:p>
+            <a:pPr marL="0" marR="0" lvl="0" indent="0" algn="l" defTabSz="914400" rtl="0" eaLnBrk="1" fontAlgn="auto" latinLnBrk="0" hangingPunct="1">
+              <a:lnSpc>
+                <a:spcPct val="100000"/>
+              </a:lnSpc>
+              <a:spcBef>
+                <a:spcPts val="0"/>
+              </a:spcBef>
+              <a:spcAft>
+                <a:spcPts val="0"/>
+              </a:spcAft>
+              <a:buClrTx/>
+              <a:buSzTx/>
+              <a:buFontTx/>
+              <a:buNone/>
+              <a:tabLst/>
+              <a:defRPr/>
+            </a:pPr>
+            <a:r>
+              <a:rPr kumimoji="1" lang="en" altLang="zh-TW" sz="1400" b="0" i="0" u="none" strike="noStrike" kern="1200" cap="none" spc="0" normalizeH="0" baseline="0" noProof="0" dirty="0">
+                <a:ln>
+                  <a:noFill/>
+                </a:ln>
+                <a:solidFill>
+                  <a:prstClr val="black"/>
+                </a:solidFill>
+                <a:effectLst/>
+                <a:uLnTx/>
+                <a:uFillTx/>
+                <a:latin typeface="Menlo" panose="020B0609030804020204" pitchFamily="49" charset="0"/>
+                <a:ea typeface="Menlo" panose="020B0609030804020204" pitchFamily="49" charset="0"/>
+                <a:cs typeface="Menlo" panose="020B0609030804020204" pitchFamily="49" charset="0"/>
+              </a:rPr>
+              <a:t>            if </a:t>
+            </a:r>
+            <a:r>
+              <a:rPr kumimoji="1" lang="en" altLang="zh-TW" sz="1400" b="0" i="0" u="none" strike="noStrike" kern="1200" cap="none" spc="0" normalizeH="0" baseline="0" noProof="0" dirty="0" err="1">
+                <a:ln>
+                  <a:noFill/>
+                </a:ln>
+                <a:solidFill>
+                  <a:prstClr val="black"/>
+                </a:solidFill>
+                <a:effectLst/>
+                <a:uLnTx/>
+                <a:uFillTx/>
+                <a:latin typeface="Menlo" panose="020B0609030804020204" pitchFamily="49" charset="0"/>
+                <a:ea typeface="Menlo" panose="020B0609030804020204" pitchFamily="49" charset="0"/>
+                <a:cs typeface="Menlo" panose="020B0609030804020204" pitchFamily="49" charset="0"/>
+              </a:rPr>
+              <a:t>step_counter</a:t>
+            </a:r>
+            <a:r>
+              <a:rPr kumimoji="1" lang="en" altLang="zh-TW" sz="1400" b="0" i="0" u="none" strike="noStrike" kern="1200" cap="none" spc="0" normalizeH="0" baseline="0" noProof="0" dirty="0">
+                <a:ln>
+                  <a:noFill/>
+                </a:ln>
+                <a:solidFill>
+                  <a:prstClr val="black"/>
+                </a:solidFill>
+                <a:effectLst/>
+                <a:uLnTx/>
+                <a:uFillTx/>
+                <a:latin typeface="Menlo" panose="020B0609030804020204" pitchFamily="49" charset="0"/>
+                <a:ea typeface="Menlo" panose="020B0609030804020204" pitchFamily="49" charset="0"/>
+                <a:cs typeface="Menlo" panose="020B0609030804020204" pitchFamily="49" charset="0"/>
+              </a:rPr>
+              <a:t> % 2 == 0:</a:t>
+            </a:r>
+          </a:p>
+          <a:p>
+            <a:pPr marL="0" marR="0" lvl="0" indent="0" algn="l" defTabSz="914400" rtl="0" eaLnBrk="1" fontAlgn="auto" latinLnBrk="0" hangingPunct="1">
+              <a:lnSpc>
+                <a:spcPct val="100000"/>
+              </a:lnSpc>
+              <a:spcBef>
+                <a:spcPts val="0"/>
+              </a:spcBef>
+              <a:spcAft>
+                <a:spcPts val="0"/>
+              </a:spcAft>
+              <a:buClrTx/>
+              <a:buSzTx/>
+              <a:buFontTx/>
+              <a:buNone/>
+              <a:tabLst/>
+              <a:defRPr/>
+            </a:pPr>
+            <a:r>
+              <a:rPr kumimoji="1" lang="en" altLang="zh-TW" sz="1400" b="0" i="0" u="none" strike="noStrike" kern="1200" cap="none" spc="0" normalizeH="0" baseline="0" noProof="0" dirty="0">
+                <a:ln>
+                  <a:noFill/>
+                </a:ln>
+                <a:solidFill>
+                  <a:prstClr val="black"/>
+                </a:solidFill>
+                <a:effectLst/>
+                <a:uLnTx/>
+                <a:uFillTx/>
+                <a:latin typeface="Menlo" panose="020B0609030804020204" pitchFamily="49" charset="0"/>
+                <a:ea typeface="Menlo" panose="020B0609030804020204" pitchFamily="49" charset="0"/>
+                <a:cs typeface="Menlo" panose="020B0609030804020204" pitchFamily="49" charset="0"/>
+              </a:rPr>
+              <a:t>                step += 1</a:t>
+            </a:r>
+          </a:p>
+          <a:p>
+            <a:pPr marL="0" marR="0" lvl="0" indent="0" algn="l" defTabSz="914400" rtl="0" eaLnBrk="1" fontAlgn="auto" latinLnBrk="0" hangingPunct="1">
+              <a:lnSpc>
+                <a:spcPct val="100000"/>
+              </a:lnSpc>
+              <a:spcBef>
+                <a:spcPts val="0"/>
+              </a:spcBef>
+              <a:spcAft>
+                <a:spcPts val="0"/>
+              </a:spcAft>
+              <a:buClrTx/>
+              <a:buSzTx/>
+              <a:buFontTx/>
+              <a:buNone/>
+              <a:tabLst/>
+              <a:defRPr/>
+            </a:pPr>
+            <a:r>
+              <a:rPr kumimoji="1" lang="en" altLang="zh-TW" sz="1400" b="0" i="0" u="none" strike="noStrike" kern="1200" cap="none" spc="0" normalizeH="0" baseline="0" noProof="0" dirty="0">
+                <a:ln>
+                  <a:noFill/>
+                </a:ln>
+                <a:solidFill>
+                  <a:prstClr val="black"/>
+                </a:solidFill>
+                <a:effectLst/>
+                <a:uLnTx/>
+                <a:uFillTx/>
+                <a:latin typeface="Menlo" panose="020B0609030804020204" pitchFamily="49" charset="0"/>
+                <a:ea typeface="Menlo" panose="020B0609030804020204" pitchFamily="49" charset="0"/>
+                <a:cs typeface="Menlo" panose="020B0609030804020204" pitchFamily="49" charset="0"/>
+              </a:rPr>
+              <a:t>            </a:t>
+            </a:r>
+          </a:p>
+          <a:p>
+            <a:pPr marL="0" marR="0" lvl="0" indent="0" algn="l" defTabSz="914400" rtl="0" eaLnBrk="1" fontAlgn="auto" latinLnBrk="0" hangingPunct="1">
+              <a:lnSpc>
+                <a:spcPct val="100000"/>
+              </a:lnSpc>
+              <a:spcBef>
+                <a:spcPts val="0"/>
+              </a:spcBef>
+              <a:spcAft>
+                <a:spcPts val="0"/>
+              </a:spcAft>
+              <a:buClrTx/>
+              <a:buSzTx/>
+              <a:buFontTx/>
+              <a:buNone/>
+              <a:tabLst/>
+              <a:defRPr/>
+            </a:pPr>
+            <a:r>
+              <a:rPr kumimoji="1" lang="en" altLang="zh-TW" sz="1400" b="0" i="0" u="none" strike="noStrike" kern="1200" cap="none" spc="0" normalizeH="0" baseline="0" noProof="0" dirty="0">
+                <a:ln>
+                  <a:noFill/>
+                </a:ln>
+                <a:solidFill>
+                  <a:prstClr val="black"/>
+                </a:solidFill>
+                <a:effectLst/>
+                <a:uLnTx/>
+                <a:uFillTx/>
+                <a:latin typeface="Menlo" panose="020B0609030804020204" pitchFamily="49" charset="0"/>
+                <a:ea typeface="Menlo" panose="020B0609030804020204" pitchFamily="49" charset="0"/>
+                <a:cs typeface="Menlo" panose="020B0609030804020204" pitchFamily="49" charset="0"/>
+              </a:rPr>
+              <a:t>            d = (d + 1) % 4</a:t>
+            </a:r>
+          </a:p>
+          <a:p>
+            <a:pPr marL="0" marR="0" lvl="0" indent="0" algn="l" defTabSz="914400" rtl="0" eaLnBrk="1" fontAlgn="auto" latinLnBrk="0" hangingPunct="1">
+              <a:lnSpc>
+                <a:spcPct val="100000"/>
+              </a:lnSpc>
+              <a:spcBef>
+                <a:spcPts val="0"/>
+              </a:spcBef>
+              <a:spcAft>
+                <a:spcPts val="0"/>
+              </a:spcAft>
+              <a:buClrTx/>
+              <a:buSzTx/>
+              <a:buFontTx/>
+              <a:buNone/>
+              <a:tabLst/>
+              <a:defRPr/>
+            </a:pPr>
+            <a:r>
+              <a:rPr kumimoji="1" lang="en" altLang="zh-TW" sz="1400" b="0" i="0" u="none" strike="noStrike" kern="1200" cap="none" spc="0" normalizeH="0" baseline="0" noProof="0" dirty="0">
+                <a:ln>
+                  <a:noFill/>
+                </a:ln>
+                <a:solidFill>
+                  <a:prstClr val="black"/>
+                </a:solidFill>
+                <a:effectLst/>
+                <a:uLnTx/>
+                <a:uFillTx/>
+                <a:latin typeface="Menlo" panose="020B0609030804020204" pitchFamily="49" charset="0"/>
+                <a:ea typeface="Menlo" panose="020B0609030804020204" pitchFamily="49" charset="0"/>
+                <a:cs typeface="Menlo" panose="020B0609030804020204" pitchFamily="49" charset="0"/>
+              </a:rPr>
+              <a:t>    except:</a:t>
+            </a:r>
+          </a:p>
+          <a:p>
+            <a:pPr marL="0" marR="0" lvl="0" indent="0" algn="l" defTabSz="914400" rtl="0" eaLnBrk="1" fontAlgn="auto" latinLnBrk="0" hangingPunct="1">
+              <a:lnSpc>
+                <a:spcPct val="100000"/>
+              </a:lnSpc>
+              <a:spcBef>
+                <a:spcPts val="0"/>
+              </a:spcBef>
+              <a:spcAft>
+                <a:spcPts val="0"/>
+              </a:spcAft>
+              <a:buClrTx/>
+              <a:buSzTx/>
+              <a:buFontTx/>
+              <a:buNone/>
+              <a:tabLst/>
+              <a:defRPr/>
+            </a:pPr>
+            <a:r>
+              <a:rPr kumimoji="1" lang="en" altLang="zh-TW" sz="1400" b="0" i="0" u="none" strike="noStrike" kern="1200" cap="none" spc="0" normalizeH="0" baseline="0" noProof="0" dirty="0">
+                <a:ln>
+                  <a:noFill/>
+                </a:ln>
+                <a:solidFill>
+                  <a:prstClr val="black"/>
+                </a:solidFill>
+                <a:effectLst/>
+                <a:uLnTx/>
+                <a:uFillTx/>
+                <a:latin typeface="Menlo" panose="020B0609030804020204" pitchFamily="49" charset="0"/>
+                <a:ea typeface="Menlo" panose="020B0609030804020204" pitchFamily="49" charset="0"/>
+                <a:cs typeface="Menlo" panose="020B0609030804020204" pitchFamily="49" charset="0"/>
+              </a:rPr>
+              <a:t>        break</a:t>
+            </a:r>
+            <a:endParaRPr kumimoji="1" lang="zh-TW" altLang="en-US" sz="1400" b="0" i="0" u="none" strike="noStrike" kern="1200" cap="none" spc="0" normalizeH="0" baseline="0" noProof="0" dirty="0">
+              <a:ln>
+                <a:noFill/>
+              </a:ln>
+              <a:solidFill>
+                <a:prstClr val="black"/>
+              </a:solidFill>
+              <a:effectLst/>
+              <a:uLnTx/>
+              <a:uFillTx/>
+              <a:latin typeface="Menlo" panose="020B0609030804020204" pitchFamily="49" charset="0"/>
+              <a:ea typeface="標楷體" panose="02010601000101010101" pitchFamily="2" charset="-120"/>
+              <a:cs typeface="Menlo" panose="020B0609030804020204" pitchFamily="49" charset="0"/>
+            </a:endParaRPr>
+          </a:p>
+        </p:txBody>
+      </p:sp>
+    </p:spTree>
+    <p:extLst>
+      <p:ext uri="{BB962C8B-B14F-4D97-AF65-F5344CB8AC3E}">
+        <p14:creationId xmlns:p14="http://schemas.microsoft.com/office/powerpoint/2010/main" val="1648127124"/>
+      </p:ext>
+    </p:extLst>
+  </p:cSld>
+  <p:clrMapOvr>
+    <a:masterClrMapping/>
+  </p:clrMapOvr>
+</p:sld>
+</file>
+
+<file path=ppt/slides/slide7.xml><?xml version="1.0" encoding="utf-8"?>
+<p:sld xmlns:a="http://schemas.openxmlformats.org/drawingml/2006/main" xmlns:r="http://schemas.openxmlformats.org/officeDocument/2006/relationships" xmlns:p="http://schemas.openxmlformats.org/presentationml/2006/main">
+  <p:cSld>
+    <p:spTree>
+      <p:nvGrpSpPr>
+        <p:cNvPr id="1" name=""/>
+        <p:cNvGrpSpPr/>
+        <p:nvPr/>
+      </p:nvGrpSpPr>
+      <p:grpSpPr>
+        <a:xfrm>
+          <a:off x="0" y="0"/>
+          <a:ext cx="0" cy="0"/>
+          <a:chOff x="0" y="0"/>
+          <a:chExt cx="0" cy="0"/>
+        </a:xfrm>
+      </p:grpSpPr>
+      <p:sp>
+        <p:nvSpPr>
+          <p:cNvPr id="4" name="標題 3">
+            <a:extLst>
+              <a:ext uri="{FF2B5EF4-FFF2-40B4-BE49-F238E27FC236}">
+                <a16:creationId xmlns:a16="http://schemas.microsoft.com/office/drawing/2014/main" id="{FB04F99A-9FC0-4E48-8CA5-955950866EE7}"/>
+              </a:ext>
+            </a:extLst>
+          </p:cNvPr>
+          <p:cNvSpPr>
+            <a:spLocks noGrp="1"/>
+          </p:cNvSpPr>
+          <p:nvPr>
+            <p:ph type="title"/>
+          </p:nvPr>
+        </p:nvSpPr>
+        <p:spPr>
+          <a:xfrm>
+            <a:off x="1066800" y="0"/>
+            <a:ext cx="10058400" cy="2942897"/>
+          </a:xfrm>
+        </p:spPr>
+        <p:txBody>
+          <a:bodyPr>
+            <a:normAutofit/>
+          </a:bodyPr>
+          <a:lstStyle/>
+          <a:p>
+            <a:r>
+              <a:rPr kumimoji="1" lang="en-US" altLang="zh-TW" sz="4000" dirty="0"/>
+              <a:t>APCS</a:t>
+            </a:r>
+            <a:r>
+              <a:rPr kumimoji="1" lang="zh-TW" altLang="en-US" sz="4000" dirty="0"/>
+              <a:t> </a:t>
+            </a:r>
+            <a:r>
+              <a:rPr lang="en-US" altLang="zh-TW" sz="4000" dirty="0"/>
+              <a:t>2017</a:t>
+            </a:r>
+            <a:r>
+              <a:rPr lang="zh-TW" altLang="zh-TW" sz="4000" dirty="0"/>
+              <a:t>年</a:t>
+            </a:r>
+            <a:r>
+              <a:rPr lang="en-US" altLang="zh-TW" sz="4000" dirty="0"/>
+              <a:t>10</a:t>
+            </a:r>
+            <a:r>
+              <a:rPr lang="zh-TW" altLang="zh-TW" sz="4000" dirty="0"/>
+              <a:t>月 </a:t>
+            </a:r>
+            <a:r>
+              <a:rPr lang="en-US" altLang="zh-TW" sz="4000" dirty="0"/>
+              <a:t>#1</a:t>
+            </a:r>
+            <a:r>
+              <a:rPr lang="zh-TW" altLang="en-US" sz="4000" dirty="0"/>
+              <a:t> </a:t>
+            </a:r>
+            <a:br>
+              <a:rPr lang="en-US" altLang="zh-TW" sz="4000" dirty="0"/>
+            </a:br>
+            <a:r>
+              <a:rPr lang="zh-TW" altLang="en-US" sz="4000" dirty="0"/>
+              <a:t>邏輯運算子</a:t>
+            </a:r>
+            <a:br>
+              <a:rPr lang="en-US" altLang="zh-TW" sz="4000" dirty="0"/>
+            </a:br>
+            <a:r>
+              <a:rPr lang="en-US" altLang="zh-TW" sz="4000" dirty="0"/>
+              <a:t>(</a:t>
+            </a:r>
+            <a:r>
+              <a:rPr lang="en" altLang="zh-TW" sz="4000" dirty="0"/>
+              <a:t>Logic Operators)</a:t>
+            </a:r>
+            <a:endParaRPr kumimoji="1" lang="zh-TW" altLang="en-US" sz="4000" dirty="0"/>
+          </a:p>
+        </p:txBody>
+      </p:sp>
+      <p:sp>
+        <p:nvSpPr>
+          <p:cNvPr id="2" name="文字方塊 1">
+            <a:extLst>
+              <a:ext uri="{FF2B5EF4-FFF2-40B4-BE49-F238E27FC236}">
+                <a16:creationId xmlns:a16="http://schemas.microsoft.com/office/drawing/2014/main" id="{5492266F-EA5F-2C40-8FD7-0FC50A5B3000}"/>
+              </a:ext>
+            </a:extLst>
+          </p:cNvPr>
+          <p:cNvSpPr txBox="1"/>
+          <p:nvPr/>
+        </p:nvSpPr>
+        <p:spPr>
+          <a:xfrm>
+            <a:off x="6096000" y="58846"/>
+            <a:ext cx="5205271" cy="6740307"/>
+          </a:xfrm>
+          <a:prstGeom prst="rect">
+            <a:avLst/>
+          </a:prstGeom>
+          <a:noFill/>
+          <a:ln>
+            <a:solidFill>
+              <a:schemeClr val="accent1"/>
+            </a:solidFill>
+          </a:ln>
+        </p:spPr>
+        <p:txBody>
+          <a:bodyPr wrap="none" rtlCol="0">
+            <a:spAutoFit/>
+          </a:bodyPr>
+          <a:lstStyle/>
+          <a:p>
+            <a:pPr marL="0" marR="0" lvl="0" indent="0" algn="l" defTabSz="914400" rtl="0" eaLnBrk="1" fontAlgn="auto" latinLnBrk="0" hangingPunct="1">
+              <a:lnSpc>
+                <a:spcPct val="100000"/>
+              </a:lnSpc>
+              <a:spcBef>
+                <a:spcPts val="0"/>
+              </a:spcBef>
+              <a:spcAft>
+                <a:spcPts val="0"/>
+              </a:spcAft>
+              <a:buClrTx/>
+              <a:buSzTx/>
+              <a:buFontTx/>
+              <a:buNone/>
+              <a:tabLst/>
+              <a:defRPr/>
+            </a:pPr>
+            <a:r>
+              <a:rPr kumimoji="1" lang="en" altLang="zh-TW" sz="1200" b="0" i="0" u="none" strike="noStrike" kern="1200" cap="none" spc="0" normalizeH="0" baseline="0" noProof="0" dirty="0">
+                <a:ln>
+                  <a:noFill/>
+                </a:ln>
+                <a:solidFill>
+                  <a:prstClr val="black"/>
+                </a:solidFill>
+                <a:effectLst/>
+                <a:uLnTx/>
+                <a:uFillTx/>
+                <a:latin typeface="Menlo" panose="020B0609030804020204" pitchFamily="49" charset="0"/>
+                <a:ea typeface="Menlo" panose="020B0609030804020204" pitchFamily="49" charset="0"/>
+                <a:cs typeface="Menlo" panose="020B0609030804020204" pitchFamily="49" charset="0"/>
+              </a:rPr>
+              <a:t>while True:</a:t>
+            </a:r>
+          </a:p>
+          <a:p>
+            <a:pPr marL="0" marR="0" lvl="0" indent="0" algn="l" defTabSz="914400" rtl="0" eaLnBrk="1" fontAlgn="auto" latinLnBrk="0" hangingPunct="1">
+              <a:lnSpc>
+                <a:spcPct val="100000"/>
+              </a:lnSpc>
+              <a:spcBef>
+                <a:spcPts val="0"/>
+              </a:spcBef>
+              <a:spcAft>
+                <a:spcPts val="0"/>
+              </a:spcAft>
+              <a:buClrTx/>
+              <a:buSzTx/>
+              <a:buFontTx/>
+              <a:buNone/>
+              <a:tabLst/>
+              <a:defRPr/>
+            </a:pPr>
+            <a:r>
+              <a:rPr kumimoji="1" lang="en" altLang="zh-TW" sz="1200" b="0" i="0" u="none" strike="noStrike" kern="1200" cap="none" spc="0" normalizeH="0" baseline="0" noProof="0" dirty="0">
+                <a:ln>
+                  <a:noFill/>
+                </a:ln>
+                <a:solidFill>
+                  <a:prstClr val="black"/>
+                </a:solidFill>
+                <a:effectLst/>
+                <a:uLnTx/>
+                <a:uFillTx/>
+                <a:latin typeface="Menlo" panose="020B0609030804020204" pitchFamily="49" charset="0"/>
+                <a:ea typeface="Menlo" panose="020B0609030804020204" pitchFamily="49" charset="0"/>
+                <a:cs typeface="Menlo" panose="020B0609030804020204" pitchFamily="49" charset="0"/>
+              </a:rPr>
+              <a:t>    try:</a:t>
+            </a:r>
+          </a:p>
+          <a:p>
+            <a:pPr marL="0" marR="0" lvl="0" indent="0" algn="l" defTabSz="914400" rtl="0" eaLnBrk="1" fontAlgn="auto" latinLnBrk="0" hangingPunct="1">
+              <a:lnSpc>
+                <a:spcPct val="100000"/>
+              </a:lnSpc>
+              <a:spcBef>
+                <a:spcPts val="0"/>
+              </a:spcBef>
+              <a:spcAft>
+                <a:spcPts val="0"/>
+              </a:spcAft>
+              <a:buClrTx/>
+              <a:buSzTx/>
+              <a:buFontTx/>
+              <a:buNone/>
+              <a:tabLst/>
+              <a:defRPr/>
+            </a:pPr>
+            <a:r>
+              <a:rPr kumimoji="1" lang="en" altLang="zh-TW" sz="1200" b="0" i="0" u="none" strike="noStrike" kern="1200" cap="none" spc="0" normalizeH="0" baseline="0" noProof="0" dirty="0">
+                <a:ln>
+                  <a:noFill/>
+                </a:ln>
+                <a:solidFill>
+                  <a:prstClr val="black"/>
+                </a:solidFill>
+                <a:effectLst/>
+                <a:uLnTx/>
+                <a:uFillTx/>
+                <a:latin typeface="Menlo" panose="020B0609030804020204" pitchFamily="49" charset="0"/>
+                <a:ea typeface="Menlo" panose="020B0609030804020204" pitchFamily="49" charset="0"/>
+                <a:cs typeface="Menlo" panose="020B0609030804020204" pitchFamily="49" charset="0"/>
+              </a:rPr>
+              <a:t>        a, b, c = map(int, input().strip().split())</a:t>
+            </a:r>
+          </a:p>
+          <a:p>
+            <a:pPr marL="0" marR="0" lvl="0" indent="0" algn="l" defTabSz="914400" rtl="0" eaLnBrk="1" fontAlgn="auto" latinLnBrk="0" hangingPunct="1">
+              <a:lnSpc>
+                <a:spcPct val="100000"/>
+              </a:lnSpc>
+              <a:spcBef>
+                <a:spcPts val="0"/>
+              </a:spcBef>
+              <a:spcAft>
+                <a:spcPts val="0"/>
+              </a:spcAft>
+              <a:buClrTx/>
+              <a:buSzTx/>
+              <a:buFontTx/>
+              <a:buNone/>
+              <a:tabLst/>
+              <a:defRPr/>
+            </a:pPr>
+            <a:r>
+              <a:rPr kumimoji="1" lang="en" altLang="zh-TW" sz="1200" b="0" i="0" u="none" strike="noStrike" kern="1200" cap="none" spc="0" normalizeH="0" baseline="0" noProof="0" dirty="0">
+                <a:ln>
+                  <a:noFill/>
+                </a:ln>
+                <a:solidFill>
+                  <a:prstClr val="black"/>
+                </a:solidFill>
+                <a:effectLst/>
+                <a:uLnTx/>
+                <a:uFillTx/>
+                <a:latin typeface="Menlo" panose="020B0609030804020204" pitchFamily="49" charset="0"/>
+                <a:ea typeface="Menlo" panose="020B0609030804020204" pitchFamily="49" charset="0"/>
+                <a:cs typeface="Menlo" panose="020B0609030804020204" pitchFamily="49" charset="0"/>
+              </a:rPr>
+              <a:t>        </a:t>
+            </a:r>
+          </a:p>
+          <a:p>
+            <a:pPr marL="0" marR="0" lvl="0" indent="0" algn="l" defTabSz="914400" rtl="0" eaLnBrk="1" fontAlgn="auto" latinLnBrk="0" hangingPunct="1">
+              <a:lnSpc>
+                <a:spcPct val="100000"/>
+              </a:lnSpc>
+              <a:spcBef>
+                <a:spcPts val="0"/>
+              </a:spcBef>
+              <a:spcAft>
+                <a:spcPts val="0"/>
+              </a:spcAft>
+              <a:buClrTx/>
+              <a:buSzTx/>
+              <a:buFontTx/>
+              <a:buNone/>
+              <a:tabLst/>
+              <a:defRPr/>
+            </a:pPr>
+            <a:r>
+              <a:rPr kumimoji="1" lang="en" altLang="zh-TW" sz="1200" b="0" i="0" u="none" strike="noStrike" kern="1200" cap="none" spc="0" normalizeH="0" baseline="0" noProof="0" dirty="0">
+                <a:ln>
+                  <a:noFill/>
+                </a:ln>
+                <a:solidFill>
+                  <a:prstClr val="black"/>
+                </a:solidFill>
+                <a:effectLst/>
+                <a:uLnTx/>
+                <a:uFillTx/>
+                <a:latin typeface="Menlo" panose="020B0609030804020204" pitchFamily="49" charset="0"/>
+                <a:ea typeface="Menlo" panose="020B0609030804020204" pitchFamily="49" charset="0"/>
+                <a:cs typeface="Menlo" panose="020B0609030804020204" pitchFamily="49" charset="0"/>
+              </a:rPr>
+              <a:t>        </a:t>
+            </a:r>
+            <a:r>
+              <a:rPr kumimoji="1" lang="en" altLang="zh-TW" sz="1200" b="0" i="0" u="none" strike="noStrike" kern="1200" cap="none" spc="0" normalizeH="0" baseline="0" noProof="0" dirty="0" err="1">
+                <a:ln>
+                  <a:noFill/>
+                </a:ln>
+                <a:solidFill>
+                  <a:prstClr val="black"/>
+                </a:solidFill>
+                <a:effectLst/>
+                <a:uLnTx/>
+                <a:uFillTx/>
+                <a:latin typeface="Menlo" panose="020B0609030804020204" pitchFamily="49" charset="0"/>
+                <a:ea typeface="Menlo" panose="020B0609030804020204" pitchFamily="49" charset="0"/>
+                <a:cs typeface="Menlo" panose="020B0609030804020204" pitchFamily="49" charset="0"/>
+              </a:rPr>
+              <a:t>isPossible</a:t>
+            </a:r>
+            <a:r>
+              <a:rPr kumimoji="1" lang="en" altLang="zh-TW" sz="1200" b="0" i="0" u="none" strike="noStrike" kern="1200" cap="none" spc="0" normalizeH="0" baseline="0" noProof="0" dirty="0">
+                <a:ln>
+                  <a:noFill/>
+                </a:ln>
+                <a:solidFill>
+                  <a:prstClr val="black"/>
+                </a:solidFill>
+                <a:effectLst/>
+                <a:uLnTx/>
+                <a:uFillTx/>
+                <a:latin typeface="Menlo" panose="020B0609030804020204" pitchFamily="49" charset="0"/>
+                <a:ea typeface="Menlo" panose="020B0609030804020204" pitchFamily="49" charset="0"/>
+                <a:cs typeface="Menlo" panose="020B0609030804020204" pitchFamily="49" charset="0"/>
+              </a:rPr>
+              <a:t> = False</a:t>
+            </a:r>
+          </a:p>
+          <a:p>
+            <a:pPr marL="0" marR="0" lvl="0" indent="0" algn="l" defTabSz="914400" rtl="0" eaLnBrk="1" fontAlgn="auto" latinLnBrk="0" hangingPunct="1">
+              <a:lnSpc>
+                <a:spcPct val="100000"/>
+              </a:lnSpc>
+              <a:spcBef>
+                <a:spcPts val="0"/>
+              </a:spcBef>
+              <a:spcAft>
+                <a:spcPts val="0"/>
+              </a:spcAft>
+              <a:buClrTx/>
+              <a:buSzTx/>
+              <a:buFontTx/>
+              <a:buNone/>
+              <a:tabLst/>
+              <a:defRPr/>
+            </a:pPr>
+            <a:r>
+              <a:rPr kumimoji="1" lang="en" altLang="zh-TW" sz="1200" b="0" i="0" u="none" strike="noStrike" kern="1200" cap="none" spc="0" normalizeH="0" baseline="0" noProof="0" dirty="0">
+                <a:ln>
+                  <a:noFill/>
+                </a:ln>
+                <a:solidFill>
+                  <a:prstClr val="black"/>
+                </a:solidFill>
+                <a:effectLst/>
+                <a:uLnTx/>
+                <a:uFillTx/>
+                <a:latin typeface="Menlo" panose="020B0609030804020204" pitchFamily="49" charset="0"/>
+                <a:ea typeface="Menlo" panose="020B0609030804020204" pitchFamily="49" charset="0"/>
+                <a:cs typeface="Menlo" panose="020B0609030804020204" pitchFamily="49" charset="0"/>
+              </a:rPr>
+              <a:t>        if a != 0 and b != 0:</a:t>
+            </a:r>
+          </a:p>
+          <a:p>
+            <a:pPr marL="0" marR="0" lvl="0" indent="0" algn="l" defTabSz="914400" rtl="0" eaLnBrk="1" fontAlgn="auto" latinLnBrk="0" hangingPunct="1">
+              <a:lnSpc>
+                <a:spcPct val="100000"/>
+              </a:lnSpc>
+              <a:spcBef>
+                <a:spcPts val="0"/>
+              </a:spcBef>
+              <a:spcAft>
+                <a:spcPts val="0"/>
+              </a:spcAft>
+              <a:buClrTx/>
+              <a:buSzTx/>
+              <a:buFontTx/>
+              <a:buNone/>
+              <a:tabLst/>
+              <a:defRPr/>
+            </a:pPr>
+            <a:r>
+              <a:rPr kumimoji="1" lang="en" altLang="zh-TW" sz="1200" b="0" i="0" u="none" strike="noStrike" kern="1200" cap="none" spc="0" normalizeH="0" baseline="0" noProof="0" dirty="0">
+                <a:ln>
+                  <a:noFill/>
+                </a:ln>
+                <a:solidFill>
+                  <a:prstClr val="black"/>
+                </a:solidFill>
+                <a:effectLst/>
+                <a:uLnTx/>
+                <a:uFillTx/>
+                <a:latin typeface="Menlo" panose="020B0609030804020204" pitchFamily="49" charset="0"/>
+                <a:ea typeface="Menlo" panose="020B0609030804020204" pitchFamily="49" charset="0"/>
+                <a:cs typeface="Menlo" panose="020B0609030804020204" pitchFamily="49" charset="0"/>
+              </a:rPr>
+              <a:t>            if c == 1:</a:t>
+            </a:r>
+          </a:p>
+          <a:p>
+            <a:pPr marL="0" marR="0" lvl="0" indent="0" algn="l" defTabSz="914400" rtl="0" eaLnBrk="1" fontAlgn="auto" latinLnBrk="0" hangingPunct="1">
+              <a:lnSpc>
+                <a:spcPct val="100000"/>
+              </a:lnSpc>
+              <a:spcBef>
+                <a:spcPts val="0"/>
+              </a:spcBef>
+              <a:spcAft>
+                <a:spcPts val="0"/>
+              </a:spcAft>
+              <a:buClrTx/>
+              <a:buSzTx/>
+              <a:buFontTx/>
+              <a:buNone/>
+              <a:tabLst/>
+              <a:defRPr/>
+            </a:pPr>
+            <a:r>
+              <a:rPr kumimoji="1" lang="en" altLang="zh-TW" sz="1200" b="0" i="0" u="none" strike="noStrike" kern="1200" cap="none" spc="0" normalizeH="0" baseline="0" noProof="0" dirty="0">
+                <a:ln>
+                  <a:noFill/>
+                </a:ln>
+                <a:solidFill>
+                  <a:prstClr val="black"/>
+                </a:solidFill>
+                <a:effectLst/>
+                <a:uLnTx/>
+                <a:uFillTx/>
+                <a:latin typeface="Menlo" panose="020B0609030804020204" pitchFamily="49" charset="0"/>
+                <a:ea typeface="Menlo" panose="020B0609030804020204" pitchFamily="49" charset="0"/>
+                <a:cs typeface="Menlo" panose="020B0609030804020204" pitchFamily="49" charset="0"/>
+              </a:rPr>
+              <a:t>                </a:t>
+            </a:r>
+            <a:r>
+              <a:rPr kumimoji="1" lang="en" altLang="zh-TW" sz="1200" b="0" i="0" u="none" strike="noStrike" kern="1200" cap="none" spc="0" normalizeH="0" baseline="0" noProof="0" dirty="0" err="1">
+                <a:ln>
+                  <a:noFill/>
+                </a:ln>
+                <a:solidFill>
+                  <a:prstClr val="black"/>
+                </a:solidFill>
+                <a:effectLst/>
+                <a:uLnTx/>
+                <a:uFillTx/>
+                <a:latin typeface="Menlo" panose="020B0609030804020204" pitchFamily="49" charset="0"/>
+                <a:ea typeface="Menlo" panose="020B0609030804020204" pitchFamily="49" charset="0"/>
+                <a:cs typeface="Menlo" panose="020B0609030804020204" pitchFamily="49" charset="0"/>
+              </a:rPr>
+              <a:t>isPossible</a:t>
+            </a:r>
+            <a:r>
+              <a:rPr kumimoji="1" lang="en" altLang="zh-TW" sz="1200" b="0" i="0" u="none" strike="noStrike" kern="1200" cap="none" spc="0" normalizeH="0" baseline="0" noProof="0" dirty="0">
+                <a:ln>
+                  <a:noFill/>
+                </a:ln>
+                <a:solidFill>
+                  <a:prstClr val="black"/>
+                </a:solidFill>
+                <a:effectLst/>
+                <a:uLnTx/>
+                <a:uFillTx/>
+                <a:latin typeface="Menlo" panose="020B0609030804020204" pitchFamily="49" charset="0"/>
+                <a:ea typeface="Menlo" panose="020B0609030804020204" pitchFamily="49" charset="0"/>
+                <a:cs typeface="Menlo" panose="020B0609030804020204" pitchFamily="49" charset="0"/>
+              </a:rPr>
+              <a:t> = True</a:t>
+            </a:r>
+          </a:p>
+          <a:p>
+            <a:pPr marL="0" marR="0" lvl="0" indent="0" algn="l" defTabSz="914400" rtl="0" eaLnBrk="1" fontAlgn="auto" latinLnBrk="0" hangingPunct="1">
+              <a:lnSpc>
+                <a:spcPct val="100000"/>
+              </a:lnSpc>
+              <a:spcBef>
+                <a:spcPts val="0"/>
+              </a:spcBef>
+              <a:spcAft>
+                <a:spcPts val="0"/>
+              </a:spcAft>
+              <a:buClrTx/>
+              <a:buSzTx/>
+              <a:buFontTx/>
+              <a:buNone/>
+              <a:tabLst/>
+              <a:defRPr/>
+            </a:pPr>
+            <a:r>
+              <a:rPr kumimoji="1" lang="en" altLang="zh-TW" sz="1200" b="0" i="0" u="none" strike="noStrike" kern="1200" cap="none" spc="0" normalizeH="0" baseline="0" noProof="0" dirty="0">
+                <a:ln>
+                  <a:noFill/>
+                </a:ln>
+                <a:solidFill>
+                  <a:prstClr val="black"/>
+                </a:solidFill>
+                <a:effectLst/>
+                <a:uLnTx/>
+                <a:uFillTx/>
+                <a:latin typeface="Menlo" panose="020B0609030804020204" pitchFamily="49" charset="0"/>
+                <a:ea typeface="Menlo" panose="020B0609030804020204" pitchFamily="49" charset="0"/>
+                <a:cs typeface="Menlo" panose="020B0609030804020204" pitchFamily="49" charset="0"/>
+              </a:rPr>
+              <a:t>                print('AND')</a:t>
+            </a:r>
+          </a:p>
+          <a:p>
+            <a:pPr marL="0" marR="0" lvl="0" indent="0" algn="l" defTabSz="914400" rtl="0" eaLnBrk="1" fontAlgn="auto" latinLnBrk="0" hangingPunct="1">
+              <a:lnSpc>
+                <a:spcPct val="100000"/>
+              </a:lnSpc>
+              <a:spcBef>
+                <a:spcPts val="0"/>
+              </a:spcBef>
+              <a:spcAft>
+                <a:spcPts val="0"/>
+              </a:spcAft>
+              <a:buClrTx/>
+              <a:buSzTx/>
+              <a:buFontTx/>
+              <a:buNone/>
+              <a:tabLst/>
+              <a:defRPr/>
+            </a:pPr>
+            <a:r>
+              <a:rPr kumimoji="1" lang="en" altLang="zh-TW" sz="1200" b="0" i="0" u="none" strike="noStrike" kern="1200" cap="none" spc="0" normalizeH="0" baseline="0" noProof="0" dirty="0">
+                <a:ln>
+                  <a:noFill/>
+                </a:ln>
+                <a:solidFill>
+                  <a:prstClr val="black"/>
+                </a:solidFill>
+                <a:effectLst/>
+                <a:uLnTx/>
+                <a:uFillTx/>
+                <a:latin typeface="Menlo" panose="020B0609030804020204" pitchFamily="49" charset="0"/>
+                <a:ea typeface="Menlo" panose="020B0609030804020204" pitchFamily="49" charset="0"/>
+                <a:cs typeface="Menlo" panose="020B0609030804020204" pitchFamily="49" charset="0"/>
+              </a:rPr>
+              <a:t>        else:</a:t>
+            </a:r>
+          </a:p>
+          <a:p>
+            <a:pPr marL="0" marR="0" lvl="0" indent="0" algn="l" defTabSz="914400" rtl="0" eaLnBrk="1" fontAlgn="auto" latinLnBrk="0" hangingPunct="1">
+              <a:lnSpc>
+                <a:spcPct val="100000"/>
+              </a:lnSpc>
+              <a:spcBef>
+                <a:spcPts val="0"/>
+              </a:spcBef>
+              <a:spcAft>
+                <a:spcPts val="0"/>
+              </a:spcAft>
+              <a:buClrTx/>
+              <a:buSzTx/>
+              <a:buFontTx/>
+              <a:buNone/>
+              <a:tabLst/>
+              <a:defRPr/>
+            </a:pPr>
+            <a:r>
+              <a:rPr kumimoji="1" lang="en" altLang="zh-TW" sz="1200" b="0" i="0" u="none" strike="noStrike" kern="1200" cap="none" spc="0" normalizeH="0" baseline="0" noProof="0" dirty="0">
+                <a:ln>
+                  <a:noFill/>
+                </a:ln>
+                <a:solidFill>
+                  <a:prstClr val="black"/>
+                </a:solidFill>
+                <a:effectLst/>
+                <a:uLnTx/>
+                <a:uFillTx/>
+                <a:latin typeface="Menlo" panose="020B0609030804020204" pitchFamily="49" charset="0"/>
+                <a:ea typeface="Menlo" panose="020B0609030804020204" pitchFamily="49" charset="0"/>
+                <a:cs typeface="Menlo" panose="020B0609030804020204" pitchFamily="49" charset="0"/>
+              </a:rPr>
+              <a:t>            if c == 0:</a:t>
+            </a:r>
+          </a:p>
+          <a:p>
+            <a:pPr marL="0" marR="0" lvl="0" indent="0" algn="l" defTabSz="914400" rtl="0" eaLnBrk="1" fontAlgn="auto" latinLnBrk="0" hangingPunct="1">
+              <a:lnSpc>
+                <a:spcPct val="100000"/>
+              </a:lnSpc>
+              <a:spcBef>
+                <a:spcPts val="0"/>
+              </a:spcBef>
+              <a:spcAft>
+                <a:spcPts val="0"/>
+              </a:spcAft>
+              <a:buClrTx/>
+              <a:buSzTx/>
+              <a:buFontTx/>
+              <a:buNone/>
+              <a:tabLst/>
+              <a:defRPr/>
+            </a:pPr>
+            <a:r>
+              <a:rPr kumimoji="1" lang="en" altLang="zh-TW" sz="1200" b="0" i="0" u="none" strike="noStrike" kern="1200" cap="none" spc="0" normalizeH="0" baseline="0" noProof="0" dirty="0">
+                <a:ln>
+                  <a:noFill/>
+                </a:ln>
+                <a:solidFill>
+                  <a:prstClr val="black"/>
+                </a:solidFill>
+                <a:effectLst/>
+                <a:uLnTx/>
+                <a:uFillTx/>
+                <a:latin typeface="Menlo" panose="020B0609030804020204" pitchFamily="49" charset="0"/>
+                <a:ea typeface="Menlo" panose="020B0609030804020204" pitchFamily="49" charset="0"/>
+                <a:cs typeface="Menlo" panose="020B0609030804020204" pitchFamily="49" charset="0"/>
+              </a:rPr>
+              <a:t>                </a:t>
+            </a:r>
+            <a:r>
+              <a:rPr kumimoji="1" lang="en" altLang="zh-TW" sz="1200" b="0" i="0" u="none" strike="noStrike" kern="1200" cap="none" spc="0" normalizeH="0" baseline="0" noProof="0" dirty="0" err="1">
+                <a:ln>
+                  <a:noFill/>
+                </a:ln>
+                <a:solidFill>
+                  <a:prstClr val="black"/>
+                </a:solidFill>
+                <a:effectLst/>
+                <a:uLnTx/>
+                <a:uFillTx/>
+                <a:latin typeface="Menlo" panose="020B0609030804020204" pitchFamily="49" charset="0"/>
+                <a:ea typeface="Menlo" panose="020B0609030804020204" pitchFamily="49" charset="0"/>
+                <a:cs typeface="Menlo" panose="020B0609030804020204" pitchFamily="49" charset="0"/>
+              </a:rPr>
+              <a:t>isPossible</a:t>
+            </a:r>
+            <a:r>
+              <a:rPr kumimoji="1" lang="en" altLang="zh-TW" sz="1200" b="0" i="0" u="none" strike="noStrike" kern="1200" cap="none" spc="0" normalizeH="0" baseline="0" noProof="0" dirty="0">
+                <a:ln>
+                  <a:noFill/>
+                </a:ln>
+                <a:solidFill>
+                  <a:prstClr val="black"/>
+                </a:solidFill>
+                <a:effectLst/>
+                <a:uLnTx/>
+                <a:uFillTx/>
+                <a:latin typeface="Menlo" panose="020B0609030804020204" pitchFamily="49" charset="0"/>
+                <a:ea typeface="Menlo" panose="020B0609030804020204" pitchFamily="49" charset="0"/>
+                <a:cs typeface="Menlo" panose="020B0609030804020204" pitchFamily="49" charset="0"/>
+              </a:rPr>
+              <a:t> = True</a:t>
+            </a:r>
+          </a:p>
+          <a:p>
+            <a:pPr marL="0" marR="0" lvl="0" indent="0" algn="l" defTabSz="914400" rtl="0" eaLnBrk="1" fontAlgn="auto" latinLnBrk="0" hangingPunct="1">
+              <a:lnSpc>
+                <a:spcPct val="100000"/>
+              </a:lnSpc>
+              <a:spcBef>
+                <a:spcPts val="0"/>
+              </a:spcBef>
+              <a:spcAft>
+                <a:spcPts val="0"/>
+              </a:spcAft>
+              <a:buClrTx/>
+              <a:buSzTx/>
+              <a:buFontTx/>
+              <a:buNone/>
+              <a:tabLst/>
+              <a:defRPr/>
+            </a:pPr>
+            <a:r>
+              <a:rPr kumimoji="1" lang="en" altLang="zh-TW" sz="1200" b="0" i="0" u="none" strike="noStrike" kern="1200" cap="none" spc="0" normalizeH="0" baseline="0" noProof="0" dirty="0">
+                <a:ln>
+                  <a:noFill/>
+                </a:ln>
+                <a:solidFill>
+                  <a:prstClr val="black"/>
+                </a:solidFill>
+                <a:effectLst/>
+                <a:uLnTx/>
+                <a:uFillTx/>
+                <a:latin typeface="Menlo" panose="020B0609030804020204" pitchFamily="49" charset="0"/>
+                <a:ea typeface="Menlo" panose="020B0609030804020204" pitchFamily="49" charset="0"/>
+                <a:cs typeface="Menlo" panose="020B0609030804020204" pitchFamily="49" charset="0"/>
+              </a:rPr>
+              <a:t>                print('AND')</a:t>
+            </a:r>
+          </a:p>
+          <a:p>
+            <a:pPr marL="0" marR="0" lvl="0" indent="0" algn="l" defTabSz="914400" rtl="0" eaLnBrk="1" fontAlgn="auto" latinLnBrk="0" hangingPunct="1">
+              <a:lnSpc>
+                <a:spcPct val="100000"/>
+              </a:lnSpc>
+              <a:spcBef>
+                <a:spcPts val="0"/>
+              </a:spcBef>
+              <a:spcAft>
+                <a:spcPts val="0"/>
+              </a:spcAft>
+              <a:buClrTx/>
+              <a:buSzTx/>
+              <a:buFontTx/>
+              <a:buNone/>
+              <a:tabLst/>
+              <a:defRPr/>
+            </a:pPr>
+            <a:r>
+              <a:rPr kumimoji="1" lang="en" altLang="zh-TW" sz="1200" b="0" i="0" u="none" strike="noStrike" kern="1200" cap="none" spc="0" normalizeH="0" baseline="0" noProof="0" dirty="0">
+                <a:ln>
+                  <a:noFill/>
+                </a:ln>
+                <a:solidFill>
+                  <a:prstClr val="black"/>
+                </a:solidFill>
+                <a:effectLst/>
+                <a:uLnTx/>
+                <a:uFillTx/>
+                <a:latin typeface="Menlo" panose="020B0609030804020204" pitchFamily="49" charset="0"/>
+                <a:ea typeface="Menlo" panose="020B0609030804020204" pitchFamily="49" charset="0"/>
+                <a:cs typeface="Menlo" panose="020B0609030804020204" pitchFamily="49" charset="0"/>
+              </a:rPr>
+              <a:t>                </a:t>
+            </a:r>
+          </a:p>
+          <a:p>
+            <a:pPr marL="0" marR="0" lvl="0" indent="0" algn="l" defTabSz="914400" rtl="0" eaLnBrk="1" fontAlgn="auto" latinLnBrk="0" hangingPunct="1">
+              <a:lnSpc>
+                <a:spcPct val="100000"/>
+              </a:lnSpc>
+              <a:spcBef>
+                <a:spcPts val="0"/>
+              </a:spcBef>
+              <a:spcAft>
+                <a:spcPts val="0"/>
+              </a:spcAft>
+              <a:buClrTx/>
+              <a:buSzTx/>
+              <a:buFontTx/>
+              <a:buNone/>
+              <a:tabLst/>
+              <a:defRPr/>
+            </a:pPr>
+            <a:r>
+              <a:rPr kumimoji="1" lang="en" altLang="zh-TW" sz="1200" b="0" i="0" u="none" strike="noStrike" kern="1200" cap="none" spc="0" normalizeH="0" baseline="0" noProof="0" dirty="0">
+                <a:ln>
+                  <a:noFill/>
+                </a:ln>
+                <a:solidFill>
+                  <a:prstClr val="black"/>
+                </a:solidFill>
+                <a:effectLst/>
+                <a:uLnTx/>
+                <a:uFillTx/>
+                <a:latin typeface="Menlo" panose="020B0609030804020204" pitchFamily="49" charset="0"/>
+                <a:ea typeface="Menlo" panose="020B0609030804020204" pitchFamily="49" charset="0"/>
+                <a:cs typeface="Menlo" panose="020B0609030804020204" pitchFamily="49" charset="0"/>
+              </a:rPr>
+              <a:t>        if a != 0 or b != 0:</a:t>
+            </a:r>
+          </a:p>
+          <a:p>
+            <a:pPr marL="0" marR="0" lvl="0" indent="0" algn="l" defTabSz="914400" rtl="0" eaLnBrk="1" fontAlgn="auto" latinLnBrk="0" hangingPunct="1">
+              <a:lnSpc>
+                <a:spcPct val="100000"/>
+              </a:lnSpc>
+              <a:spcBef>
+                <a:spcPts val="0"/>
+              </a:spcBef>
+              <a:spcAft>
+                <a:spcPts val="0"/>
+              </a:spcAft>
+              <a:buClrTx/>
+              <a:buSzTx/>
+              <a:buFontTx/>
+              <a:buNone/>
+              <a:tabLst/>
+              <a:defRPr/>
+            </a:pPr>
+            <a:r>
+              <a:rPr kumimoji="1" lang="en" altLang="zh-TW" sz="1200" b="0" i="0" u="none" strike="noStrike" kern="1200" cap="none" spc="0" normalizeH="0" baseline="0" noProof="0" dirty="0">
+                <a:ln>
+                  <a:noFill/>
+                </a:ln>
+                <a:solidFill>
+                  <a:prstClr val="black"/>
+                </a:solidFill>
+                <a:effectLst/>
+                <a:uLnTx/>
+                <a:uFillTx/>
+                <a:latin typeface="Menlo" panose="020B0609030804020204" pitchFamily="49" charset="0"/>
+                <a:ea typeface="Menlo" panose="020B0609030804020204" pitchFamily="49" charset="0"/>
+                <a:cs typeface="Menlo" panose="020B0609030804020204" pitchFamily="49" charset="0"/>
+              </a:rPr>
+              <a:t>            if c == 1:</a:t>
+            </a:r>
+          </a:p>
+          <a:p>
+            <a:pPr marL="0" marR="0" lvl="0" indent="0" algn="l" defTabSz="914400" rtl="0" eaLnBrk="1" fontAlgn="auto" latinLnBrk="0" hangingPunct="1">
+              <a:lnSpc>
+                <a:spcPct val="100000"/>
+              </a:lnSpc>
+              <a:spcBef>
+                <a:spcPts val="0"/>
+              </a:spcBef>
+              <a:spcAft>
+                <a:spcPts val="0"/>
+              </a:spcAft>
+              <a:buClrTx/>
+              <a:buSzTx/>
+              <a:buFontTx/>
+              <a:buNone/>
+              <a:tabLst/>
+              <a:defRPr/>
+            </a:pPr>
+            <a:r>
+              <a:rPr kumimoji="1" lang="en" altLang="zh-TW" sz="1200" b="0" i="0" u="none" strike="noStrike" kern="1200" cap="none" spc="0" normalizeH="0" baseline="0" noProof="0" dirty="0">
+                <a:ln>
+                  <a:noFill/>
+                </a:ln>
+                <a:solidFill>
+                  <a:prstClr val="black"/>
+                </a:solidFill>
+                <a:effectLst/>
+                <a:uLnTx/>
+                <a:uFillTx/>
+                <a:latin typeface="Menlo" panose="020B0609030804020204" pitchFamily="49" charset="0"/>
+                <a:ea typeface="Menlo" panose="020B0609030804020204" pitchFamily="49" charset="0"/>
+                <a:cs typeface="Menlo" panose="020B0609030804020204" pitchFamily="49" charset="0"/>
+              </a:rPr>
+              <a:t>                </a:t>
+            </a:r>
+            <a:r>
+              <a:rPr kumimoji="1" lang="en" altLang="zh-TW" sz="1200" b="0" i="0" u="none" strike="noStrike" kern="1200" cap="none" spc="0" normalizeH="0" baseline="0" noProof="0" dirty="0" err="1">
+                <a:ln>
+                  <a:noFill/>
+                </a:ln>
+                <a:solidFill>
+                  <a:prstClr val="black"/>
+                </a:solidFill>
+                <a:effectLst/>
+                <a:uLnTx/>
+                <a:uFillTx/>
+                <a:latin typeface="Menlo" panose="020B0609030804020204" pitchFamily="49" charset="0"/>
+                <a:ea typeface="Menlo" panose="020B0609030804020204" pitchFamily="49" charset="0"/>
+                <a:cs typeface="Menlo" panose="020B0609030804020204" pitchFamily="49" charset="0"/>
+              </a:rPr>
+              <a:t>isPossible</a:t>
+            </a:r>
+            <a:r>
+              <a:rPr kumimoji="1" lang="en" altLang="zh-TW" sz="1200" b="0" i="0" u="none" strike="noStrike" kern="1200" cap="none" spc="0" normalizeH="0" baseline="0" noProof="0" dirty="0">
+                <a:ln>
+                  <a:noFill/>
+                </a:ln>
+                <a:solidFill>
+                  <a:prstClr val="black"/>
+                </a:solidFill>
+                <a:effectLst/>
+                <a:uLnTx/>
+                <a:uFillTx/>
+                <a:latin typeface="Menlo" panose="020B0609030804020204" pitchFamily="49" charset="0"/>
+                <a:ea typeface="Menlo" panose="020B0609030804020204" pitchFamily="49" charset="0"/>
+                <a:cs typeface="Menlo" panose="020B0609030804020204" pitchFamily="49" charset="0"/>
+              </a:rPr>
+              <a:t> = True</a:t>
+            </a:r>
+          </a:p>
+          <a:p>
+            <a:pPr marL="0" marR="0" lvl="0" indent="0" algn="l" defTabSz="914400" rtl="0" eaLnBrk="1" fontAlgn="auto" latinLnBrk="0" hangingPunct="1">
+              <a:lnSpc>
+                <a:spcPct val="100000"/>
+              </a:lnSpc>
+              <a:spcBef>
+                <a:spcPts val="0"/>
+              </a:spcBef>
+              <a:spcAft>
+                <a:spcPts val="0"/>
+              </a:spcAft>
+              <a:buClrTx/>
+              <a:buSzTx/>
+              <a:buFontTx/>
+              <a:buNone/>
+              <a:tabLst/>
+              <a:defRPr/>
+            </a:pPr>
+            <a:r>
+              <a:rPr kumimoji="1" lang="en" altLang="zh-TW" sz="1200" b="0" i="0" u="none" strike="noStrike" kern="1200" cap="none" spc="0" normalizeH="0" baseline="0" noProof="0" dirty="0">
+                <a:ln>
+                  <a:noFill/>
+                </a:ln>
+                <a:solidFill>
+                  <a:prstClr val="black"/>
+                </a:solidFill>
+                <a:effectLst/>
+                <a:uLnTx/>
+                <a:uFillTx/>
+                <a:latin typeface="Menlo" panose="020B0609030804020204" pitchFamily="49" charset="0"/>
+                <a:ea typeface="Menlo" panose="020B0609030804020204" pitchFamily="49" charset="0"/>
+                <a:cs typeface="Menlo" panose="020B0609030804020204" pitchFamily="49" charset="0"/>
+              </a:rPr>
+              <a:t>                print('OR')</a:t>
+            </a:r>
+          </a:p>
+          <a:p>
+            <a:pPr marL="0" marR="0" lvl="0" indent="0" algn="l" defTabSz="914400" rtl="0" eaLnBrk="1" fontAlgn="auto" latinLnBrk="0" hangingPunct="1">
+              <a:lnSpc>
+                <a:spcPct val="100000"/>
+              </a:lnSpc>
+              <a:spcBef>
+                <a:spcPts val="0"/>
+              </a:spcBef>
+              <a:spcAft>
+                <a:spcPts val="0"/>
+              </a:spcAft>
+              <a:buClrTx/>
+              <a:buSzTx/>
+              <a:buFontTx/>
+              <a:buNone/>
+              <a:tabLst/>
+              <a:defRPr/>
+            </a:pPr>
+            <a:r>
+              <a:rPr kumimoji="1" lang="en" altLang="zh-TW" sz="1200" b="0" i="0" u="none" strike="noStrike" kern="1200" cap="none" spc="0" normalizeH="0" baseline="0" noProof="0" dirty="0">
+                <a:ln>
+                  <a:noFill/>
+                </a:ln>
+                <a:solidFill>
+                  <a:prstClr val="black"/>
+                </a:solidFill>
+                <a:effectLst/>
+                <a:uLnTx/>
+                <a:uFillTx/>
+                <a:latin typeface="Menlo" panose="020B0609030804020204" pitchFamily="49" charset="0"/>
+                <a:ea typeface="Menlo" panose="020B0609030804020204" pitchFamily="49" charset="0"/>
+                <a:cs typeface="Menlo" panose="020B0609030804020204" pitchFamily="49" charset="0"/>
+              </a:rPr>
+              <a:t>        else:</a:t>
+            </a:r>
+          </a:p>
+          <a:p>
+            <a:pPr marL="0" marR="0" lvl="0" indent="0" algn="l" defTabSz="914400" rtl="0" eaLnBrk="1" fontAlgn="auto" latinLnBrk="0" hangingPunct="1">
+              <a:lnSpc>
+                <a:spcPct val="100000"/>
+              </a:lnSpc>
+              <a:spcBef>
+                <a:spcPts val="0"/>
+              </a:spcBef>
+              <a:spcAft>
+                <a:spcPts val="0"/>
+              </a:spcAft>
+              <a:buClrTx/>
+              <a:buSzTx/>
+              <a:buFontTx/>
+              <a:buNone/>
+              <a:tabLst/>
+              <a:defRPr/>
+            </a:pPr>
+            <a:r>
+              <a:rPr kumimoji="1" lang="en" altLang="zh-TW" sz="1200" b="0" i="0" u="none" strike="noStrike" kern="1200" cap="none" spc="0" normalizeH="0" baseline="0" noProof="0" dirty="0">
+                <a:ln>
+                  <a:noFill/>
+                </a:ln>
+                <a:solidFill>
+                  <a:prstClr val="black"/>
+                </a:solidFill>
+                <a:effectLst/>
+                <a:uLnTx/>
+                <a:uFillTx/>
+                <a:latin typeface="Menlo" panose="020B0609030804020204" pitchFamily="49" charset="0"/>
+                <a:ea typeface="Menlo" panose="020B0609030804020204" pitchFamily="49" charset="0"/>
+                <a:cs typeface="Menlo" panose="020B0609030804020204" pitchFamily="49" charset="0"/>
+              </a:rPr>
+              <a:t>            if c == 0:</a:t>
+            </a:r>
+          </a:p>
+          <a:p>
+            <a:pPr marL="0" marR="0" lvl="0" indent="0" algn="l" defTabSz="914400" rtl="0" eaLnBrk="1" fontAlgn="auto" latinLnBrk="0" hangingPunct="1">
+              <a:lnSpc>
+                <a:spcPct val="100000"/>
+              </a:lnSpc>
+              <a:spcBef>
+                <a:spcPts val="0"/>
+              </a:spcBef>
+              <a:spcAft>
+                <a:spcPts val="0"/>
+              </a:spcAft>
+              <a:buClrTx/>
+              <a:buSzTx/>
+              <a:buFontTx/>
+              <a:buNone/>
+              <a:tabLst/>
+              <a:defRPr/>
+            </a:pPr>
+            <a:r>
+              <a:rPr kumimoji="1" lang="en" altLang="zh-TW" sz="1200" b="0" i="0" u="none" strike="noStrike" kern="1200" cap="none" spc="0" normalizeH="0" baseline="0" noProof="0" dirty="0">
+                <a:ln>
+                  <a:noFill/>
+                </a:ln>
+                <a:solidFill>
+                  <a:prstClr val="black"/>
+                </a:solidFill>
+                <a:effectLst/>
+                <a:uLnTx/>
+                <a:uFillTx/>
+                <a:latin typeface="Menlo" panose="020B0609030804020204" pitchFamily="49" charset="0"/>
+                <a:ea typeface="Menlo" panose="020B0609030804020204" pitchFamily="49" charset="0"/>
+                <a:cs typeface="Menlo" panose="020B0609030804020204" pitchFamily="49" charset="0"/>
+              </a:rPr>
+              <a:t>                </a:t>
+            </a:r>
+            <a:r>
+              <a:rPr kumimoji="1" lang="en" altLang="zh-TW" sz="1200" b="0" i="0" u="none" strike="noStrike" kern="1200" cap="none" spc="0" normalizeH="0" baseline="0" noProof="0" dirty="0" err="1">
+                <a:ln>
+                  <a:noFill/>
+                </a:ln>
+                <a:solidFill>
+                  <a:prstClr val="black"/>
+                </a:solidFill>
+                <a:effectLst/>
+                <a:uLnTx/>
+                <a:uFillTx/>
+                <a:latin typeface="Menlo" panose="020B0609030804020204" pitchFamily="49" charset="0"/>
+                <a:ea typeface="Menlo" panose="020B0609030804020204" pitchFamily="49" charset="0"/>
+                <a:cs typeface="Menlo" panose="020B0609030804020204" pitchFamily="49" charset="0"/>
+              </a:rPr>
+              <a:t>isPossible</a:t>
+            </a:r>
+            <a:r>
+              <a:rPr kumimoji="1" lang="en" altLang="zh-TW" sz="1200" b="0" i="0" u="none" strike="noStrike" kern="1200" cap="none" spc="0" normalizeH="0" baseline="0" noProof="0" dirty="0">
+                <a:ln>
+                  <a:noFill/>
+                </a:ln>
+                <a:solidFill>
+                  <a:prstClr val="black"/>
+                </a:solidFill>
+                <a:effectLst/>
+                <a:uLnTx/>
+                <a:uFillTx/>
+                <a:latin typeface="Menlo" panose="020B0609030804020204" pitchFamily="49" charset="0"/>
+                <a:ea typeface="Menlo" panose="020B0609030804020204" pitchFamily="49" charset="0"/>
+                <a:cs typeface="Menlo" panose="020B0609030804020204" pitchFamily="49" charset="0"/>
+              </a:rPr>
+              <a:t> = True</a:t>
+            </a:r>
+          </a:p>
+          <a:p>
+            <a:pPr marL="0" marR="0" lvl="0" indent="0" algn="l" defTabSz="914400" rtl="0" eaLnBrk="1" fontAlgn="auto" latinLnBrk="0" hangingPunct="1">
+              <a:lnSpc>
+                <a:spcPct val="100000"/>
+              </a:lnSpc>
+              <a:spcBef>
+                <a:spcPts val="0"/>
+              </a:spcBef>
+              <a:spcAft>
+                <a:spcPts val="0"/>
+              </a:spcAft>
+              <a:buClrTx/>
+              <a:buSzTx/>
+              <a:buFontTx/>
+              <a:buNone/>
+              <a:tabLst/>
+              <a:defRPr/>
+            </a:pPr>
+            <a:r>
+              <a:rPr kumimoji="1" lang="en" altLang="zh-TW" sz="1200" b="0" i="0" u="none" strike="noStrike" kern="1200" cap="none" spc="0" normalizeH="0" baseline="0" noProof="0" dirty="0">
+                <a:ln>
+                  <a:noFill/>
+                </a:ln>
+                <a:solidFill>
+                  <a:prstClr val="black"/>
+                </a:solidFill>
+                <a:effectLst/>
+                <a:uLnTx/>
+                <a:uFillTx/>
+                <a:latin typeface="Menlo" panose="020B0609030804020204" pitchFamily="49" charset="0"/>
+                <a:ea typeface="Menlo" panose="020B0609030804020204" pitchFamily="49" charset="0"/>
+                <a:cs typeface="Menlo" panose="020B0609030804020204" pitchFamily="49" charset="0"/>
+              </a:rPr>
+              <a:t>                print('OR')</a:t>
+            </a:r>
+          </a:p>
+          <a:p>
+            <a:pPr marL="0" marR="0" lvl="0" indent="0" algn="l" defTabSz="914400" rtl="0" eaLnBrk="1" fontAlgn="auto" latinLnBrk="0" hangingPunct="1">
+              <a:lnSpc>
+                <a:spcPct val="100000"/>
+              </a:lnSpc>
+              <a:spcBef>
+                <a:spcPts val="0"/>
+              </a:spcBef>
+              <a:spcAft>
+                <a:spcPts val="0"/>
+              </a:spcAft>
+              <a:buClrTx/>
+              <a:buSzTx/>
+              <a:buFontTx/>
+              <a:buNone/>
+              <a:tabLst/>
+              <a:defRPr/>
+            </a:pPr>
+            <a:r>
+              <a:rPr kumimoji="1" lang="en" altLang="zh-TW" sz="1200" b="0" i="0" u="none" strike="noStrike" kern="1200" cap="none" spc="0" normalizeH="0" baseline="0" noProof="0" dirty="0">
+                <a:ln>
+                  <a:noFill/>
+                </a:ln>
+                <a:solidFill>
+                  <a:prstClr val="black"/>
+                </a:solidFill>
+                <a:effectLst/>
+                <a:uLnTx/>
+                <a:uFillTx/>
+                <a:latin typeface="Menlo" panose="020B0609030804020204" pitchFamily="49" charset="0"/>
+                <a:ea typeface="Menlo" panose="020B0609030804020204" pitchFamily="49" charset="0"/>
+                <a:cs typeface="Menlo" panose="020B0609030804020204" pitchFamily="49" charset="0"/>
+              </a:rPr>
+              <a:t>                </a:t>
+            </a:r>
+          </a:p>
+          <a:p>
+            <a:pPr marL="0" marR="0" lvl="0" indent="0" algn="l" defTabSz="914400" rtl="0" eaLnBrk="1" fontAlgn="auto" latinLnBrk="0" hangingPunct="1">
+              <a:lnSpc>
+                <a:spcPct val="100000"/>
+              </a:lnSpc>
+              <a:spcBef>
+                <a:spcPts val="0"/>
+              </a:spcBef>
+              <a:spcAft>
+                <a:spcPts val="0"/>
+              </a:spcAft>
+              <a:buClrTx/>
+              <a:buSzTx/>
+              <a:buFontTx/>
+              <a:buNone/>
+              <a:tabLst/>
+              <a:defRPr/>
+            </a:pPr>
+            <a:r>
+              <a:rPr kumimoji="1" lang="en" altLang="zh-TW" sz="1200" b="0" i="0" u="none" strike="noStrike" kern="1200" cap="none" spc="0" normalizeH="0" baseline="0" noProof="0" dirty="0">
+                <a:ln>
+                  <a:noFill/>
+                </a:ln>
+                <a:solidFill>
+                  <a:prstClr val="black"/>
+                </a:solidFill>
+                <a:effectLst/>
+                <a:uLnTx/>
+                <a:uFillTx/>
+                <a:latin typeface="Menlo" panose="020B0609030804020204" pitchFamily="49" charset="0"/>
+                <a:ea typeface="Menlo" panose="020B0609030804020204" pitchFamily="49" charset="0"/>
+                <a:cs typeface="Menlo" panose="020B0609030804020204" pitchFamily="49" charset="0"/>
+              </a:rPr>
+              <a:t>        if (a == 0 and b != 0) or (a != 0 and b == 0):</a:t>
+            </a:r>
+          </a:p>
+          <a:p>
+            <a:pPr marL="0" marR="0" lvl="0" indent="0" algn="l" defTabSz="914400" rtl="0" eaLnBrk="1" fontAlgn="auto" latinLnBrk="0" hangingPunct="1">
+              <a:lnSpc>
+                <a:spcPct val="100000"/>
+              </a:lnSpc>
+              <a:spcBef>
+                <a:spcPts val="0"/>
+              </a:spcBef>
+              <a:spcAft>
+                <a:spcPts val="0"/>
+              </a:spcAft>
+              <a:buClrTx/>
+              <a:buSzTx/>
+              <a:buFontTx/>
+              <a:buNone/>
+              <a:tabLst/>
+              <a:defRPr/>
+            </a:pPr>
+            <a:r>
+              <a:rPr kumimoji="1" lang="en" altLang="zh-TW" sz="1200" b="0" i="0" u="none" strike="noStrike" kern="1200" cap="none" spc="0" normalizeH="0" baseline="0" noProof="0" dirty="0">
+                <a:ln>
+                  <a:noFill/>
+                </a:ln>
+                <a:solidFill>
+                  <a:prstClr val="black"/>
+                </a:solidFill>
+                <a:effectLst/>
+                <a:uLnTx/>
+                <a:uFillTx/>
+                <a:latin typeface="Menlo" panose="020B0609030804020204" pitchFamily="49" charset="0"/>
+                <a:ea typeface="Menlo" panose="020B0609030804020204" pitchFamily="49" charset="0"/>
+                <a:cs typeface="Menlo" panose="020B0609030804020204" pitchFamily="49" charset="0"/>
+              </a:rPr>
+              <a:t>            if c == 1:</a:t>
+            </a:r>
+          </a:p>
+          <a:p>
+            <a:pPr marL="0" marR="0" lvl="0" indent="0" algn="l" defTabSz="914400" rtl="0" eaLnBrk="1" fontAlgn="auto" latinLnBrk="0" hangingPunct="1">
+              <a:lnSpc>
+                <a:spcPct val="100000"/>
+              </a:lnSpc>
+              <a:spcBef>
+                <a:spcPts val="0"/>
+              </a:spcBef>
+              <a:spcAft>
+                <a:spcPts val="0"/>
+              </a:spcAft>
+              <a:buClrTx/>
+              <a:buSzTx/>
+              <a:buFontTx/>
+              <a:buNone/>
+              <a:tabLst/>
+              <a:defRPr/>
+            </a:pPr>
+            <a:r>
+              <a:rPr kumimoji="1" lang="en" altLang="zh-TW" sz="1200" b="0" i="0" u="none" strike="noStrike" kern="1200" cap="none" spc="0" normalizeH="0" baseline="0" noProof="0" dirty="0">
+                <a:ln>
+                  <a:noFill/>
+                </a:ln>
+                <a:solidFill>
+                  <a:prstClr val="black"/>
+                </a:solidFill>
+                <a:effectLst/>
+                <a:uLnTx/>
+                <a:uFillTx/>
+                <a:latin typeface="Menlo" panose="020B0609030804020204" pitchFamily="49" charset="0"/>
+                <a:ea typeface="Menlo" panose="020B0609030804020204" pitchFamily="49" charset="0"/>
+                <a:cs typeface="Menlo" panose="020B0609030804020204" pitchFamily="49" charset="0"/>
+              </a:rPr>
+              <a:t>                </a:t>
+            </a:r>
+            <a:r>
+              <a:rPr kumimoji="1" lang="en" altLang="zh-TW" sz="1200" b="0" i="0" u="none" strike="noStrike" kern="1200" cap="none" spc="0" normalizeH="0" baseline="0" noProof="0" dirty="0" err="1">
+                <a:ln>
+                  <a:noFill/>
+                </a:ln>
+                <a:solidFill>
+                  <a:prstClr val="black"/>
+                </a:solidFill>
+                <a:effectLst/>
+                <a:uLnTx/>
+                <a:uFillTx/>
+                <a:latin typeface="Menlo" panose="020B0609030804020204" pitchFamily="49" charset="0"/>
+                <a:ea typeface="Menlo" panose="020B0609030804020204" pitchFamily="49" charset="0"/>
+                <a:cs typeface="Menlo" panose="020B0609030804020204" pitchFamily="49" charset="0"/>
+              </a:rPr>
+              <a:t>isPossible</a:t>
+            </a:r>
+            <a:r>
+              <a:rPr kumimoji="1" lang="en" altLang="zh-TW" sz="1200" b="0" i="0" u="none" strike="noStrike" kern="1200" cap="none" spc="0" normalizeH="0" baseline="0" noProof="0" dirty="0">
+                <a:ln>
+                  <a:noFill/>
+                </a:ln>
+                <a:solidFill>
+                  <a:prstClr val="black"/>
+                </a:solidFill>
+                <a:effectLst/>
+                <a:uLnTx/>
+                <a:uFillTx/>
+                <a:latin typeface="Menlo" panose="020B0609030804020204" pitchFamily="49" charset="0"/>
+                <a:ea typeface="Menlo" panose="020B0609030804020204" pitchFamily="49" charset="0"/>
+                <a:cs typeface="Menlo" panose="020B0609030804020204" pitchFamily="49" charset="0"/>
+              </a:rPr>
+              <a:t> = True</a:t>
+            </a:r>
+          </a:p>
+          <a:p>
+            <a:pPr marL="0" marR="0" lvl="0" indent="0" algn="l" defTabSz="914400" rtl="0" eaLnBrk="1" fontAlgn="auto" latinLnBrk="0" hangingPunct="1">
+              <a:lnSpc>
+                <a:spcPct val="100000"/>
+              </a:lnSpc>
+              <a:spcBef>
+                <a:spcPts val="0"/>
+              </a:spcBef>
+              <a:spcAft>
+                <a:spcPts val="0"/>
+              </a:spcAft>
+              <a:buClrTx/>
+              <a:buSzTx/>
+              <a:buFontTx/>
+              <a:buNone/>
+              <a:tabLst/>
+              <a:defRPr/>
+            </a:pPr>
+            <a:r>
+              <a:rPr kumimoji="1" lang="en" altLang="zh-TW" sz="1200" b="0" i="0" u="none" strike="noStrike" kern="1200" cap="none" spc="0" normalizeH="0" baseline="0" noProof="0" dirty="0">
+                <a:ln>
+                  <a:noFill/>
+                </a:ln>
+                <a:solidFill>
+                  <a:prstClr val="black"/>
+                </a:solidFill>
+                <a:effectLst/>
+                <a:uLnTx/>
+                <a:uFillTx/>
+                <a:latin typeface="Menlo" panose="020B0609030804020204" pitchFamily="49" charset="0"/>
+                <a:ea typeface="Menlo" panose="020B0609030804020204" pitchFamily="49" charset="0"/>
+                <a:cs typeface="Menlo" panose="020B0609030804020204" pitchFamily="49" charset="0"/>
+              </a:rPr>
+              <a:t>                print('XOR')</a:t>
+            </a:r>
+          </a:p>
+          <a:p>
+            <a:pPr marL="0" marR="0" lvl="0" indent="0" algn="l" defTabSz="914400" rtl="0" eaLnBrk="1" fontAlgn="auto" latinLnBrk="0" hangingPunct="1">
+              <a:lnSpc>
+                <a:spcPct val="100000"/>
+              </a:lnSpc>
+              <a:spcBef>
+                <a:spcPts val="0"/>
+              </a:spcBef>
+              <a:spcAft>
+                <a:spcPts val="0"/>
+              </a:spcAft>
+              <a:buClrTx/>
+              <a:buSzTx/>
+              <a:buFontTx/>
+              <a:buNone/>
+              <a:tabLst/>
+              <a:defRPr/>
+            </a:pPr>
+            <a:r>
+              <a:rPr kumimoji="1" lang="en" altLang="zh-TW" sz="1200" b="0" i="0" u="none" strike="noStrike" kern="1200" cap="none" spc="0" normalizeH="0" baseline="0" noProof="0" dirty="0">
+                <a:ln>
+                  <a:noFill/>
+                </a:ln>
+                <a:solidFill>
+                  <a:prstClr val="black"/>
+                </a:solidFill>
+                <a:effectLst/>
+                <a:uLnTx/>
+                <a:uFillTx/>
+                <a:latin typeface="Menlo" panose="020B0609030804020204" pitchFamily="49" charset="0"/>
+                <a:ea typeface="Menlo" panose="020B0609030804020204" pitchFamily="49" charset="0"/>
+                <a:cs typeface="Menlo" panose="020B0609030804020204" pitchFamily="49" charset="0"/>
+              </a:rPr>
+              <a:t>        else:</a:t>
+            </a:r>
+          </a:p>
+          <a:p>
+            <a:pPr marL="0" marR="0" lvl="0" indent="0" algn="l" defTabSz="914400" rtl="0" eaLnBrk="1" fontAlgn="auto" latinLnBrk="0" hangingPunct="1">
+              <a:lnSpc>
+                <a:spcPct val="100000"/>
+              </a:lnSpc>
+              <a:spcBef>
+                <a:spcPts val="0"/>
+              </a:spcBef>
+              <a:spcAft>
+                <a:spcPts val="0"/>
+              </a:spcAft>
+              <a:buClrTx/>
+              <a:buSzTx/>
+              <a:buFontTx/>
+              <a:buNone/>
+              <a:tabLst/>
+              <a:defRPr/>
+            </a:pPr>
+            <a:r>
+              <a:rPr kumimoji="1" lang="en" altLang="zh-TW" sz="1200" b="0" i="0" u="none" strike="noStrike" kern="1200" cap="none" spc="0" normalizeH="0" baseline="0" noProof="0" dirty="0">
+                <a:ln>
+                  <a:noFill/>
+                </a:ln>
+                <a:solidFill>
+                  <a:prstClr val="black"/>
+                </a:solidFill>
+                <a:effectLst/>
+                <a:uLnTx/>
+                <a:uFillTx/>
+                <a:latin typeface="Menlo" panose="020B0609030804020204" pitchFamily="49" charset="0"/>
+                <a:ea typeface="Menlo" panose="020B0609030804020204" pitchFamily="49" charset="0"/>
+                <a:cs typeface="Menlo" panose="020B0609030804020204" pitchFamily="49" charset="0"/>
+              </a:rPr>
+              <a:t>            if c == 0:</a:t>
+            </a:r>
+          </a:p>
+          <a:p>
+            <a:pPr marL="0" marR="0" lvl="0" indent="0" algn="l" defTabSz="914400" rtl="0" eaLnBrk="1" fontAlgn="auto" latinLnBrk="0" hangingPunct="1">
+              <a:lnSpc>
+                <a:spcPct val="100000"/>
+              </a:lnSpc>
+              <a:spcBef>
+                <a:spcPts val="0"/>
+              </a:spcBef>
+              <a:spcAft>
+                <a:spcPts val="0"/>
+              </a:spcAft>
+              <a:buClrTx/>
+              <a:buSzTx/>
+              <a:buFontTx/>
+              <a:buNone/>
+              <a:tabLst/>
+              <a:defRPr/>
+            </a:pPr>
+            <a:r>
+              <a:rPr kumimoji="1" lang="en" altLang="zh-TW" sz="1200" b="0" i="0" u="none" strike="noStrike" kern="1200" cap="none" spc="0" normalizeH="0" baseline="0" noProof="0" dirty="0">
+                <a:ln>
+                  <a:noFill/>
+                </a:ln>
+                <a:solidFill>
+                  <a:prstClr val="black"/>
+                </a:solidFill>
+                <a:effectLst/>
+                <a:uLnTx/>
+                <a:uFillTx/>
+                <a:latin typeface="Menlo" panose="020B0609030804020204" pitchFamily="49" charset="0"/>
+                <a:ea typeface="Menlo" panose="020B0609030804020204" pitchFamily="49" charset="0"/>
+                <a:cs typeface="Menlo" panose="020B0609030804020204" pitchFamily="49" charset="0"/>
+              </a:rPr>
+              <a:t>                </a:t>
+            </a:r>
+            <a:r>
+              <a:rPr kumimoji="1" lang="en" altLang="zh-TW" sz="1200" b="0" i="0" u="none" strike="noStrike" kern="1200" cap="none" spc="0" normalizeH="0" baseline="0" noProof="0" dirty="0" err="1">
+                <a:ln>
+                  <a:noFill/>
+                </a:ln>
+                <a:solidFill>
+                  <a:prstClr val="black"/>
+                </a:solidFill>
+                <a:effectLst/>
+                <a:uLnTx/>
+                <a:uFillTx/>
+                <a:latin typeface="Menlo" panose="020B0609030804020204" pitchFamily="49" charset="0"/>
+                <a:ea typeface="Menlo" panose="020B0609030804020204" pitchFamily="49" charset="0"/>
+                <a:cs typeface="Menlo" panose="020B0609030804020204" pitchFamily="49" charset="0"/>
+              </a:rPr>
+              <a:t>isPossible</a:t>
+            </a:r>
+            <a:r>
+              <a:rPr kumimoji="1" lang="en" altLang="zh-TW" sz="1200" b="0" i="0" u="none" strike="noStrike" kern="1200" cap="none" spc="0" normalizeH="0" baseline="0" noProof="0" dirty="0">
+                <a:ln>
+                  <a:noFill/>
+                </a:ln>
+                <a:solidFill>
+                  <a:prstClr val="black"/>
+                </a:solidFill>
+                <a:effectLst/>
+                <a:uLnTx/>
+                <a:uFillTx/>
+                <a:latin typeface="Menlo" panose="020B0609030804020204" pitchFamily="49" charset="0"/>
+                <a:ea typeface="Menlo" panose="020B0609030804020204" pitchFamily="49" charset="0"/>
+                <a:cs typeface="Menlo" panose="020B0609030804020204" pitchFamily="49" charset="0"/>
+              </a:rPr>
+              <a:t> = True</a:t>
+            </a:r>
+          </a:p>
+          <a:p>
+            <a:pPr marL="0" marR="0" lvl="0" indent="0" algn="l" defTabSz="914400" rtl="0" eaLnBrk="1" fontAlgn="auto" latinLnBrk="0" hangingPunct="1">
+              <a:lnSpc>
+                <a:spcPct val="100000"/>
+              </a:lnSpc>
+              <a:spcBef>
+                <a:spcPts val="0"/>
+              </a:spcBef>
+              <a:spcAft>
+                <a:spcPts val="0"/>
+              </a:spcAft>
+              <a:buClrTx/>
+              <a:buSzTx/>
+              <a:buFontTx/>
+              <a:buNone/>
+              <a:tabLst/>
+              <a:defRPr/>
+            </a:pPr>
+            <a:r>
+              <a:rPr kumimoji="1" lang="en" altLang="zh-TW" sz="1200" b="0" i="0" u="none" strike="noStrike" kern="1200" cap="none" spc="0" normalizeH="0" baseline="0" noProof="0" dirty="0">
+                <a:ln>
+                  <a:noFill/>
+                </a:ln>
+                <a:solidFill>
+                  <a:prstClr val="black"/>
+                </a:solidFill>
+                <a:effectLst/>
+                <a:uLnTx/>
+                <a:uFillTx/>
+                <a:latin typeface="Menlo" panose="020B0609030804020204" pitchFamily="49" charset="0"/>
+                <a:ea typeface="Menlo" panose="020B0609030804020204" pitchFamily="49" charset="0"/>
+                <a:cs typeface="Menlo" panose="020B0609030804020204" pitchFamily="49" charset="0"/>
+              </a:rPr>
+              <a:t>                print('XOR')</a:t>
+            </a:r>
+          </a:p>
+          <a:p>
+            <a:pPr marL="0" marR="0" lvl="0" indent="0" algn="l" defTabSz="914400" rtl="0" eaLnBrk="1" fontAlgn="auto" latinLnBrk="0" hangingPunct="1">
+              <a:lnSpc>
+                <a:spcPct val="100000"/>
+              </a:lnSpc>
+              <a:spcBef>
+                <a:spcPts val="0"/>
+              </a:spcBef>
+              <a:spcAft>
+                <a:spcPts val="0"/>
+              </a:spcAft>
+              <a:buClrTx/>
+              <a:buSzTx/>
+              <a:buFontTx/>
+              <a:buNone/>
+              <a:tabLst/>
+              <a:defRPr/>
+            </a:pPr>
+            <a:r>
+              <a:rPr kumimoji="1" lang="en" altLang="zh-TW" sz="1200" b="0" i="0" u="none" strike="noStrike" kern="1200" cap="none" spc="0" normalizeH="0" baseline="0" noProof="0" dirty="0">
+                <a:ln>
+                  <a:noFill/>
+                </a:ln>
+                <a:solidFill>
+                  <a:prstClr val="black"/>
+                </a:solidFill>
+                <a:effectLst/>
+                <a:uLnTx/>
+                <a:uFillTx/>
+                <a:latin typeface="Menlo" panose="020B0609030804020204" pitchFamily="49" charset="0"/>
+                <a:ea typeface="Menlo" panose="020B0609030804020204" pitchFamily="49" charset="0"/>
+                <a:cs typeface="Menlo" panose="020B0609030804020204" pitchFamily="49" charset="0"/>
+              </a:rPr>
+              <a:t>                </a:t>
+            </a:r>
+          </a:p>
+          <a:p>
+            <a:pPr marL="0" marR="0" lvl="0" indent="0" algn="l" defTabSz="914400" rtl="0" eaLnBrk="1" fontAlgn="auto" latinLnBrk="0" hangingPunct="1">
+              <a:lnSpc>
+                <a:spcPct val="100000"/>
+              </a:lnSpc>
+              <a:spcBef>
+                <a:spcPts val="0"/>
+              </a:spcBef>
+              <a:spcAft>
+                <a:spcPts val="0"/>
+              </a:spcAft>
+              <a:buClrTx/>
+              <a:buSzTx/>
+              <a:buFontTx/>
+              <a:buNone/>
+              <a:tabLst/>
+              <a:defRPr/>
+            </a:pPr>
+            <a:r>
+              <a:rPr kumimoji="1" lang="en" altLang="zh-TW" sz="1200" b="0" i="0" u="none" strike="noStrike" kern="1200" cap="none" spc="0" normalizeH="0" baseline="0" noProof="0" dirty="0">
+                <a:ln>
+                  <a:noFill/>
+                </a:ln>
+                <a:solidFill>
+                  <a:prstClr val="black"/>
+                </a:solidFill>
+                <a:effectLst/>
+                <a:uLnTx/>
+                <a:uFillTx/>
+                <a:latin typeface="Menlo" panose="020B0609030804020204" pitchFamily="49" charset="0"/>
+                <a:ea typeface="Menlo" panose="020B0609030804020204" pitchFamily="49" charset="0"/>
+                <a:cs typeface="Menlo" panose="020B0609030804020204" pitchFamily="49" charset="0"/>
+              </a:rPr>
+              <a:t>        if not </a:t>
+            </a:r>
+            <a:r>
+              <a:rPr kumimoji="1" lang="en" altLang="zh-TW" sz="1200" b="0" i="0" u="none" strike="noStrike" kern="1200" cap="none" spc="0" normalizeH="0" baseline="0" noProof="0" dirty="0" err="1">
+                <a:ln>
+                  <a:noFill/>
+                </a:ln>
+                <a:solidFill>
+                  <a:prstClr val="black"/>
+                </a:solidFill>
+                <a:effectLst/>
+                <a:uLnTx/>
+                <a:uFillTx/>
+                <a:latin typeface="Menlo" panose="020B0609030804020204" pitchFamily="49" charset="0"/>
+                <a:ea typeface="Menlo" panose="020B0609030804020204" pitchFamily="49" charset="0"/>
+                <a:cs typeface="Menlo" panose="020B0609030804020204" pitchFamily="49" charset="0"/>
+              </a:rPr>
+              <a:t>isPossible</a:t>
+            </a:r>
+            <a:r>
+              <a:rPr kumimoji="1" lang="en" altLang="zh-TW" sz="1200" b="0" i="0" u="none" strike="noStrike" kern="1200" cap="none" spc="0" normalizeH="0" baseline="0" noProof="0" dirty="0">
+                <a:ln>
+                  <a:noFill/>
+                </a:ln>
+                <a:solidFill>
+                  <a:prstClr val="black"/>
+                </a:solidFill>
+                <a:effectLst/>
+                <a:uLnTx/>
+                <a:uFillTx/>
+                <a:latin typeface="Menlo" panose="020B0609030804020204" pitchFamily="49" charset="0"/>
+                <a:ea typeface="Menlo" panose="020B0609030804020204" pitchFamily="49" charset="0"/>
+                <a:cs typeface="Menlo" panose="020B0609030804020204" pitchFamily="49" charset="0"/>
+              </a:rPr>
+              <a:t>:</a:t>
+            </a:r>
+          </a:p>
+          <a:p>
+            <a:pPr marL="0" marR="0" lvl="0" indent="0" algn="l" defTabSz="914400" rtl="0" eaLnBrk="1" fontAlgn="auto" latinLnBrk="0" hangingPunct="1">
+              <a:lnSpc>
+                <a:spcPct val="100000"/>
+              </a:lnSpc>
+              <a:spcBef>
+                <a:spcPts val="0"/>
+              </a:spcBef>
+              <a:spcAft>
+                <a:spcPts val="0"/>
+              </a:spcAft>
+              <a:buClrTx/>
+              <a:buSzTx/>
+              <a:buFontTx/>
+              <a:buNone/>
+              <a:tabLst/>
+              <a:defRPr/>
+            </a:pPr>
+            <a:r>
+              <a:rPr kumimoji="1" lang="en" altLang="zh-TW" sz="1200" b="0" i="0" u="none" strike="noStrike" kern="1200" cap="none" spc="0" normalizeH="0" baseline="0" noProof="0" dirty="0">
+                <a:ln>
+                  <a:noFill/>
+                </a:ln>
+                <a:solidFill>
+                  <a:prstClr val="black"/>
+                </a:solidFill>
+                <a:effectLst/>
+                <a:uLnTx/>
+                <a:uFillTx/>
+                <a:latin typeface="Menlo" panose="020B0609030804020204" pitchFamily="49" charset="0"/>
+                <a:ea typeface="Menlo" panose="020B0609030804020204" pitchFamily="49" charset="0"/>
+                <a:cs typeface="Menlo" panose="020B0609030804020204" pitchFamily="49" charset="0"/>
+              </a:rPr>
+              <a:t>            print('IMPOSSIBLE')</a:t>
+            </a:r>
+          </a:p>
+          <a:p>
+            <a:pPr marL="0" marR="0" lvl="0" indent="0" algn="l" defTabSz="914400" rtl="0" eaLnBrk="1" fontAlgn="auto" latinLnBrk="0" hangingPunct="1">
+              <a:lnSpc>
+                <a:spcPct val="100000"/>
+              </a:lnSpc>
+              <a:spcBef>
+                <a:spcPts val="0"/>
+              </a:spcBef>
+              <a:spcAft>
+                <a:spcPts val="0"/>
+              </a:spcAft>
+              <a:buClrTx/>
+              <a:buSzTx/>
+              <a:buFontTx/>
+              <a:buNone/>
+              <a:tabLst/>
+              <a:defRPr/>
+            </a:pPr>
+            <a:r>
+              <a:rPr kumimoji="1" lang="en" altLang="zh-TW" sz="1200" b="0" i="0" u="none" strike="noStrike" kern="1200" cap="none" spc="0" normalizeH="0" baseline="0" noProof="0" dirty="0">
+                <a:ln>
+                  <a:noFill/>
+                </a:ln>
+                <a:solidFill>
+                  <a:prstClr val="black"/>
+                </a:solidFill>
+                <a:effectLst/>
+                <a:uLnTx/>
+                <a:uFillTx/>
+                <a:latin typeface="Menlo" panose="020B0609030804020204" pitchFamily="49" charset="0"/>
+                <a:ea typeface="Menlo" panose="020B0609030804020204" pitchFamily="49" charset="0"/>
+                <a:cs typeface="Menlo" panose="020B0609030804020204" pitchFamily="49" charset="0"/>
+              </a:rPr>
+              <a:t>    except:</a:t>
+            </a:r>
+          </a:p>
+          <a:p>
+            <a:pPr marL="0" marR="0" lvl="0" indent="0" algn="l" defTabSz="914400" rtl="0" eaLnBrk="1" fontAlgn="auto" latinLnBrk="0" hangingPunct="1">
+              <a:lnSpc>
+                <a:spcPct val="100000"/>
+              </a:lnSpc>
+              <a:spcBef>
+                <a:spcPts val="0"/>
+              </a:spcBef>
+              <a:spcAft>
+                <a:spcPts val="0"/>
+              </a:spcAft>
+              <a:buClrTx/>
+              <a:buSzTx/>
+              <a:buFontTx/>
+              <a:buNone/>
+              <a:tabLst/>
+              <a:defRPr/>
+            </a:pPr>
+            <a:r>
+              <a:rPr kumimoji="1" lang="en" altLang="zh-TW" sz="1200" b="0" i="0" u="none" strike="noStrike" kern="1200" cap="none" spc="0" normalizeH="0" baseline="0" noProof="0" dirty="0">
+                <a:ln>
+                  <a:noFill/>
+                </a:ln>
+                <a:solidFill>
+                  <a:prstClr val="black"/>
+                </a:solidFill>
+                <a:effectLst/>
+                <a:uLnTx/>
+                <a:uFillTx/>
+                <a:latin typeface="Menlo" panose="020B0609030804020204" pitchFamily="49" charset="0"/>
+                <a:ea typeface="Menlo" panose="020B0609030804020204" pitchFamily="49" charset="0"/>
+                <a:cs typeface="Menlo" panose="020B0609030804020204" pitchFamily="49" charset="0"/>
+              </a:rPr>
+              <a:t>        break</a:t>
+            </a:r>
+            <a:endParaRPr kumimoji="1" lang="zh-TW" altLang="en-US" sz="1200" b="0" i="0" u="none" strike="noStrike" kern="1200" cap="none" spc="0" normalizeH="0" baseline="0" noProof="0" dirty="0">
+              <a:ln>
+                <a:noFill/>
+              </a:ln>
+              <a:solidFill>
+                <a:prstClr val="black"/>
+              </a:solidFill>
+              <a:effectLst/>
+              <a:uLnTx/>
+              <a:uFillTx/>
+              <a:latin typeface="Menlo" panose="020B0609030804020204" pitchFamily="49" charset="0"/>
+              <a:ea typeface="標楷體" panose="02010601000101010101" pitchFamily="2" charset="-120"/>
+              <a:cs typeface="Menlo" panose="020B0609030804020204" pitchFamily="49" charset="0"/>
+            </a:endParaRPr>
+          </a:p>
+        </p:txBody>
+      </p:sp>
+    </p:spTree>
+    <p:extLst>
+      <p:ext uri="{BB962C8B-B14F-4D97-AF65-F5344CB8AC3E}">
+        <p14:creationId xmlns:p14="http://schemas.microsoft.com/office/powerpoint/2010/main" val="3135648737"/>
+      </p:ext>
+    </p:extLst>
+  </p:cSld>
+  <p:clrMapOvr>
+    <a:masterClrMapping/>
+  </p:clrMapOvr>
+</p:sld>
+</file>
+
+<file path=ppt/slides/slide8.xml><?xml version="1.0" encoding="utf-8"?>
+<p:sld xmlns:a="http://schemas.openxmlformats.org/drawingml/2006/main" xmlns:r="http://schemas.openxmlformats.org/officeDocument/2006/relationships" xmlns:p="http://schemas.openxmlformats.org/presentationml/2006/main">
+  <p:cSld>
+    <p:spTree>
+      <p:nvGrpSpPr>
+        <p:cNvPr id="1" name=""/>
+        <p:cNvGrpSpPr/>
+        <p:nvPr/>
+      </p:nvGrpSpPr>
+      <p:grpSpPr>
+        <a:xfrm>
+          <a:off x="0" y="0"/>
+          <a:ext cx="0" cy="0"/>
+          <a:chOff x="0" y="0"/>
+          <a:chExt cx="0" cy="0"/>
+        </a:xfrm>
+      </p:grpSpPr>
+      <p:sp>
+        <p:nvSpPr>
+          <p:cNvPr id="4" name="標題 3">
+            <a:extLst>
+              <a:ext uri="{FF2B5EF4-FFF2-40B4-BE49-F238E27FC236}">
+                <a16:creationId xmlns:a16="http://schemas.microsoft.com/office/drawing/2014/main" id="{FB04F99A-9FC0-4E48-8CA5-955950866EE7}"/>
+              </a:ext>
+            </a:extLst>
+          </p:cNvPr>
+          <p:cNvSpPr>
+            <a:spLocks noGrp="1"/>
+          </p:cNvSpPr>
+          <p:nvPr>
+            <p:ph type="title"/>
+          </p:nvPr>
+        </p:nvSpPr>
+        <p:spPr>
+          <a:xfrm>
+            <a:off x="1066800" y="0"/>
+            <a:ext cx="10058400" cy="3037490"/>
+          </a:xfrm>
+        </p:spPr>
+        <p:txBody>
+          <a:bodyPr>
+            <a:normAutofit/>
+          </a:bodyPr>
+          <a:lstStyle/>
+          <a:p>
+            <a:r>
+              <a:rPr kumimoji="1" lang="en-US" altLang="zh-TW" sz="4000" dirty="0"/>
+              <a:t>APCS</a:t>
+            </a:r>
+            <a:r>
+              <a:rPr kumimoji="1" lang="zh-TW" altLang="en-US" sz="4000" dirty="0"/>
+              <a:t> </a:t>
+            </a:r>
+            <a:r>
+              <a:rPr lang="en-US" altLang="zh-TW" sz="4000" dirty="0"/>
+              <a:t>2017</a:t>
+            </a:r>
+            <a:r>
+              <a:rPr lang="zh-TW" altLang="zh-TW" sz="4000" dirty="0"/>
+              <a:t>年</a:t>
+            </a:r>
+            <a:r>
+              <a:rPr lang="en-US" altLang="zh-TW" sz="4000" dirty="0"/>
+              <a:t>10</a:t>
+            </a:r>
+            <a:r>
+              <a:rPr lang="zh-TW" altLang="zh-TW" sz="4000" dirty="0"/>
+              <a:t>月 </a:t>
+            </a:r>
+            <a:r>
+              <a:rPr lang="en-US" altLang="zh-TW" sz="4000" dirty="0"/>
+              <a:t>#2</a:t>
+            </a:r>
+            <a:br>
+              <a:rPr lang="en-US" altLang="zh-TW" sz="4000" dirty="0"/>
+            </a:br>
+            <a:r>
+              <a:rPr lang="zh-TW" altLang="en-US" sz="4000" dirty="0"/>
+              <a:t>交錯字串</a:t>
+            </a:r>
+            <a:br>
+              <a:rPr lang="en-US" altLang="zh-TW" sz="4000" dirty="0"/>
+            </a:br>
+            <a:r>
+              <a:rPr lang="en-US" altLang="zh-TW" sz="4000" dirty="0"/>
+              <a:t>(</a:t>
+            </a:r>
+            <a:r>
+              <a:rPr lang="en" altLang="zh-TW" sz="4000" dirty="0"/>
+              <a:t>Alternating Strings)</a:t>
+            </a:r>
+            <a:endParaRPr kumimoji="1" lang="zh-TW" altLang="en-US" sz="4000" dirty="0"/>
+          </a:p>
+        </p:txBody>
+      </p:sp>
+      <p:sp>
+        <p:nvSpPr>
+          <p:cNvPr id="2" name="文字方塊 1">
+            <a:extLst>
+              <a:ext uri="{FF2B5EF4-FFF2-40B4-BE49-F238E27FC236}">
+                <a16:creationId xmlns:a16="http://schemas.microsoft.com/office/drawing/2014/main" id="{83452C11-078B-2E4D-95DF-37F8A7062508}"/>
+              </a:ext>
+            </a:extLst>
+          </p:cNvPr>
+          <p:cNvSpPr txBox="1"/>
+          <p:nvPr/>
+        </p:nvSpPr>
+        <p:spPr>
+          <a:xfrm>
+            <a:off x="5602013" y="210207"/>
+            <a:ext cx="5769528" cy="6124754"/>
+          </a:xfrm>
+          <a:prstGeom prst="rect">
+            <a:avLst/>
+          </a:prstGeom>
+          <a:noFill/>
+          <a:ln>
+            <a:solidFill>
+              <a:schemeClr val="accent1"/>
+            </a:solidFill>
+          </a:ln>
+        </p:spPr>
+        <p:txBody>
+          <a:bodyPr wrap="none" rtlCol="0">
+            <a:spAutoFit/>
+          </a:bodyPr>
+          <a:lstStyle/>
+          <a:p>
+            <a:pPr marL="0" marR="0" lvl="0" indent="0" algn="l" defTabSz="914400" rtl="0" eaLnBrk="1" fontAlgn="auto" latinLnBrk="0" hangingPunct="1">
+              <a:lnSpc>
+                <a:spcPct val="100000"/>
+              </a:lnSpc>
+              <a:spcBef>
+                <a:spcPts val="0"/>
+              </a:spcBef>
+              <a:spcAft>
+                <a:spcPts val="0"/>
+              </a:spcAft>
+              <a:buClrTx/>
+              <a:buSzTx/>
+              <a:buFontTx/>
+              <a:buNone/>
+              <a:tabLst/>
+              <a:defRPr/>
+            </a:pPr>
+            <a:r>
+              <a:rPr kumimoji="1" lang="en" altLang="zh-TW" sz="1400" b="0" i="0" u="none" strike="noStrike" kern="1200" cap="none" spc="0" normalizeH="0" baseline="0" noProof="0" dirty="0">
+                <a:ln>
+                  <a:noFill/>
+                </a:ln>
+                <a:solidFill>
+                  <a:prstClr val="black"/>
+                </a:solidFill>
+                <a:effectLst/>
+                <a:uLnTx/>
+                <a:uFillTx/>
+                <a:latin typeface="Menlo" panose="020B0609030804020204" pitchFamily="49" charset="0"/>
+                <a:ea typeface="Menlo" panose="020B0609030804020204" pitchFamily="49" charset="0"/>
+                <a:cs typeface="Menlo" panose="020B0609030804020204" pitchFamily="49" charset="0"/>
+              </a:rPr>
+              <a:t>﻿while True:</a:t>
+            </a:r>
+          </a:p>
+          <a:p>
+            <a:pPr marL="0" marR="0" lvl="0" indent="0" algn="l" defTabSz="914400" rtl="0" eaLnBrk="1" fontAlgn="auto" latinLnBrk="0" hangingPunct="1">
+              <a:lnSpc>
+                <a:spcPct val="100000"/>
+              </a:lnSpc>
+              <a:spcBef>
+                <a:spcPts val="0"/>
+              </a:spcBef>
+              <a:spcAft>
+                <a:spcPts val="0"/>
+              </a:spcAft>
+              <a:buClrTx/>
+              <a:buSzTx/>
+              <a:buFontTx/>
+              <a:buNone/>
+              <a:tabLst/>
+              <a:defRPr/>
+            </a:pPr>
+            <a:r>
+              <a:rPr kumimoji="1" lang="en" altLang="zh-TW" sz="1400" b="0" i="0" u="none" strike="noStrike" kern="1200" cap="none" spc="0" normalizeH="0" baseline="0" noProof="0" dirty="0">
+                <a:ln>
+                  <a:noFill/>
+                </a:ln>
+                <a:solidFill>
+                  <a:prstClr val="black"/>
+                </a:solidFill>
+                <a:effectLst/>
+                <a:uLnTx/>
+                <a:uFillTx/>
+                <a:latin typeface="Menlo" panose="020B0609030804020204" pitchFamily="49" charset="0"/>
+                <a:ea typeface="Menlo" panose="020B0609030804020204" pitchFamily="49" charset="0"/>
+                <a:cs typeface="Menlo" panose="020B0609030804020204" pitchFamily="49" charset="0"/>
+              </a:rPr>
+              <a:t>    try:</a:t>
+            </a:r>
+          </a:p>
+          <a:p>
+            <a:pPr marL="0" marR="0" lvl="0" indent="0" algn="l" defTabSz="914400" rtl="0" eaLnBrk="1" fontAlgn="auto" latinLnBrk="0" hangingPunct="1">
+              <a:lnSpc>
+                <a:spcPct val="100000"/>
+              </a:lnSpc>
+              <a:spcBef>
+                <a:spcPts val="0"/>
+              </a:spcBef>
+              <a:spcAft>
+                <a:spcPts val="0"/>
+              </a:spcAft>
+              <a:buClrTx/>
+              <a:buSzTx/>
+              <a:buFontTx/>
+              <a:buNone/>
+              <a:tabLst/>
+              <a:defRPr/>
+            </a:pPr>
+            <a:r>
+              <a:rPr kumimoji="1" lang="en" altLang="zh-TW" sz="1400" b="0" i="0" u="none" strike="noStrike" kern="1200" cap="none" spc="0" normalizeH="0" baseline="0" noProof="0" dirty="0">
+                <a:ln>
+                  <a:noFill/>
+                </a:ln>
+                <a:solidFill>
+                  <a:prstClr val="black"/>
+                </a:solidFill>
+                <a:effectLst/>
+                <a:uLnTx/>
+                <a:uFillTx/>
+                <a:latin typeface="Menlo" panose="020B0609030804020204" pitchFamily="49" charset="0"/>
+                <a:ea typeface="Menlo" panose="020B0609030804020204" pitchFamily="49" charset="0"/>
+                <a:cs typeface="Menlo" panose="020B0609030804020204" pitchFamily="49" charset="0"/>
+              </a:rPr>
+              <a:t>        k = int(input())</a:t>
+            </a:r>
+          </a:p>
+          <a:p>
+            <a:pPr marL="0" marR="0" lvl="0" indent="0" algn="l" defTabSz="914400" rtl="0" eaLnBrk="1" fontAlgn="auto" latinLnBrk="0" hangingPunct="1">
+              <a:lnSpc>
+                <a:spcPct val="100000"/>
+              </a:lnSpc>
+              <a:spcBef>
+                <a:spcPts val="0"/>
+              </a:spcBef>
+              <a:spcAft>
+                <a:spcPts val="0"/>
+              </a:spcAft>
+              <a:buClrTx/>
+              <a:buSzTx/>
+              <a:buFontTx/>
+              <a:buNone/>
+              <a:tabLst/>
+              <a:defRPr/>
+            </a:pPr>
+            <a:r>
+              <a:rPr kumimoji="1" lang="en" altLang="zh-TW" sz="1400" b="0" i="0" u="none" strike="noStrike" kern="1200" cap="none" spc="0" normalizeH="0" baseline="0" noProof="0" dirty="0">
+                <a:ln>
+                  <a:noFill/>
+                </a:ln>
+                <a:solidFill>
+                  <a:prstClr val="black"/>
+                </a:solidFill>
+                <a:effectLst/>
+                <a:uLnTx/>
+                <a:uFillTx/>
+                <a:latin typeface="Menlo" panose="020B0609030804020204" pitchFamily="49" charset="0"/>
+                <a:ea typeface="Menlo" panose="020B0609030804020204" pitchFamily="49" charset="0"/>
+                <a:cs typeface="Menlo" panose="020B0609030804020204" pitchFamily="49" charset="0"/>
+              </a:rPr>
+              <a:t>        S = list(input())</a:t>
+            </a:r>
+          </a:p>
+          <a:p>
+            <a:pPr marL="0" marR="0" lvl="0" indent="0" algn="l" defTabSz="914400" rtl="0" eaLnBrk="1" fontAlgn="auto" latinLnBrk="0" hangingPunct="1">
+              <a:lnSpc>
+                <a:spcPct val="100000"/>
+              </a:lnSpc>
+              <a:spcBef>
+                <a:spcPts val="0"/>
+              </a:spcBef>
+              <a:spcAft>
+                <a:spcPts val="0"/>
+              </a:spcAft>
+              <a:buClrTx/>
+              <a:buSzTx/>
+              <a:buFontTx/>
+              <a:buNone/>
+              <a:tabLst/>
+              <a:defRPr/>
+            </a:pPr>
+            <a:r>
+              <a:rPr kumimoji="1" lang="en" altLang="zh-TW" sz="1400" b="0" i="0" u="none" strike="noStrike" kern="1200" cap="none" spc="0" normalizeH="0" baseline="0" noProof="0" dirty="0">
+                <a:ln>
+                  <a:noFill/>
+                </a:ln>
+                <a:solidFill>
+                  <a:prstClr val="black"/>
+                </a:solidFill>
+                <a:effectLst/>
+                <a:uLnTx/>
+                <a:uFillTx/>
+                <a:latin typeface="Menlo" panose="020B0609030804020204" pitchFamily="49" charset="0"/>
+                <a:ea typeface="Menlo" panose="020B0609030804020204" pitchFamily="49" charset="0"/>
+                <a:cs typeface="Menlo" panose="020B0609030804020204" pitchFamily="49" charset="0"/>
+              </a:rPr>
+              <a:t>        S = ['1' if </a:t>
+            </a:r>
+            <a:r>
+              <a:rPr kumimoji="1" lang="en" altLang="zh-TW" sz="1400" b="0" i="0" u="none" strike="noStrike" kern="1200" cap="none" spc="0" normalizeH="0" baseline="0" noProof="0" dirty="0" err="1">
+                <a:ln>
+                  <a:noFill/>
+                </a:ln>
+                <a:solidFill>
+                  <a:prstClr val="black"/>
+                </a:solidFill>
+                <a:effectLst/>
+                <a:uLnTx/>
+                <a:uFillTx/>
+                <a:latin typeface="Menlo" panose="020B0609030804020204" pitchFamily="49" charset="0"/>
+                <a:ea typeface="Menlo" panose="020B0609030804020204" pitchFamily="49" charset="0"/>
+                <a:cs typeface="Menlo" panose="020B0609030804020204" pitchFamily="49" charset="0"/>
+              </a:rPr>
+              <a:t>c.isupper</a:t>
+            </a:r>
+            <a:r>
+              <a:rPr kumimoji="1" lang="en" altLang="zh-TW" sz="1400" b="0" i="0" u="none" strike="noStrike" kern="1200" cap="none" spc="0" normalizeH="0" baseline="0" noProof="0" dirty="0">
+                <a:ln>
+                  <a:noFill/>
+                </a:ln>
+                <a:solidFill>
+                  <a:prstClr val="black"/>
+                </a:solidFill>
+                <a:effectLst/>
+                <a:uLnTx/>
+                <a:uFillTx/>
+                <a:latin typeface="Menlo" panose="020B0609030804020204" pitchFamily="49" charset="0"/>
+                <a:ea typeface="Menlo" panose="020B0609030804020204" pitchFamily="49" charset="0"/>
+                <a:cs typeface="Menlo" panose="020B0609030804020204" pitchFamily="49" charset="0"/>
+              </a:rPr>
+              <a:t>() else '0' for c in S]</a:t>
+            </a:r>
+          </a:p>
+          <a:p>
+            <a:pPr marL="0" marR="0" lvl="0" indent="0" algn="l" defTabSz="914400" rtl="0" eaLnBrk="1" fontAlgn="auto" latinLnBrk="0" hangingPunct="1">
+              <a:lnSpc>
+                <a:spcPct val="100000"/>
+              </a:lnSpc>
+              <a:spcBef>
+                <a:spcPts val="0"/>
+              </a:spcBef>
+              <a:spcAft>
+                <a:spcPts val="0"/>
+              </a:spcAft>
+              <a:buClrTx/>
+              <a:buSzTx/>
+              <a:buFontTx/>
+              <a:buNone/>
+              <a:tabLst/>
+              <a:defRPr/>
+            </a:pPr>
+            <a:r>
+              <a:rPr kumimoji="1" lang="en" altLang="zh-TW" sz="1400" b="0" i="0" u="none" strike="noStrike" kern="1200" cap="none" spc="0" normalizeH="0" baseline="0" noProof="0" dirty="0">
+                <a:ln>
+                  <a:noFill/>
+                </a:ln>
+                <a:solidFill>
+                  <a:prstClr val="black"/>
+                </a:solidFill>
+                <a:effectLst/>
+                <a:uLnTx/>
+                <a:uFillTx/>
+                <a:latin typeface="Menlo" panose="020B0609030804020204" pitchFamily="49" charset="0"/>
+                <a:ea typeface="Menlo" panose="020B0609030804020204" pitchFamily="49" charset="0"/>
+                <a:cs typeface="Menlo" panose="020B0609030804020204" pitchFamily="49" charset="0"/>
+              </a:rPr>
+              <a:t>        S = ''.join(S)</a:t>
+            </a:r>
+          </a:p>
+          <a:p>
+            <a:pPr marL="0" marR="0" lvl="0" indent="0" algn="l" defTabSz="914400" rtl="0" eaLnBrk="1" fontAlgn="auto" latinLnBrk="0" hangingPunct="1">
+              <a:lnSpc>
+                <a:spcPct val="100000"/>
+              </a:lnSpc>
+              <a:spcBef>
+                <a:spcPts val="0"/>
+              </a:spcBef>
+              <a:spcAft>
+                <a:spcPts val="0"/>
+              </a:spcAft>
+              <a:buClrTx/>
+              <a:buSzTx/>
+              <a:buFontTx/>
+              <a:buNone/>
+              <a:tabLst/>
+              <a:defRPr/>
+            </a:pPr>
+            <a:endParaRPr kumimoji="1" lang="en" altLang="zh-TW" sz="1400" b="0" i="0" u="none" strike="noStrike" kern="1200" cap="none" spc="0" normalizeH="0" baseline="0" noProof="0" dirty="0">
+              <a:ln>
+                <a:noFill/>
+              </a:ln>
+              <a:solidFill>
+                <a:prstClr val="black"/>
+              </a:solidFill>
+              <a:effectLst/>
+              <a:uLnTx/>
+              <a:uFillTx/>
+              <a:latin typeface="Menlo" panose="020B0609030804020204" pitchFamily="49" charset="0"/>
+              <a:ea typeface="Menlo" panose="020B0609030804020204" pitchFamily="49" charset="0"/>
+              <a:cs typeface="Menlo" panose="020B0609030804020204" pitchFamily="49" charset="0"/>
+            </a:endParaRPr>
+          </a:p>
+          <a:p>
+            <a:pPr marL="0" marR="0" lvl="0" indent="0" algn="l" defTabSz="914400" rtl="0" eaLnBrk="1" fontAlgn="auto" latinLnBrk="0" hangingPunct="1">
+              <a:lnSpc>
+                <a:spcPct val="100000"/>
+              </a:lnSpc>
+              <a:spcBef>
+                <a:spcPts val="0"/>
+              </a:spcBef>
+              <a:spcAft>
+                <a:spcPts val="0"/>
+              </a:spcAft>
+              <a:buClrTx/>
+              <a:buSzTx/>
+              <a:buFontTx/>
+              <a:buNone/>
+              <a:tabLst/>
+              <a:defRPr/>
+            </a:pPr>
+            <a:r>
+              <a:rPr kumimoji="1" lang="en" altLang="zh-TW" sz="1400" b="0" i="0" u="none" strike="noStrike" kern="1200" cap="none" spc="0" normalizeH="0" baseline="0" noProof="0" dirty="0">
+                <a:ln>
+                  <a:noFill/>
+                </a:ln>
+                <a:solidFill>
+                  <a:prstClr val="black"/>
+                </a:solidFill>
+                <a:effectLst/>
+                <a:uLnTx/>
+                <a:uFillTx/>
+                <a:latin typeface="Menlo" panose="020B0609030804020204" pitchFamily="49" charset="0"/>
+                <a:ea typeface="Menlo" panose="020B0609030804020204" pitchFamily="49" charset="0"/>
+                <a:cs typeface="Menlo" panose="020B0609030804020204" pitchFamily="49" charset="0"/>
+              </a:rPr>
+              <a:t>        length = 0</a:t>
+            </a:r>
+          </a:p>
+          <a:p>
+            <a:pPr marL="0" marR="0" lvl="0" indent="0" algn="l" defTabSz="914400" rtl="0" eaLnBrk="1" fontAlgn="auto" latinLnBrk="0" hangingPunct="1">
+              <a:lnSpc>
+                <a:spcPct val="100000"/>
+              </a:lnSpc>
+              <a:spcBef>
+                <a:spcPts val="0"/>
+              </a:spcBef>
+              <a:spcAft>
+                <a:spcPts val="0"/>
+              </a:spcAft>
+              <a:buClrTx/>
+              <a:buSzTx/>
+              <a:buFontTx/>
+              <a:buNone/>
+              <a:tabLst/>
+              <a:defRPr/>
+            </a:pPr>
+            <a:r>
+              <a:rPr kumimoji="1" lang="en" altLang="zh-TW" sz="1400" b="0" i="0" u="none" strike="noStrike" kern="1200" cap="none" spc="0" normalizeH="0" baseline="0" noProof="0" dirty="0">
+                <a:ln>
+                  <a:noFill/>
+                </a:ln>
+                <a:solidFill>
+                  <a:prstClr val="black"/>
+                </a:solidFill>
+                <a:effectLst/>
+                <a:uLnTx/>
+                <a:uFillTx/>
+                <a:latin typeface="Menlo" panose="020B0609030804020204" pitchFamily="49" charset="0"/>
+                <a:ea typeface="Menlo" panose="020B0609030804020204" pitchFamily="49" charset="0"/>
+                <a:cs typeface="Menlo" panose="020B0609030804020204" pitchFamily="49" charset="0"/>
+              </a:rPr>
+              <a:t>        t = 0</a:t>
+            </a:r>
+          </a:p>
+          <a:p>
+            <a:pPr marL="0" marR="0" lvl="0" indent="0" algn="l" defTabSz="914400" rtl="0" eaLnBrk="1" fontAlgn="auto" latinLnBrk="0" hangingPunct="1">
+              <a:lnSpc>
+                <a:spcPct val="100000"/>
+              </a:lnSpc>
+              <a:spcBef>
+                <a:spcPts val="0"/>
+              </a:spcBef>
+              <a:spcAft>
+                <a:spcPts val="0"/>
+              </a:spcAft>
+              <a:buClrTx/>
+              <a:buSzTx/>
+              <a:buFontTx/>
+              <a:buNone/>
+              <a:tabLst/>
+              <a:defRPr/>
+            </a:pPr>
+            <a:r>
+              <a:rPr kumimoji="1" lang="en" altLang="zh-TW" sz="1400" b="0" i="0" u="none" strike="noStrike" kern="1200" cap="none" spc="0" normalizeH="0" baseline="0" noProof="0" dirty="0">
+                <a:ln>
+                  <a:noFill/>
+                </a:ln>
+                <a:solidFill>
+                  <a:prstClr val="black"/>
+                </a:solidFill>
+                <a:effectLst/>
+                <a:uLnTx/>
+                <a:uFillTx/>
+                <a:latin typeface="Menlo" panose="020B0609030804020204" pitchFamily="49" charset="0"/>
+                <a:ea typeface="Menlo" panose="020B0609030804020204" pitchFamily="49" charset="0"/>
+                <a:cs typeface="Menlo" panose="020B0609030804020204" pitchFamily="49" charset="0"/>
+              </a:rPr>
+              <a:t>        token = str(t) * k</a:t>
+            </a:r>
+          </a:p>
+          <a:p>
+            <a:pPr marL="0" marR="0" lvl="0" indent="0" algn="l" defTabSz="914400" rtl="0" eaLnBrk="1" fontAlgn="auto" latinLnBrk="0" hangingPunct="1">
+              <a:lnSpc>
+                <a:spcPct val="100000"/>
+              </a:lnSpc>
+              <a:spcBef>
+                <a:spcPts val="0"/>
+              </a:spcBef>
+              <a:spcAft>
+                <a:spcPts val="0"/>
+              </a:spcAft>
+              <a:buClrTx/>
+              <a:buSzTx/>
+              <a:buFontTx/>
+              <a:buNone/>
+              <a:tabLst/>
+              <a:defRPr/>
+            </a:pPr>
+            <a:r>
+              <a:rPr kumimoji="1" lang="en" altLang="zh-TW" sz="1400" b="0" i="0" u="none" strike="noStrike" kern="1200" cap="none" spc="0" normalizeH="0" baseline="0" noProof="0" dirty="0">
+                <a:ln>
+                  <a:noFill/>
+                </a:ln>
+                <a:solidFill>
+                  <a:prstClr val="black"/>
+                </a:solidFill>
+                <a:effectLst/>
+                <a:uLnTx/>
+                <a:uFillTx/>
+                <a:latin typeface="Menlo" panose="020B0609030804020204" pitchFamily="49" charset="0"/>
+                <a:ea typeface="Menlo" panose="020B0609030804020204" pitchFamily="49" charset="0"/>
+                <a:cs typeface="Menlo" panose="020B0609030804020204" pitchFamily="49" charset="0"/>
+              </a:rPr>
+              <a:t>        while token in S:</a:t>
+            </a:r>
+          </a:p>
+          <a:p>
+            <a:pPr marL="0" marR="0" lvl="0" indent="0" algn="l" defTabSz="914400" rtl="0" eaLnBrk="1" fontAlgn="auto" latinLnBrk="0" hangingPunct="1">
+              <a:lnSpc>
+                <a:spcPct val="100000"/>
+              </a:lnSpc>
+              <a:spcBef>
+                <a:spcPts val="0"/>
+              </a:spcBef>
+              <a:spcAft>
+                <a:spcPts val="0"/>
+              </a:spcAft>
+              <a:buClrTx/>
+              <a:buSzTx/>
+              <a:buFontTx/>
+              <a:buNone/>
+              <a:tabLst/>
+              <a:defRPr/>
+            </a:pPr>
+            <a:r>
+              <a:rPr kumimoji="1" lang="en" altLang="zh-TW" sz="1400" b="0" i="0" u="none" strike="noStrike" kern="1200" cap="none" spc="0" normalizeH="0" baseline="0" noProof="0" dirty="0">
+                <a:ln>
+                  <a:noFill/>
+                </a:ln>
+                <a:solidFill>
+                  <a:prstClr val="black"/>
+                </a:solidFill>
+                <a:effectLst/>
+                <a:uLnTx/>
+                <a:uFillTx/>
+                <a:latin typeface="Menlo" panose="020B0609030804020204" pitchFamily="49" charset="0"/>
+                <a:ea typeface="Menlo" panose="020B0609030804020204" pitchFamily="49" charset="0"/>
+                <a:cs typeface="Menlo" panose="020B0609030804020204" pitchFamily="49" charset="0"/>
+              </a:rPr>
+              <a:t>            length += k</a:t>
+            </a:r>
+          </a:p>
+          <a:p>
+            <a:pPr marL="0" marR="0" lvl="0" indent="0" algn="l" defTabSz="914400" rtl="0" eaLnBrk="1" fontAlgn="auto" latinLnBrk="0" hangingPunct="1">
+              <a:lnSpc>
+                <a:spcPct val="100000"/>
+              </a:lnSpc>
+              <a:spcBef>
+                <a:spcPts val="0"/>
+              </a:spcBef>
+              <a:spcAft>
+                <a:spcPts val="0"/>
+              </a:spcAft>
+              <a:buClrTx/>
+              <a:buSzTx/>
+              <a:buFontTx/>
+              <a:buNone/>
+              <a:tabLst/>
+              <a:defRPr/>
+            </a:pPr>
+            <a:r>
+              <a:rPr kumimoji="1" lang="en" altLang="zh-TW" sz="1400" b="0" i="0" u="none" strike="noStrike" kern="1200" cap="none" spc="0" normalizeH="0" baseline="0" noProof="0" dirty="0">
+                <a:ln>
+                  <a:noFill/>
+                </a:ln>
+                <a:solidFill>
+                  <a:prstClr val="black"/>
+                </a:solidFill>
+                <a:effectLst/>
+                <a:uLnTx/>
+                <a:uFillTx/>
+                <a:latin typeface="Menlo" panose="020B0609030804020204" pitchFamily="49" charset="0"/>
+                <a:ea typeface="Menlo" panose="020B0609030804020204" pitchFamily="49" charset="0"/>
+                <a:cs typeface="Menlo" panose="020B0609030804020204" pitchFamily="49" charset="0"/>
+              </a:rPr>
+              <a:t>            t = (t+1) % 2</a:t>
+            </a:r>
+          </a:p>
+          <a:p>
+            <a:pPr marL="0" marR="0" lvl="0" indent="0" algn="l" defTabSz="914400" rtl="0" eaLnBrk="1" fontAlgn="auto" latinLnBrk="0" hangingPunct="1">
+              <a:lnSpc>
+                <a:spcPct val="100000"/>
+              </a:lnSpc>
+              <a:spcBef>
+                <a:spcPts val="0"/>
+              </a:spcBef>
+              <a:spcAft>
+                <a:spcPts val="0"/>
+              </a:spcAft>
+              <a:buClrTx/>
+              <a:buSzTx/>
+              <a:buFontTx/>
+              <a:buNone/>
+              <a:tabLst/>
+              <a:defRPr/>
+            </a:pPr>
+            <a:r>
+              <a:rPr kumimoji="1" lang="en" altLang="zh-TW" sz="1400" b="0" i="0" u="none" strike="noStrike" kern="1200" cap="none" spc="0" normalizeH="0" baseline="0" noProof="0" dirty="0">
+                <a:ln>
+                  <a:noFill/>
+                </a:ln>
+                <a:solidFill>
+                  <a:prstClr val="black"/>
+                </a:solidFill>
+                <a:effectLst/>
+                <a:uLnTx/>
+                <a:uFillTx/>
+                <a:latin typeface="Menlo" panose="020B0609030804020204" pitchFamily="49" charset="0"/>
+                <a:ea typeface="Menlo" panose="020B0609030804020204" pitchFamily="49" charset="0"/>
+                <a:cs typeface="Menlo" panose="020B0609030804020204" pitchFamily="49" charset="0"/>
+              </a:rPr>
+              <a:t>            token += str(t) * k</a:t>
+            </a:r>
+          </a:p>
+          <a:p>
+            <a:pPr marL="0" marR="0" lvl="0" indent="0" algn="l" defTabSz="914400" rtl="0" eaLnBrk="1" fontAlgn="auto" latinLnBrk="0" hangingPunct="1">
+              <a:lnSpc>
+                <a:spcPct val="100000"/>
+              </a:lnSpc>
+              <a:spcBef>
+                <a:spcPts val="0"/>
+              </a:spcBef>
+              <a:spcAft>
+                <a:spcPts val="0"/>
+              </a:spcAft>
+              <a:buClrTx/>
+              <a:buSzTx/>
+              <a:buFontTx/>
+              <a:buNone/>
+              <a:tabLst/>
+              <a:defRPr/>
+            </a:pPr>
+            <a:r>
+              <a:rPr kumimoji="1" lang="en" altLang="zh-TW" sz="1400" b="0" i="0" u="none" strike="noStrike" kern="1200" cap="none" spc="0" normalizeH="0" baseline="0" noProof="0" dirty="0">
+                <a:ln>
+                  <a:noFill/>
+                </a:ln>
+                <a:solidFill>
+                  <a:prstClr val="black"/>
+                </a:solidFill>
+                <a:effectLst/>
+                <a:uLnTx/>
+                <a:uFillTx/>
+                <a:latin typeface="Menlo" panose="020B0609030804020204" pitchFamily="49" charset="0"/>
+                <a:ea typeface="Menlo" panose="020B0609030804020204" pitchFamily="49" charset="0"/>
+                <a:cs typeface="Menlo" panose="020B0609030804020204" pitchFamily="49" charset="0"/>
+              </a:rPr>
+              <a:t>        res = length</a:t>
+            </a:r>
+          </a:p>
+          <a:p>
+            <a:pPr marL="0" marR="0" lvl="0" indent="0" algn="l" defTabSz="914400" rtl="0" eaLnBrk="1" fontAlgn="auto" latinLnBrk="0" hangingPunct="1">
+              <a:lnSpc>
+                <a:spcPct val="100000"/>
+              </a:lnSpc>
+              <a:spcBef>
+                <a:spcPts val="0"/>
+              </a:spcBef>
+              <a:spcAft>
+                <a:spcPts val="0"/>
+              </a:spcAft>
+              <a:buClrTx/>
+              <a:buSzTx/>
+              <a:buFontTx/>
+              <a:buNone/>
+              <a:tabLst/>
+              <a:defRPr/>
+            </a:pPr>
+            <a:r>
+              <a:rPr kumimoji="1" lang="en" altLang="zh-TW" sz="1400" b="0" i="0" u="none" strike="noStrike" kern="1200" cap="none" spc="0" normalizeH="0" baseline="0" noProof="0" dirty="0">
+                <a:ln>
+                  <a:noFill/>
+                </a:ln>
+                <a:solidFill>
+                  <a:prstClr val="black"/>
+                </a:solidFill>
+                <a:effectLst/>
+                <a:uLnTx/>
+                <a:uFillTx/>
+                <a:latin typeface="Menlo" panose="020B0609030804020204" pitchFamily="49" charset="0"/>
+                <a:ea typeface="Menlo" panose="020B0609030804020204" pitchFamily="49" charset="0"/>
+                <a:cs typeface="Menlo" panose="020B0609030804020204" pitchFamily="49" charset="0"/>
+              </a:rPr>
+              <a:t>        </a:t>
+            </a:r>
+          </a:p>
+          <a:p>
+            <a:pPr marL="0" marR="0" lvl="0" indent="0" algn="l" defTabSz="914400" rtl="0" eaLnBrk="1" fontAlgn="auto" latinLnBrk="0" hangingPunct="1">
+              <a:lnSpc>
+                <a:spcPct val="100000"/>
+              </a:lnSpc>
+              <a:spcBef>
+                <a:spcPts val="0"/>
+              </a:spcBef>
+              <a:spcAft>
+                <a:spcPts val="0"/>
+              </a:spcAft>
+              <a:buClrTx/>
+              <a:buSzTx/>
+              <a:buFontTx/>
+              <a:buNone/>
+              <a:tabLst/>
+              <a:defRPr/>
+            </a:pPr>
+            <a:r>
+              <a:rPr kumimoji="1" lang="en" altLang="zh-TW" sz="1400" b="0" i="0" u="none" strike="noStrike" kern="1200" cap="none" spc="0" normalizeH="0" baseline="0" noProof="0" dirty="0">
+                <a:ln>
+                  <a:noFill/>
+                </a:ln>
+                <a:solidFill>
+                  <a:prstClr val="black"/>
+                </a:solidFill>
+                <a:effectLst/>
+                <a:uLnTx/>
+                <a:uFillTx/>
+                <a:latin typeface="Menlo" panose="020B0609030804020204" pitchFamily="49" charset="0"/>
+                <a:ea typeface="Menlo" panose="020B0609030804020204" pitchFamily="49" charset="0"/>
+                <a:cs typeface="Menlo" panose="020B0609030804020204" pitchFamily="49" charset="0"/>
+              </a:rPr>
+              <a:t>        length = 0</a:t>
+            </a:r>
+          </a:p>
+          <a:p>
+            <a:pPr marL="0" marR="0" lvl="0" indent="0" algn="l" defTabSz="914400" rtl="0" eaLnBrk="1" fontAlgn="auto" latinLnBrk="0" hangingPunct="1">
+              <a:lnSpc>
+                <a:spcPct val="100000"/>
+              </a:lnSpc>
+              <a:spcBef>
+                <a:spcPts val="0"/>
+              </a:spcBef>
+              <a:spcAft>
+                <a:spcPts val="0"/>
+              </a:spcAft>
+              <a:buClrTx/>
+              <a:buSzTx/>
+              <a:buFontTx/>
+              <a:buNone/>
+              <a:tabLst/>
+              <a:defRPr/>
+            </a:pPr>
+            <a:r>
+              <a:rPr kumimoji="1" lang="en" altLang="zh-TW" sz="1400" b="0" i="0" u="none" strike="noStrike" kern="1200" cap="none" spc="0" normalizeH="0" baseline="0" noProof="0" dirty="0">
+                <a:ln>
+                  <a:noFill/>
+                </a:ln>
+                <a:solidFill>
+                  <a:prstClr val="black"/>
+                </a:solidFill>
+                <a:effectLst/>
+                <a:uLnTx/>
+                <a:uFillTx/>
+                <a:latin typeface="Menlo" panose="020B0609030804020204" pitchFamily="49" charset="0"/>
+                <a:ea typeface="Menlo" panose="020B0609030804020204" pitchFamily="49" charset="0"/>
+                <a:cs typeface="Menlo" panose="020B0609030804020204" pitchFamily="49" charset="0"/>
+              </a:rPr>
+              <a:t>        t = 1</a:t>
+            </a:r>
+          </a:p>
+          <a:p>
+            <a:pPr marL="0" marR="0" lvl="0" indent="0" algn="l" defTabSz="914400" rtl="0" eaLnBrk="1" fontAlgn="auto" latinLnBrk="0" hangingPunct="1">
+              <a:lnSpc>
+                <a:spcPct val="100000"/>
+              </a:lnSpc>
+              <a:spcBef>
+                <a:spcPts val="0"/>
+              </a:spcBef>
+              <a:spcAft>
+                <a:spcPts val="0"/>
+              </a:spcAft>
+              <a:buClrTx/>
+              <a:buSzTx/>
+              <a:buFontTx/>
+              <a:buNone/>
+              <a:tabLst/>
+              <a:defRPr/>
+            </a:pPr>
+            <a:r>
+              <a:rPr kumimoji="1" lang="en" altLang="zh-TW" sz="1400" b="0" i="0" u="none" strike="noStrike" kern="1200" cap="none" spc="0" normalizeH="0" baseline="0" noProof="0" dirty="0">
+                <a:ln>
+                  <a:noFill/>
+                </a:ln>
+                <a:solidFill>
+                  <a:prstClr val="black"/>
+                </a:solidFill>
+                <a:effectLst/>
+                <a:uLnTx/>
+                <a:uFillTx/>
+                <a:latin typeface="Menlo" panose="020B0609030804020204" pitchFamily="49" charset="0"/>
+                <a:ea typeface="Menlo" panose="020B0609030804020204" pitchFamily="49" charset="0"/>
+                <a:cs typeface="Menlo" panose="020B0609030804020204" pitchFamily="49" charset="0"/>
+              </a:rPr>
+              <a:t>        token = str(t) * k</a:t>
+            </a:r>
+          </a:p>
+          <a:p>
+            <a:pPr marL="0" marR="0" lvl="0" indent="0" algn="l" defTabSz="914400" rtl="0" eaLnBrk="1" fontAlgn="auto" latinLnBrk="0" hangingPunct="1">
+              <a:lnSpc>
+                <a:spcPct val="100000"/>
+              </a:lnSpc>
+              <a:spcBef>
+                <a:spcPts val="0"/>
+              </a:spcBef>
+              <a:spcAft>
+                <a:spcPts val="0"/>
+              </a:spcAft>
+              <a:buClrTx/>
+              <a:buSzTx/>
+              <a:buFontTx/>
+              <a:buNone/>
+              <a:tabLst/>
+              <a:defRPr/>
+            </a:pPr>
+            <a:r>
+              <a:rPr kumimoji="1" lang="en" altLang="zh-TW" sz="1400" b="0" i="0" u="none" strike="noStrike" kern="1200" cap="none" spc="0" normalizeH="0" baseline="0" noProof="0" dirty="0">
+                <a:ln>
+                  <a:noFill/>
+                </a:ln>
+                <a:solidFill>
+                  <a:prstClr val="black"/>
+                </a:solidFill>
+                <a:effectLst/>
+                <a:uLnTx/>
+                <a:uFillTx/>
+                <a:latin typeface="Menlo" panose="020B0609030804020204" pitchFamily="49" charset="0"/>
+                <a:ea typeface="Menlo" panose="020B0609030804020204" pitchFamily="49" charset="0"/>
+                <a:cs typeface="Menlo" panose="020B0609030804020204" pitchFamily="49" charset="0"/>
+              </a:rPr>
+              <a:t>        while token in S:</a:t>
+            </a:r>
+          </a:p>
+          <a:p>
+            <a:pPr marL="0" marR="0" lvl="0" indent="0" algn="l" defTabSz="914400" rtl="0" eaLnBrk="1" fontAlgn="auto" latinLnBrk="0" hangingPunct="1">
+              <a:lnSpc>
+                <a:spcPct val="100000"/>
+              </a:lnSpc>
+              <a:spcBef>
+                <a:spcPts val="0"/>
+              </a:spcBef>
+              <a:spcAft>
+                <a:spcPts val="0"/>
+              </a:spcAft>
+              <a:buClrTx/>
+              <a:buSzTx/>
+              <a:buFontTx/>
+              <a:buNone/>
+              <a:tabLst/>
+              <a:defRPr/>
+            </a:pPr>
+            <a:r>
+              <a:rPr kumimoji="1" lang="en" altLang="zh-TW" sz="1400" b="0" i="0" u="none" strike="noStrike" kern="1200" cap="none" spc="0" normalizeH="0" baseline="0" noProof="0" dirty="0">
+                <a:ln>
+                  <a:noFill/>
+                </a:ln>
+                <a:solidFill>
+                  <a:prstClr val="black"/>
+                </a:solidFill>
+                <a:effectLst/>
+                <a:uLnTx/>
+                <a:uFillTx/>
+                <a:latin typeface="Menlo" panose="020B0609030804020204" pitchFamily="49" charset="0"/>
+                <a:ea typeface="Menlo" panose="020B0609030804020204" pitchFamily="49" charset="0"/>
+                <a:cs typeface="Menlo" panose="020B0609030804020204" pitchFamily="49" charset="0"/>
+              </a:rPr>
+              <a:t>            length += k</a:t>
+            </a:r>
+          </a:p>
+          <a:p>
+            <a:pPr marL="0" marR="0" lvl="0" indent="0" algn="l" defTabSz="914400" rtl="0" eaLnBrk="1" fontAlgn="auto" latinLnBrk="0" hangingPunct="1">
+              <a:lnSpc>
+                <a:spcPct val="100000"/>
+              </a:lnSpc>
+              <a:spcBef>
+                <a:spcPts val="0"/>
+              </a:spcBef>
+              <a:spcAft>
+                <a:spcPts val="0"/>
+              </a:spcAft>
+              <a:buClrTx/>
+              <a:buSzTx/>
+              <a:buFontTx/>
+              <a:buNone/>
+              <a:tabLst/>
+              <a:defRPr/>
+            </a:pPr>
+            <a:r>
+              <a:rPr kumimoji="1" lang="en" altLang="zh-TW" sz="1400" b="0" i="0" u="none" strike="noStrike" kern="1200" cap="none" spc="0" normalizeH="0" baseline="0" noProof="0" dirty="0">
+                <a:ln>
+                  <a:noFill/>
+                </a:ln>
+                <a:solidFill>
+                  <a:prstClr val="black"/>
+                </a:solidFill>
+                <a:effectLst/>
+                <a:uLnTx/>
+                <a:uFillTx/>
+                <a:latin typeface="Menlo" panose="020B0609030804020204" pitchFamily="49" charset="0"/>
+                <a:ea typeface="Menlo" panose="020B0609030804020204" pitchFamily="49" charset="0"/>
+                <a:cs typeface="Menlo" panose="020B0609030804020204" pitchFamily="49" charset="0"/>
+              </a:rPr>
+              <a:t>            t = (t+1) % 2</a:t>
+            </a:r>
+          </a:p>
+          <a:p>
+            <a:pPr marL="0" marR="0" lvl="0" indent="0" algn="l" defTabSz="914400" rtl="0" eaLnBrk="1" fontAlgn="auto" latinLnBrk="0" hangingPunct="1">
+              <a:lnSpc>
+                <a:spcPct val="100000"/>
+              </a:lnSpc>
+              <a:spcBef>
+                <a:spcPts val="0"/>
+              </a:spcBef>
+              <a:spcAft>
+                <a:spcPts val="0"/>
+              </a:spcAft>
+              <a:buClrTx/>
+              <a:buSzTx/>
+              <a:buFontTx/>
+              <a:buNone/>
+              <a:tabLst/>
+              <a:defRPr/>
+            </a:pPr>
+            <a:r>
+              <a:rPr kumimoji="1" lang="en" altLang="zh-TW" sz="1400" b="0" i="0" u="none" strike="noStrike" kern="1200" cap="none" spc="0" normalizeH="0" baseline="0" noProof="0" dirty="0">
+                <a:ln>
+                  <a:noFill/>
+                </a:ln>
+                <a:solidFill>
+                  <a:prstClr val="black"/>
+                </a:solidFill>
+                <a:effectLst/>
+                <a:uLnTx/>
+                <a:uFillTx/>
+                <a:latin typeface="Menlo" panose="020B0609030804020204" pitchFamily="49" charset="0"/>
+                <a:ea typeface="Menlo" panose="020B0609030804020204" pitchFamily="49" charset="0"/>
+                <a:cs typeface="Menlo" panose="020B0609030804020204" pitchFamily="49" charset="0"/>
+              </a:rPr>
+              <a:t>            token += str(t) * k</a:t>
+            </a:r>
+          </a:p>
+          <a:p>
+            <a:pPr marL="0" marR="0" lvl="0" indent="0" algn="l" defTabSz="914400" rtl="0" eaLnBrk="1" fontAlgn="auto" latinLnBrk="0" hangingPunct="1">
+              <a:lnSpc>
+                <a:spcPct val="100000"/>
+              </a:lnSpc>
+              <a:spcBef>
+                <a:spcPts val="0"/>
+              </a:spcBef>
+              <a:spcAft>
+                <a:spcPts val="0"/>
+              </a:spcAft>
+              <a:buClrTx/>
+              <a:buSzTx/>
+              <a:buFontTx/>
+              <a:buNone/>
+              <a:tabLst/>
+              <a:defRPr/>
+            </a:pPr>
+            <a:r>
+              <a:rPr kumimoji="1" lang="en" altLang="zh-TW" sz="1400" b="0" i="0" u="none" strike="noStrike" kern="1200" cap="none" spc="0" normalizeH="0" baseline="0" noProof="0" dirty="0">
+                <a:ln>
+                  <a:noFill/>
+                </a:ln>
+                <a:solidFill>
+                  <a:prstClr val="black"/>
+                </a:solidFill>
+                <a:effectLst/>
+                <a:uLnTx/>
+                <a:uFillTx/>
+                <a:latin typeface="Menlo" panose="020B0609030804020204" pitchFamily="49" charset="0"/>
+                <a:ea typeface="Menlo" panose="020B0609030804020204" pitchFamily="49" charset="0"/>
+                <a:cs typeface="Menlo" panose="020B0609030804020204" pitchFamily="49" charset="0"/>
+              </a:rPr>
+              <a:t>        res = max(res, length)</a:t>
+            </a:r>
+          </a:p>
+          <a:p>
+            <a:pPr marL="0" marR="0" lvl="0" indent="0" algn="l" defTabSz="914400" rtl="0" eaLnBrk="1" fontAlgn="auto" latinLnBrk="0" hangingPunct="1">
+              <a:lnSpc>
+                <a:spcPct val="100000"/>
+              </a:lnSpc>
+              <a:spcBef>
+                <a:spcPts val="0"/>
+              </a:spcBef>
+              <a:spcAft>
+                <a:spcPts val="0"/>
+              </a:spcAft>
+              <a:buClrTx/>
+              <a:buSzTx/>
+              <a:buFontTx/>
+              <a:buNone/>
+              <a:tabLst/>
+              <a:defRPr/>
+            </a:pPr>
+            <a:r>
+              <a:rPr kumimoji="1" lang="en" altLang="zh-TW" sz="1400" b="0" i="0" u="none" strike="noStrike" kern="1200" cap="none" spc="0" normalizeH="0" baseline="0" noProof="0" dirty="0">
+                <a:ln>
+                  <a:noFill/>
+                </a:ln>
+                <a:solidFill>
+                  <a:prstClr val="black"/>
+                </a:solidFill>
+                <a:effectLst/>
+                <a:uLnTx/>
+                <a:uFillTx/>
+                <a:latin typeface="Menlo" panose="020B0609030804020204" pitchFamily="49" charset="0"/>
+                <a:ea typeface="Menlo" panose="020B0609030804020204" pitchFamily="49" charset="0"/>
+                <a:cs typeface="Menlo" panose="020B0609030804020204" pitchFamily="49" charset="0"/>
+              </a:rPr>
+              <a:t>        </a:t>
+            </a:r>
+          </a:p>
+          <a:p>
+            <a:pPr marL="0" marR="0" lvl="0" indent="0" algn="l" defTabSz="914400" rtl="0" eaLnBrk="1" fontAlgn="auto" latinLnBrk="0" hangingPunct="1">
+              <a:lnSpc>
+                <a:spcPct val="100000"/>
+              </a:lnSpc>
+              <a:spcBef>
+                <a:spcPts val="0"/>
+              </a:spcBef>
+              <a:spcAft>
+                <a:spcPts val="0"/>
+              </a:spcAft>
+              <a:buClrTx/>
+              <a:buSzTx/>
+              <a:buFontTx/>
+              <a:buNone/>
+              <a:tabLst/>
+              <a:defRPr/>
+            </a:pPr>
+            <a:r>
+              <a:rPr kumimoji="1" lang="en" altLang="zh-TW" sz="1400" b="0" i="0" u="none" strike="noStrike" kern="1200" cap="none" spc="0" normalizeH="0" baseline="0" noProof="0" dirty="0">
+                <a:ln>
+                  <a:noFill/>
+                </a:ln>
+                <a:solidFill>
+                  <a:prstClr val="black"/>
+                </a:solidFill>
+                <a:effectLst/>
+                <a:uLnTx/>
+                <a:uFillTx/>
+                <a:latin typeface="Menlo" panose="020B0609030804020204" pitchFamily="49" charset="0"/>
+                <a:ea typeface="Menlo" panose="020B0609030804020204" pitchFamily="49" charset="0"/>
+                <a:cs typeface="Menlo" panose="020B0609030804020204" pitchFamily="49" charset="0"/>
+              </a:rPr>
+              <a:t>        print(res)</a:t>
+            </a:r>
+          </a:p>
+          <a:p>
+            <a:pPr marL="0" marR="0" lvl="0" indent="0" algn="l" defTabSz="914400" rtl="0" eaLnBrk="1" fontAlgn="auto" latinLnBrk="0" hangingPunct="1">
+              <a:lnSpc>
+                <a:spcPct val="100000"/>
+              </a:lnSpc>
+              <a:spcBef>
+                <a:spcPts val="0"/>
+              </a:spcBef>
+              <a:spcAft>
+                <a:spcPts val="0"/>
+              </a:spcAft>
+              <a:buClrTx/>
+              <a:buSzTx/>
+              <a:buFontTx/>
+              <a:buNone/>
+              <a:tabLst/>
+              <a:defRPr/>
+            </a:pPr>
+            <a:r>
+              <a:rPr kumimoji="1" lang="en" altLang="zh-TW" sz="1400" b="0" i="0" u="none" strike="noStrike" kern="1200" cap="none" spc="0" normalizeH="0" baseline="0" noProof="0" dirty="0">
+                <a:ln>
+                  <a:noFill/>
+                </a:ln>
+                <a:solidFill>
+                  <a:prstClr val="black"/>
+                </a:solidFill>
+                <a:effectLst/>
+                <a:uLnTx/>
+                <a:uFillTx/>
+                <a:latin typeface="Menlo" panose="020B0609030804020204" pitchFamily="49" charset="0"/>
+                <a:ea typeface="Menlo" panose="020B0609030804020204" pitchFamily="49" charset="0"/>
+                <a:cs typeface="Menlo" panose="020B0609030804020204" pitchFamily="49" charset="0"/>
+              </a:rPr>
+              <a:t>    except:</a:t>
+            </a:r>
+          </a:p>
+          <a:p>
+            <a:pPr marL="0" marR="0" lvl="0" indent="0" algn="l" defTabSz="914400" rtl="0" eaLnBrk="1" fontAlgn="auto" latinLnBrk="0" hangingPunct="1">
+              <a:lnSpc>
+                <a:spcPct val="100000"/>
+              </a:lnSpc>
+              <a:spcBef>
+                <a:spcPts val="0"/>
+              </a:spcBef>
+              <a:spcAft>
+                <a:spcPts val="0"/>
+              </a:spcAft>
+              <a:buClrTx/>
+              <a:buSzTx/>
+              <a:buFontTx/>
+              <a:buNone/>
+              <a:tabLst/>
+              <a:defRPr/>
+            </a:pPr>
+            <a:r>
+              <a:rPr kumimoji="1" lang="en" altLang="zh-TW" sz="1400" b="0" i="0" u="none" strike="noStrike" kern="1200" cap="none" spc="0" normalizeH="0" baseline="0" noProof="0" dirty="0">
+                <a:ln>
+                  <a:noFill/>
+                </a:ln>
+                <a:solidFill>
+                  <a:prstClr val="black"/>
+                </a:solidFill>
+                <a:effectLst/>
+                <a:uLnTx/>
+                <a:uFillTx/>
+                <a:latin typeface="Menlo" panose="020B0609030804020204" pitchFamily="49" charset="0"/>
+                <a:ea typeface="Menlo" panose="020B0609030804020204" pitchFamily="49" charset="0"/>
+                <a:cs typeface="Menlo" panose="020B0609030804020204" pitchFamily="49" charset="0"/>
+              </a:rPr>
+              <a:t>        break</a:t>
+            </a:r>
+            <a:endParaRPr kumimoji="1" lang="zh-TW" altLang="en-US" sz="1400" b="0" i="0" u="none" strike="noStrike" kern="1200" cap="none" spc="0" normalizeH="0" baseline="0" noProof="0" dirty="0">
+              <a:ln>
+                <a:noFill/>
+              </a:ln>
+              <a:solidFill>
+                <a:prstClr val="black"/>
+              </a:solidFill>
+              <a:effectLst/>
+              <a:uLnTx/>
+              <a:uFillTx/>
+              <a:latin typeface="Menlo" panose="020B0609030804020204" pitchFamily="49" charset="0"/>
+              <a:ea typeface="標楷體" panose="02010601000101010101" pitchFamily="2" charset="-120"/>
+              <a:cs typeface="Menlo" panose="020B0609030804020204" pitchFamily="49" charset="0"/>
+            </a:endParaRPr>
+          </a:p>
+        </p:txBody>
+      </p:sp>
+    </p:spTree>
+    <p:extLst>
+      <p:ext uri="{BB962C8B-B14F-4D97-AF65-F5344CB8AC3E}">
+        <p14:creationId xmlns:p14="http://schemas.microsoft.com/office/powerpoint/2010/main" val="824921322"/>
       </p:ext>
     </p:extLst>
   </p:cSld>
